--- a/Report/Luan van pre.pptx
+++ b/Report/Luan van pre.pptx
@@ -5,7 +5,7 @@
     <p:sldMasterId id="2147483900" r:id="rId1"/>
   </p:sldMasterIdLst>
   <p:notesMasterIdLst>
-    <p:notesMasterId r:id="rId50"/>
+    <p:notesMasterId r:id="rId52"/>
   </p:notesMasterIdLst>
   <p:sldIdLst>
     <p:sldId id="256" r:id="rId2"/>
@@ -22,40 +22,42 @@
     <p:sldId id="338" r:id="rId13"/>
     <p:sldId id="340" r:id="rId14"/>
     <p:sldId id="339" r:id="rId15"/>
-    <p:sldId id="354" r:id="rId16"/>
-    <p:sldId id="341" r:id="rId17"/>
-    <p:sldId id="351" r:id="rId18"/>
-    <p:sldId id="350" r:id="rId19"/>
-    <p:sldId id="352" r:id="rId20"/>
-    <p:sldId id="353" r:id="rId21"/>
-    <p:sldId id="355" r:id="rId22"/>
-    <p:sldId id="342" r:id="rId23"/>
-    <p:sldId id="343" r:id="rId24"/>
-    <p:sldId id="356" r:id="rId25"/>
-    <p:sldId id="344" r:id="rId26"/>
-    <p:sldId id="345" r:id="rId27"/>
-    <p:sldId id="357" r:id="rId28"/>
-    <p:sldId id="346" r:id="rId29"/>
-    <p:sldId id="347" r:id="rId30"/>
-    <p:sldId id="358" r:id="rId31"/>
-    <p:sldId id="348" r:id="rId32"/>
-    <p:sldId id="359" r:id="rId33"/>
-    <p:sldId id="364" r:id="rId34"/>
-    <p:sldId id="349" r:id="rId35"/>
-    <p:sldId id="360" r:id="rId36"/>
-    <p:sldId id="361" r:id="rId37"/>
-    <p:sldId id="362" r:id="rId38"/>
-    <p:sldId id="366" r:id="rId39"/>
-    <p:sldId id="363" r:id="rId40"/>
-    <p:sldId id="365" r:id="rId41"/>
-    <p:sldId id="367" r:id="rId42"/>
-    <p:sldId id="368" r:id="rId43"/>
-    <p:sldId id="369" r:id="rId44"/>
-    <p:sldId id="370" r:id="rId45"/>
-    <p:sldId id="371" r:id="rId46"/>
-    <p:sldId id="372" r:id="rId47"/>
-    <p:sldId id="301" r:id="rId48"/>
-    <p:sldId id="314" r:id="rId49"/>
+    <p:sldId id="373" r:id="rId16"/>
+    <p:sldId id="354" r:id="rId17"/>
+    <p:sldId id="341" r:id="rId18"/>
+    <p:sldId id="351" r:id="rId19"/>
+    <p:sldId id="374" r:id="rId20"/>
+    <p:sldId id="350" r:id="rId21"/>
+    <p:sldId id="352" r:id="rId22"/>
+    <p:sldId id="353" r:id="rId23"/>
+    <p:sldId id="355" r:id="rId24"/>
+    <p:sldId id="342" r:id="rId25"/>
+    <p:sldId id="343" r:id="rId26"/>
+    <p:sldId id="356" r:id="rId27"/>
+    <p:sldId id="344" r:id="rId28"/>
+    <p:sldId id="345" r:id="rId29"/>
+    <p:sldId id="357" r:id="rId30"/>
+    <p:sldId id="346" r:id="rId31"/>
+    <p:sldId id="347" r:id="rId32"/>
+    <p:sldId id="358" r:id="rId33"/>
+    <p:sldId id="348" r:id="rId34"/>
+    <p:sldId id="359" r:id="rId35"/>
+    <p:sldId id="364" r:id="rId36"/>
+    <p:sldId id="349" r:id="rId37"/>
+    <p:sldId id="360" r:id="rId38"/>
+    <p:sldId id="361" r:id="rId39"/>
+    <p:sldId id="362" r:id="rId40"/>
+    <p:sldId id="366" r:id="rId41"/>
+    <p:sldId id="363" r:id="rId42"/>
+    <p:sldId id="365" r:id="rId43"/>
+    <p:sldId id="367" r:id="rId44"/>
+    <p:sldId id="368" r:id="rId45"/>
+    <p:sldId id="369" r:id="rId46"/>
+    <p:sldId id="370" r:id="rId47"/>
+    <p:sldId id="371" r:id="rId48"/>
+    <p:sldId id="372" r:id="rId49"/>
+    <p:sldId id="301" r:id="rId50"/>
+    <p:sldId id="314" r:id="rId51"/>
   </p:sldIdLst>
   <p:sldSz cx="9144000" cy="6858000" type="screen4x3"/>
   <p:notesSz cx="6858000" cy="9144000"/>
@@ -239,7 +241,7 @@
           <a:p>
             <a:fld id="{B254F1C8-CC3D-498E-B2CE-23BA4A379260}" type="datetimeFigureOut">
               <a:rPr lang="en-US" smtClean="0"/>
-              <a:t>3/8/2016</a:t>
+              <a:t>3/9/2016</a:t>
             </a:fld>
             <a:endParaRPr lang="en-US"/>
           </a:p>
@@ -772,7 +774,7 @@
           <a:p>
             <a:fld id="{B329DD22-3901-4017-BEC8-FE8750DFA061}" type="datetime1">
               <a:rPr lang="en-US" smtClean="0"/>
-              <a:t>3/8/2016</a:t>
+              <a:t>3/9/2016</a:t>
             </a:fld>
             <a:endParaRPr lang="en-US"/>
           </a:p>
@@ -946,7 +948,7 @@
           <a:p>
             <a:fld id="{115BC933-04EF-4125-ADB5-D4BD0A1A7597}" type="datetime1">
               <a:rPr lang="en-US" smtClean="0"/>
-              <a:t>3/8/2016</a:t>
+              <a:t>3/9/2016</a:t>
             </a:fld>
             <a:endParaRPr lang="en-US"/>
           </a:p>
@@ -1130,7 +1132,7 @@
           <a:p>
             <a:fld id="{17EB61BA-192C-433C-B416-72651F1A78EB}" type="datetime1">
               <a:rPr lang="en-US" smtClean="0"/>
-              <a:t>3/8/2016</a:t>
+              <a:t>3/9/2016</a:t>
             </a:fld>
             <a:endParaRPr lang="en-US"/>
           </a:p>
@@ -1304,7 +1306,7 @@
           <a:p>
             <a:fld id="{A7AAD14A-2C09-4031-875B-FB5485C85F52}" type="datetime1">
               <a:rPr lang="en-US" smtClean="0"/>
-              <a:t>3/8/2016</a:t>
+              <a:t>3/9/2016</a:t>
             </a:fld>
             <a:endParaRPr lang="en-US"/>
           </a:p>
@@ -1554,7 +1556,7 @@
           <a:p>
             <a:fld id="{5F71CD92-15F1-49C0-B076-705046C4361F}" type="datetime1">
               <a:rPr lang="en-US" smtClean="0"/>
-              <a:t>3/8/2016</a:t>
+              <a:t>3/9/2016</a:t>
             </a:fld>
             <a:endParaRPr lang="en-US"/>
           </a:p>
@@ -1846,7 +1848,7 @@
           <a:p>
             <a:fld id="{114BFDAB-3BD4-4BC8-9BA6-6E4ABE132CE6}" type="datetime1">
               <a:rPr lang="en-US" smtClean="0"/>
-              <a:t>3/8/2016</a:t>
+              <a:t>3/9/2016</a:t>
             </a:fld>
             <a:endParaRPr lang="en-US"/>
           </a:p>
@@ -2272,7 +2274,7 @@
           <a:p>
             <a:fld id="{34FCCD49-AB6B-49EC-B1AF-BDD79E29A726}" type="datetime1">
               <a:rPr lang="en-US" smtClean="0"/>
-              <a:t>3/8/2016</a:t>
+              <a:t>3/9/2016</a:t>
             </a:fld>
             <a:endParaRPr lang="en-US"/>
           </a:p>
@@ -2394,7 +2396,7 @@
           <a:p>
             <a:fld id="{0E5F5D71-C980-4D30-8EE3-BAE218D8A89F}" type="datetime1">
               <a:rPr lang="en-US" smtClean="0"/>
-              <a:t>3/8/2016</a:t>
+              <a:t>3/9/2016</a:t>
             </a:fld>
             <a:endParaRPr lang="en-US"/>
           </a:p>
@@ -2493,7 +2495,7 @@
           <a:p>
             <a:fld id="{3AF8CC4E-4914-4E8E-BF6E-87F5D8F00C88}" type="datetime1">
               <a:rPr lang="en-US" smtClean="0"/>
-              <a:t>3/8/2016</a:t>
+              <a:t>3/9/2016</a:t>
             </a:fld>
             <a:endParaRPr lang="en-US"/>
           </a:p>
@@ -2774,7 +2776,7 @@
           <a:p>
             <a:fld id="{40A97A51-EA70-40F7-9C72-010BE2156940}" type="datetime1">
               <a:rPr lang="en-US" smtClean="0"/>
-              <a:t>3/8/2016</a:t>
+              <a:t>3/9/2016</a:t>
             </a:fld>
             <a:endParaRPr lang="en-US"/>
           </a:p>
@@ -3031,7 +3033,7 @@
           <a:p>
             <a:fld id="{81C508AD-95BA-4196-BE39-DD6DCC1516CB}" type="datetime1">
               <a:rPr lang="en-US" smtClean="0"/>
-              <a:t>3/8/2016</a:t>
+              <a:t>3/9/2016</a:t>
             </a:fld>
             <a:endParaRPr lang="en-US"/>
           </a:p>
@@ -3248,7 +3250,7 @@
           <a:p>
             <a:fld id="{21D2C01F-FF40-4B38-A4B4-3E540EF55F9E}" type="datetime1">
               <a:rPr lang="en-US" smtClean="0"/>
-              <a:t>3/8/2016</a:t>
+              <a:t>3/9/2016</a:t>
             </a:fld>
             <a:endParaRPr lang="en-US"/>
           </a:p>
@@ -3651,14 +3653,14 @@
           <a:lstStyle/>
           <a:p>
             <a:r>
-              <a:rPr lang="en-US" sz="3600" dirty="0"/>
+              <a:rPr lang="en-US" sz="5400" dirty="0"/>
               <a:t>Detecting Variable Length Anomaly Patterns in Time Series </a:t>
             </a:r>
             <a:r>
-              <a:rPr lang="en-US" sz="3600" dirty="0" smtClean="0"/>
+              <a:rPr lang="en-US" sz="5400" dirty="0" smtClean="0"/>
               <a:t>Data</a:t>
             </a:r>
-            <a:endParaRPr lang="en-US" sz="3600" dirty="0"/>
+            <a:endParaRPr lang="en-US" sz="5400" dirty="0"/>
           </a:p>
         </p:txBody>
       </p:sp>
@@ -3674,7 +3676,7 @@
         </p:nvSpPr>
         <p:spPr>
           <a:xfrm>
-            <a:off x="1524000" y="3200400"/>
+            <a:off x="1371600" y="4191000"/>
             <a:ext cx="6400800" cy="1752600"/>
           </a:xfrm>
         </p:spPr>
@@ -4635,6 +4637,139 @@
           <a:p>
             <a:r>
               <a:rPr lang="en-US" dirty="0" smtClean="0"/>
+              <a:t>HOT SAX</a:t>
+            </a:r>
+            <a:endParaRPr lang="en-US" dirty="0"/>
+          </a:p>
+        </p:txBody>
+      </p:sp>
+      <p:sp>
+        <p:nvSpPr>
+          <p:cNvPr id="3" name="Content Placeholder 2"/>
+          <p:cNvSpPr>
+            <a:spLocks noGrp="1"/>
+          </p:cNvSpPr>
+          <p:nvPr>
+            <p:ph idx="1"/>
+          </p:nvPr>
+        </p:nvSpPr>
+        <p:spPr/>
+        <p:txBody>
+          <a:bodyPr/>
+          <a:lstStyle/>
+          <a:p>
+            <a:r>
+              <a:rPr lang="en-US" dirty="0"/>
+              <a:t>In outer loop, subsequences </a:t>
+            </a:r>
+            <a:r>
+              <a:rPr lang="en-US" dirty="0" smtClean="0"/>
+              <a:t>presented by words which have smallest appearing frequency in the array are </a:t>
+            </a:r>
+            <a:r>
+              <a:rPr lang="en-US" dirty="0"/>
+              <a:t>checked first </a:t>
+            </a:r>
+          </a:p>
+          <a:p>
+            <a:r>
+              <a:rPr lang="en-US" dirty="0"/>
+              <a:t>In inner loop, subsequences  belong to the same </a:t>
+            </a:r>
+            <a:r>
+              <a:rPr lang="en-US" dirty="0" smtClean="0"/>
+              <a:t>left node in the augmented </a:t>
+            </a:r>
+            <a:r>
+              <a:rPr lang="en-US" dirty="0" err="1" smtClean="0"/>
+              <a:t>trie</a:t>
+            </a:r>
+            <a:r>
+              <a:rPr lang="en-US" dirty="0" smtClean="0"/>
+              <a:t> with </a:t>
+            </a:r>
+            <a:r>
+              <a:rPr lang="en-US" dirty="0"/>
+              <a:t>the subsequence chosen at outer loop are checked first</a:t>
+            </a:r>
+            <a:r>
+              <a:rPr lang="en-US" dirty="0" smtClean="0"/>
+              <a:t>.</a:t>
+            </a:r>
+            <a:endParaRPr lang="en-US" dirty="0"/>
+          </a:p>
+        </p:txBody>
+      </p:sp>
+      <p:sp>
+        <p:nvSpPr>
+          <p:cNvPr id="4" name="Slide Number Placeholder 3"/>
+          <p:cNvSpPr>
+            <a:spLocks noGrp="1"/>
+          </p:cNvSpPr>
+          <p:nvPr>
+            <p:ph type="sldNum" sz="quarter" idx="12"/>
+          </p:nvPr>
+        </p:nvSpPr>
+        <p:spPr/>
+        <p:txBody>
+          <a:bodyPr/>
+          <a:lstStyle/>
+          <a:p>
+            <a:fld id="{38324C1E-6E2F-465B-B7AC-362036DEB808}" type="slidenum">
+              <a:rPr lang="en-US" smtClean="0"/>
+              <a:t>15</a:t>
+            </a:fld>
+            <a:endParaRPr lang="en-US"/>
+          </a:p>
+        </p:txBody>
+      </p:sp>
+    </p:spTree>
+    <p:extLst>
+      <p:ext uri="{BB962C8B-B14F-4D97-AF65-F5344CB8AC3E}">
+        <p14:creationId xmlns:p14="http://schemas.microsoft.com/office/powerpoint/2010/main" val="3867250753"/>
+      </p:ext>
+    </p:extLst>
+  </p:cSld>
+  <p:clrMapOvr>
+    <a:masterClrMapping/>
+  </p:clrMapOvr>
+</p:sld>
+</file>
+
+<file path=ppt/slides/slide16.xml><?xml version="1.0" encoding="utf-8"?>
+<p:sld xmlns:a="http://schemas.openxmlformats.org/drawingml/2006/main" xmlns:r="http://schemas.openxmlformats.org/officeDocument/2006/relationships" xmlns:p="http://schemas.openxmlformats.org/presentationml/2006/main">
+  <p:cSld>
+    <p:spTree>
+      <p:nvGrpSpPr>
+        <p:cNvPr id="1" name=""/>
+        <p:cNvGrpSpPr/>
+        <p:nvPr/>
+      </p:nvGrpSpPr>
+      <p:grpSpPr>
+        <a:xfrm>
+          <a:off x="0" y="0"/>
+          <a:ext cx="0" cy="0"/>
+          <a:chOff x="0" y="0"/>
+          <a:chExt cx="0" cy="0"/>
+        </a:xfrm>
+      </p:grpSpPr>
+      <p:sp>
+        <p:nvSpPr>
+          <p:cNvPr id="2" name="Title 1"/>
+          <p:cNvSpPr>
+            <a:spLocks noGrp="1"/>
+          </p:cNvSpPr>
+          <p:nvPr>
+            <p:ph type="title"/>
+          </p:nvPr>
+        </p:nvSpPr>
+        <p:spPr/>
+        <p:txBody>
+          <a:bodyPr/>
+          <a:lstStyle/>
+          <a:p>
+            <a:r>
+              <a:rPr lang="en-US" dirty="0" smtClean="0"/>
               <a:t>WAT</a:t>
             </a:r>
             <a:endParaRPr lang="en-US" dirty="0"/>
@@ -4658,7 +4793,7 @@
           <a:p>
             <a:fld id="{38324C1E-6E2F-465B-B7AC-362036DEB808}" type="slidenum">
               <a:rPr lang="en-US" smtClean="0"/>
-              <a:t>15</a:t>
+              <a:t>16</a:t>
             </a:fld>
             <a:endParaRPr lang="en-US"/>
           </a:p>
@@ -4774,7 +4909,7 @@
 </p:sld>
 </file>
 
-<file path=ppt/slides/slide16.xml><?xml version="1.0" encoding="utf-8"?>
+<file path=ppt/slides/slide17.xml><?xml version="1.0" encoding="utf-8"?>
 <p:sld xmlns:a="http://schemas.openxmlformats.org/drawingml/2006/main" xmlns:r="http://schemas.openxmlformats.org/officeDocument/2006/relationships" xmlns:p="http://schemas.openxmlformats.org/presentationml/2006/main">
   <p:cSld>
     <p:spTree>
@@ -4853,7 +4988,7 @@
           <a:p>
             <a:fld id="{38324C1E-6E2F-465B-B7AC-362036DEB808}" type="slidenum">
               <a:rPr lang="en-US" smtClean="0"/>
-              <a:t>16</a:t>
+              <a:t>17</a:t>
             </a:fld>
             <a:endParaRPr lang="en-US"/>
           </a:p>
@@ -4912,7 +5047,7 @@
 </p:sld>
 </file>
 
-<file path=ppt/slides/slide17.xml><?xml version="1.0" encoding="utf-8"?>
+<file path=ppt/slides/slide18.xml><?xml version="1.0" encoding="utf-8"?>
 <p:sld xmlns:a="http://schemas.openxmlformats.org/drawingml/2006/main" xmlns:r="http://schemas.openxmlformats.org/officeDocument/2006/relationships" xmlns:p="http://schemas.openxmlformats.org/presentationml/2006/main">
   <p:cSld>
     <p:spTree>
@@ -4969,7 +5104,7 @@
           <a:p>
             <a:fld id="{38324C1E-6E2F-465B-B7AC-362036DEB808}" type="slidenum">
               <a:rPr lang="en-US" smtClean="0"/>
-              <a:t>17</a:t>
+              <a:t>18</a:t>
             </a:fld>
             <a:endParaRPr lang="en-US"/>
           </a:p>
@@ -5047,7 +5182,7 @@
 </p:sld>
 </file>
 
-<file path=ppt/slides/slide18.xml><?xml version="1.0" encoding="utf-8"?>
+<file path=ppt/slides/slide19.xml><?xml version="1.0" encoding="utf-8"?>
 <p:sld xmlns:a="http://schemas.openxmlformats.org/drawingml/2006/main" xmlns:r="http://schemas.openxmlformats.org/officeDocument/2006/relationships" xmlns:p="http://schemas.openxmlformats.org/presentationml/2006/main">
   <p:cSld>
     <p:spTree>
@@ -5076,6 +5211,323 @@
         </p:nvSpPr>
         <p:spPr/>
         <p:txBody>
+          <a:bodyPr/>
+          <a:lstStyle/>
+          <a:p>
+            <a:r>
+              <a:rPr lang="en-US" dirty="0" smtClean="0"/>
+              <a:t>WAT</a:t>
+            </a:r>
+            <a:endParaRPr lang="en-US" dirty="0"/>
+          </a:p>
+        </p:txBody>
+      </p:sp>
+      <p:sp>
+        <p:nvSpPr>
+          <p:cNvPr id="3" name="Content Placeholder 2"/>
+          <p:cNvSpPr>
+            <a:spLocks noGrp="1"/>
+          </p:cNvSpPr>
+          <p:nvPr>
+            <p:ph idx="1"/>
+          </p:nvPr>
+        </p:nvSpPr>
+        <p:spPr/>
+        <p:txBody>
+          <a:bodyPr/>
+          <a:lstStyle/>
+          <a:p>
+            <a:r>
+              <a:rPr lang="en-US" dirty="0"/>
+              <a:t>In outer loop, subsequences presented by words which have smallest appearing frequency in the array are checked first </a:t>
+            </a:r>
+          </a:p>
+          <a:p>
+            <a:r>
+              <a:rPr lang="en-US" dirty="0"/>
+              <a:t>In inner loop, subsequences  belong to the same left node in </a:t>
+            </a:r>
+            <a:r>
+              <a:rPr lang="en-US" smtClean="0"/>
+              <a:t>the tree </a:t>
+            </a:r>
+            <a:r>
+              <a:rPr lang="en-US" dirty="0"/>
+              <a:t>with the subsequence chosen at outer loop are checked first</a:t>
+            </a:r>
+            <a:r>
+              <a:rPr lang="en-US" dirty="0" smtClean="0"/>
+              <a:t>.</a:t>
+            </a:r>
+            <a:endParaRPr lang="en-US" dirty="0"/>
+          </a:p>
+        </p:txBody>
+      </p:sp>
+      <p:sp>
+        <p:nvSpPr>
+          <p:cNvPr id="4" name="Slide Number Placeholder 3"/>
+          <p:cNvSpPr>
+            <a:spLocks noGrp="1"/>
+          </p:cNvSpPr>
+          <p:nvPr>
+            <p:ph type="sldNum" sz="quarter" idx="12"/>
+          </p:nvPr>
+        </p:nvSpPr>
+        <p:spPr/>
+        <p:txBody>
+          <a:bodyPr/>
+          <a:lstStyle/>
+          <a:p>
+            <a:fld id="{38324C1E-6E2F-465B-B7AC-362036DEB808}" type="slidenum">
+              <a:rPr lang="en-US" smtClean="0"/>
+              <a:t>19</a:t>
+            </a:fld>
+            <a:endParaRPr lang="en-US"/>
+          </a:p>
+        </p:txBody>
+      </p:sp>
+    </p:spTree>
+    <p:extLst>
+      <p:ext uri="{BB962C8B-B14F-4D97-AF65-F5344CB8AC3E}">
+        <p14:creationId xmlns:p14="http://schemas.microsoft.com/office/powerpoint/2010/main" val="2254567226"/>
+      </p:ext>
+    </p:extLst>
+  </p:cSld>
+  <p:clrMapOvr>
+    <a:masterClrMapping/>
+  </p:clrMapOvr>
+</p:sld>
+</file>
+
+<file path=ppt/slides/slide2.xml><?xml version="1.0" encoding="utf-8"?>
+<p:sld xmlns:a="http://schemas.openxmlformats.org/drawingml/2006/main" xmlns:r="http://schemas.openxmlformats.org/officeDocument/2006/relationships" xmlns:p="http://schemas.openxmlformats.org/presentationml/2006/main">
+  <p:cSld>
+    <p:spTree>
+      <p:nvGrpSpPr>
+        <p:cNvPr id="1" name=""/>
+        <p:cNvGrpSpPr/>
+        <p:nvPr/>
+      </p:nvGrpSpPr>
+      <p:grpSpPr>
+        <a:xfrm>
+          <a:off x="0" y="0"/>
+          <a:ext cx="0" cy="0"/>
+          <a:chOff x="0" y="0"/>
+          <a:chExt cx="0" cy="0"/>
+        </a:xfrm>
+      </p:grpSpPr>
+      <p:sp>
+        <p:nvSpPr>
+          <p:cNvPr id="2" name="Title 1"/>
+          <p:cNvSpPr>
+            <a:spLocks noGrp="1"/>
+          </p:cNvSpPr>
+          <p:nvPr>
+            <p:ph type="title"/>
+          </p:nvPr>
+        </p:nvSpPr>
+        <p:spPr/>
+        <p:txBody>
+          <a:bodyPr/>
+          <a:lstStyle/>
+          <a:p>
+            <a:r>
+              <a:rPr lang="en-US" dirty="0" smtClean="0"/>
+              <a:t>Content</a:t>
+            </a:r>
+            <a:endParaRPr lang="en-US" dirty="0"/>
+          </a:p>
+        </p:txBody>
+      </p:sp>
+      <p:sp>
+        <p:nvSpPr>
+          <p:cNvPr id="3" name="Slide Number Placeholder 2"/>
+          <p:cNvSpPr>
+            <a:spLocks noGrp="1"/>
+          </p:cNvSpPr>
+          <p:nvPr>
+            <p:ph type="sldNum" sz="quarter" idx="12"/>
+          </p:nvPr>
+        </p:nvSpPr>
+        <p:spPr/>
+        <p:txBody>
+          <a:bodyPr/>
+          <a:lstStyle/>
+          <a:p>
+            <a:fld id="{38324C1E-6E2F-465B-B7AC-362036DEB808}" type="slidenum">
+              <a:rPr lang="en-US" smtClean="0"/>
+              <a:t>2</a:t>
+            </a:fld>
+            <a:endParaRPr lang="en-US"/>
+          </a:p>
+        </p:txBody>
+      </p:sp>
+      <p:sp>
+        <p:nvSpPr>
+          <p:cNvPr id="5" name="TextBox 4"/>
+          <p:cNvSpPr txBox="1"/>
+          <p:nvPr/>
+        </p:nvSpPr>
+        <p:spPr>
+          <a:xfrm>
+            <a:off x="533400" y="1524000"/>
+            <a:ext cx="8229600" cy="2677656"/>
+          </a:xfrm>
+          <a:prstGeom prst="rect">
+            <a:avLst/>
+          </a:prstGeom>
+          <a:noFill/>
+        </p:spPr>
+        <p:txBody>
+          <a:bodyPr wrap="square" rtlCol="0">
+            <a:spAutoFit/>
+          </a:bodyPr>
+          <a:lstStyle/>
+          <a:p>
+            <a:pPr marL="285750" indent="-285750">
+              <a:buFont typeface="Arial" pitchFamily="34" charset="0"/>
+              <a:buChar char="•"/>
+            </a:pPr>
+            <a:r>
+              <a:rPr lang="en-US" sz="2400" dirty="0" smtClean="0">
+                <a:latin typeface="+mj-lt"/>
+              </a:rPr>
+              <a:t>Introduction</a:t>
+            </a:r>
+          </a:p>
+          <a:p>
+            <a:pPr marL="285750" indent="-285750">
+              <a:buFont typeface="Arial" pitchFamily="34" charset="0"/>
+              <a:buChar char="•"/>
+            </a:pPr>
+            <a:r>
+              <a:rPr lang="en-US" sz="2400" dirty="0" smtClean="0">
+                <a:latin typeface="+mj-lt"/>
+              </a:rPr>
+              <a:t>Some </a:t>
+            </a:r>
+            <a:r>
+              <a:rPr lang="en-US" sz="2400" dirty="0"/>
+              <a:t>Definitions</a:t>
+            </a:r>
+            <a:r>
+              <a:rPr lang="en-US" sz="2400" dirty="0" smtClean="0">
+                <a:latin typeface="+mj-lt"/>
+              </a:rPr>
+              <a:t> </a:t>
+            </a:r>
+          </a:p>
+          <a:p>
+            <a:pPr marL="285750" indent="-285750">
+              <a:buFont typeface="Arial" pitchFamily="34" charset="0"/>
+              <a:buChar char="•"/>
+            </a:pPr>
+            <a:r>
+              <a:rPr lang="en-US" sz="2400" dirty="0" smtClean="0">
+                <a:latin typeface="+mj-lt"/>
+              </a:rPr>
+              <a:t>Related Works</a:t>
+            </a:r>
+          </a:p>
+          <a:p>
+            <a:pPr marL="285750" indent="-285750">
+              <a:buFont typeface="Arial" pitchFamily="34" charset="0"/>
+              <a:buChar char="•"/>
+            </a:pPr>
+            <a:r>
+              <a:rPr lang="en-US" sz="2400" dirty="0" smtClean="0">
+                <a:latin typeface="+mj-lt"/>
+              </a:rPr>
+              <a:t>Proposed Algorithms</a:t>
+            </a:r>
+          </a:p>
+          <a:p>
+            <a:pPr marL="285750" indent="-285750">
+              <a:buFont typeface="Arial" pitchFamily="34" charset="0"/>
+              <a:buChar char="•"/>
+            </a:pPr>
+            <a:r>
+              <a:rPr lang="en-US" sz="2400" dirty="0" smtClean="0">
+                <a:latin typeface="+mj-lt"/>
+              </a:rPr>
+              <a:t>Experimental Evaluation</a:t>
+            </a:r>
+          </a:p>
+          <a:p>
+            <a:pPr marL="285750" indent="-285750">
+              <a:buFont typeface="Arial" pitchFamily="34" charset="0"/>
+              <a:buChar char="•"/>
+            </a:pPr>
+            <a:r>
+              <a:rPr lang="en-US" sz="2400" dirty="0" smtClean="0">
+                <a:latin typeface="+mj-lt"/>
+              </a:rPr>
+              <a:t>Conclusion</a:t>
+            </a:r>
+          </a:p>
+          <a:p>
+            <a:pPr marL="285750" indent="-285750">
+              <a:buFont typeface="Arial" pitchFamily="34" charset="0"/>
+              <a:buChar char="•"/>
+            </a:pPr>
+            <a:r>
+              <a:rPr lang="en-US" sz="2400" dirty="0" smtClean="0">
+                <a:latin typeface="+mj-lt"/>
+              </a:rPr>
+              <a:t>Q&amp;A</a:t>
+            </a:r>
+          </a:p>
+        </p:txBody>
+      </p:sp>
+    </p:spTree>
+    <p:extLst>
+      <p:ext uri="{BB962C8B-B14F-4D97-AF65-F5344CB8AC3E}">
+        <p14:creationId xmlns:p14="http://schemas.microsoft.com/office/powerpoint/2010/main" val="2386314058"/>
+      </p:ext>
+    </p:extLst>
+  </p:cSld>
+  <p:clrMapOvr>
+    <a:masterClrMapping/>
+  </p:clrMapOvr>
+  <p:timing>
+    <p:tnLst>
+      <p:par>
+        <p:cTn id="1" dur="indefinite" restart="never" nodeType="tmRoot"/>
+      </p:par>
+    </p:tnLst>
+  </p:timing>
+</p:sld>
+</file>
+
+<file path=ppt/slides/slide20.xml><?xml version="1.0" encoding="utf-8"?>
+<p:sld xmlns:a="http://schemas.openxmlformats.org/drawingml/2006/main" xmlns:r="http://schemas.openxmlformats.org/officeDocument/2006/relationships" xmlns:p="http://schemas.openxmlformats.org/presentationml/2006/main">
+  <p:cSld>
+    <p:spTree>
+      <p:nvGrpSpPr>
+        <p:cNvPr id="1" name=""/>
+        <p:cNvGrpSpPr/>
+        <p:nvPr/>
+      </p:nvGrpSpPr>
+      <p:grpSpPr>
+        <a:xfrm>
+          <a:off x="0" y="0"/>
+          <a:ext cx="0" cy="0"/>
+          <a:chOff x="0" y="0"/>
+          <a:chExt cx="0" cy="0"/>
+        </a:xfrm>
+      </p:grpSpPr>
+      <p:sp>
+        <p:nvSpPr>
+          <p:cNvPr id="2" name="Title 1"/>
+          <p:cNvSpPr>
+            <a:spLocks noGrp="1"/>
+          </p:cNvSpPr>
+          <p:nvPr>
+            <p:ph type="title"/>
+          </p:nvPr>
+        </p:nvSpPr>
+        <p:spPr/>
+        <p:txBody>
           <a:bodyPr>
             <a:normAutofit fontScale="90000"/>
           </a:bodyPr>
@@ -5105,7 +5557,7 @@
           <a:p>
             <a:fld id="{38324C1E-6E2F-465B-B7AC-362036DEB808}" type="slidenum">
               <a:rPr lang="en-US" smtClean="0"/>
-              <a:t>18</a:t>
+              <a:t>20</a:t>
             </a:fld>
             <a:endParaRPr lang="en-US"/>
           </a:p>
@@ -5170,10 +5622,17 @@
   <p:clrMapOvr>
     <a:masterClrMapping/>
   </p:clrMapOvr>
+  <p:timing>
+    <p:tnLst>
+      <p:par>
+        <p:cTn id="1" dur="indefinite" restart="never" nodeType="tmRoot"/>
+      </p:par>
+    </p:tnLst>
+  </p:timing>
 </p:sld>
 </file>
 
-<file path=ppt/slides/slide19.xml><?xml version="1.0" encoding="utf-8"?>
+<file path=ppt/slides/slide21.xml><?xml version="1.0" encoding="utf-8"?>
 <p:sld xmlns:a="http://schemas.openxmlformats.org/drawingml/2006/main" xmlns:r="http://schemas.openxmlformats.org/officeDocument/2006/relationships" xmlns:p="http://schemas.openxmlformats.org/presentationml/2006/main">
   <p:cSld>
     <p:spTree>
@@ -5231,7 +5690,7 @@
           <a:p>
             <a:fld id="{38324C1E-6E2F-465B-B7AC-362036DEB808}" type="slidenum">
               <a:rPr lang="en-US" smtClean="0"/>
-              <a:t>19</a:t>
+              <a:t>21</a:t>
             </a:fld>
             <a:endParaRPr lang="en-US"/>
           </a:p>
@@ -5820,208 +6279,6 @@
   <p:clrMapOvr>
     <a:masterClrMapping/>
   </p:clrMapOvr>
-</p:sld>
-</file>
-
-<file path=ppt/slides/slide2.xml><?xml version="1.0" encoding="utf-8"?>
-<p:sld xmlns:a="http://schemas.openxmlformats.org/drawingml/2006/main" xmlns:r="http://schemas.openxmlformats.org/officeDocument/2006/relationships" xmlns:p="http://schemas.openxmlformats.org/presentationml/2006/main">
-  <p:cSld>
-    <p:spTree>
-      <p:nvGrpSpPr>
-        <p:cNvPr id="1" name=""/>
-        <p:cNvGrpSpPr/>
-        <p:nvPr/>
-      </p:nvGrpSpPr>
-      <p:grpSpPr>
-        <a:xfrm>
-          <a:off x="0" y="0"/>
-          <a:ext cx="0" cy="0"/>
-          <a:chOff x="0" y="0"/>
-          <a:chExt cx="0" cy="0"/>
-        </a:xfrm>
-      </p:grpSpPr>
-      <p:sp>
-        <p:nvSpPr>
-          <p:cNvPr id="2" name="Title 1"/>
-          <p:cNvSpPr>
-            <a:spLocks noGrp="1"/>
-          </p:cNvSpPr>
-          <p:nvPr>
-            <p:ph type="title"/>
-          </p:nvPr>
-        </p:nvSpPr>
-        <p:spPr/>
-        <p:txBody>
-          <a:bodyPr/>
-          <a:lstStyle/>
-          <a:p>
-            <a:r>
-              <a:rPr lang="en-US" dirty="0" smtClean="0"/>
-              <a:t>Content</a:t>
-            </a:r>
-            <a:endParaRPr lang="en-US" dirty="0"/>
-          </a:p>
-        </p:txBody>
-      </p:sp>
-      <p:sp>
-        <p:nvSpPr>
-          <p:cNvPr id="3" name="Slide Number Placeholder 2"/>
-          <p:cNvSpPr>
-            <a:spLocks noGrp="1"/>
-          </p:cNvSpPr>
-          <p:nvPr>
-            <p:ph type="sldNum" sz="quarter" idx="12"/>
-          </p:nvPr>
-        </p:nvSpPr>
-        <p:spPr/>
-        <p:txBody>
-          <a:bodyPr/>
-          <a:lstStyle/>
-          <a:p>
-            <a:fld id="{38324C1E-6E2F-465B-B7AC-362036DEB808}" type="slidenum">
-              <a:rPr lang="en-US" smtClean="0"/>
-              <a:t>2</a:t>
-            </a:fld>
-            <a:endParaRPr lang="en-US"/>
-          </a:p>
-        </p:txBody>
-      </p:sp>
-      <p:sp>
-        <p:nvSpPr>
-          <p:cNvPr id="5" name="TextBox 4"/>
-          <p:cNvSpPr txBox="1"/>
-          <p:nvPr/>
-        </p:nvSpPr>
-        <p:spPr>
-          <a:xfrm>
-            <a:off x="533400" y="1524000"/>
-            <a:ext cx="8229600" cy="2677656"/>
-          </a:xfrm>
-          <a:prstGeom prst="rect">
-            <a:avLst/>
-          </a:prstGeom>
-          <a:noFill/>
-        </p:spPr>
-        <p:txBody>
-          <a:bodyPr wrap="square" rtlCol="0">
-            <a:spAutoFit/>
-          </a:bodyPr>
-          <a:lstStyle/>
-          <a:p>
-            <a:pPr marL="285750" indent="-285750">
-              <a:buFont typeface="Arial" pitchFamily="34" charset="0"/>
-              <a:buChar char="•"/>
-            </a:pPr>
-            <a:r>
-              <a:rPr lang="en-US" sz="2400" dirty="0" smtClean="0">
-                <a:latin typeface="+mj-lt"/>
-              </a:rPr>
-              <a:t>Introduction</a:t>
-            </a:r>
-          </a:p>
-          <a:p>
-            <a:pPr marL="285750" indent="-285750">
-              <a:buFont typeface="Arial" pitchFamily="34" charset="0"/>
-              <a:buChar char="•"/>
-            </a:pPr>
-            <a:r>
-              <a:rPr lang="en-US" sz="2400" dirty="0" smtClean="0">
-                <a:latin typeface="+mj-lt"/>
-              </a:rPr>
-              <a:t>Some </a:t>
-            </a:r>
-            <a:r>
-              <a:rPr lang="en-US" sz="2400" dirty="0"/>
-              <a:t>Definitions</a:t>
-            </a:r>
-            <a:r>
-              <a:rPr lang="en-US" sz="2400" dirty="0" smtClean="0">
-                <a:latin typeface="+mj-lt"/>
-              </a:rPr>
-              <a:t> </a:t>
-            </a:r>
-          </a:p>
-          <a:p>
-            <a:pPr marL="285750" indent="-285750">
-              <a:buFont typeface="Arial" pitchFamily="34" charset="0"/>
-              <a:buChar char="•"/>
-            </a:pPr>
-            <a:r>
-              <a:rPr lang="en-US" sz="2400" dirty="0" smtClean="0">
-                <a:latin typeface="+mj-lt"/>
-              </a:rPr>
-              <a:t>Related Works</a:t>
-            </a:r>
-          </a:p>
-          <a:p>
-            <a:pPr marL="285750" indent="-285750">
-              <a:buFont typeface="Arial" pitchFamily="34" charset="0"/>
-              <a:buChar char="•"/>
-            </a:pPr>
-            <a:r>
-              <a:rPr lang="en-US" sz="2400" dirty="0" smtClean="0">
-                <a:latin typeface="+mj-lt"/>
-              </a:rPr>
-              <a:t>Proposed Algorithms</a:t>
-            </a:r>
-          </a:p>
-          <a:p>
-            <a:pPr marL="285750" indent="-285750">
-              <a:buFont typeface="Arial" pitchFamily="34" charset="0"/>
-              <a:buChar char="•"/>
-            </a:pPr>
-            <a:r>
-              <a:rPr lang="en-US" sz="2400" dirty="0" smtClean="0">
-                <a:latin typeface="+mj-lt"/>
-              </a:rPr>
-              <a:t>Experimental </a:t>
-            </a:r>
-            <a:r>
-              <a:rPr lang="en-US" sz="2400" dirty="0" smtClean="0">
-                <a:latin typeface="+mj-lt"/>
-              </a:rPr>
-              <a:t>Evaluation</a:t>
-            </a:r>
-          </a:p>
-          <a:p>
-            <a:pPr marL="285750" indent="-285750">
-              <a:buFont typeface="Arial" pitchFamily="34" charset="0"/>
-              <a:buChar char="•"/>
-            </a:pPr>
-            <a:r>
-              <a:rPr lang="en-US" sz="2400" dirty="0" smtClean="0">
-                <a:latin typeface="+mj-lt"/>
-              </a:rPr>
-              <a:t>Conclusion</a:t>
-            </a:r>
-            <a:endParaRPr lang="en-US" sz="2400" dirty="0" smtClean="0">
-              <a:latin typeface="+mj-lt"/>
-            </a:endParaRPr>
-          </a:p>
-          <a:p>
-            <a:pPr marL="285750" indent="-285750">
-              <a:buFont typeface="Arial" pitchFamily="34" charset="0"/>
-              <a:buChar char="•"/>
-            </a:pPr>
-            <a:r>
-              <a:rPr lang="en-US" sz="2400" dirty="0" smtClean="0">
-                <a:latin typeface="+mj-lt"/>
-              </a:rPr>
-              <a:t>Q&amp;A</a:t>
-            </a:r>
-          </a:p>
-        </p:txBody>
-      </p:sp>
-    </p:spTree>
-    <p:extLst>
-      <p:ext uri="{BB962C8B-B14F-4D97-AF65-F5344CB8AC3E}">
-        <p14:creationId xmlns:p14="http://schemas.microsoft.com/office/powerpoint/2010/main" val="2386314058"/>
-      </p:ext>
-    </p:extLst>
-  </p:cSld>
-  <p:clrMapOvr>
-    <a:masterClrMapping/>
-  </p:clrMapOvr>
   <p:timing>
     <p:tnLst>
       <p:par>
@@ -6029,239 +6286,6 @@
       </p:par>
     </p:tnLst>
   </p:timing>
-</p:sld>
-</file>
-
-<file path=ppt/slides/slide20.xml><?xml version="1.0" encoding="utf-8"?>
-<p:sld xmlns:a="http://schemas.openxmlformats.org/drawingml/2006/main" xmlns:r="http://schemas.openxmlformats.org/officeDocument/2006/relationships" xmlns:p="http://schemas.openxmlformats.org/presentationml/2006/main">
-  <p:cSld>
-    <p:spTree>
-      <p:nvGrpSpPr>
-        <p:cNvPr id="1" name=""/>
-        <p:cNvGrpSpPr/>
-        <p:nvPr/>
-      </p:nvGrpSpPr>
-      <p:grpSpPr>
-        <a:xfrm>
-          <a:off x="0" y="0"/>
-          <a:ext cx="0" cy="0"/>
-          <a:chOff x="0" y="0"/>
-          <a:chExt cx="0" cy="0"/>
-        </a:xfrm>
-      </p:grpSpPr>
-      <p:sp>
-        <p:nvSpPr>
-          <p:cNvPr id="2" name="Title 1"/>
-          <p:cNvSpPr>
-            <a:spLocks noGrp="1"/>
-          </p:cNvSpPr>
-          <p:nvPr>
-            <p:ph type="title"/>
-          </p:nvPr>
-        </p:nvSpPr>
-        <p:spPr/>
-        <p:txBody>
-          <a:bodyPr>
-            <a:normAutofit fontScale="90000"/>
-          </a:bodyPr>
-          <a:lstStyle/>
-          <a:p>
-            <a:r>
-              <a:rPr lang="en-US" dirty="0"/>
-              <a:t>Method based on PAA bit representation and clustering</a:t>
-            </a:r>
-          </a:p>
-        </p:txBody>
-      </p:sp>
-      <p:sp>
-        <p:nvSpPr>
-          <p:cNvPr id="3" name="Content Placeholder 2"/>
-          <p:cNvSpPr>
-            <a:spLocks noGrp="1"/>
-          </p:cNvSpPr>
-          <p:nvPr>
-            <p:ph idx="1"/>
-          </p:nvPr>
-        </p:nvSpPr>
-        <p:spPr/>
-        <p:txBody>
-          <a:bodyPr>
-            <a:normAutofit fontScale="92500" lnSpcReduction="10000"/>
-          </a:bodyPr>
-          <a:lstStyle/>
-          <a:p>
-            <a:r>
-              <a:rPr lang="en-US" dirty="0" smtClean="0"/>
-              <a:t>k bit representations are randomly chosen as k cluster </a:t>
-            </a:r>
-            <a:r>
-              <a:rPr lang="en-US" dirty="0" err="1" smtClean="0"/>
-              <a:t>centres</a:t>
-            </a:r>
-            <a:endParaRPr lang="en-US" dirty="0" smtClean="0"/>
-          </a:p>
-          <a:p>
-            <a:r>
-              <a:rPr lang="en-US" dirty="0" smtClean="0"/>
-              <a:t>A bit representation is assigned to the nearest cluster.</a:t>
-            </a:r>
-          </a:p>
-          <a:p>
-            <a:r>
-              <a:rPr lang="en-US" dirty="0" smtClean="0"/>
-              <a:t>In outer loop, subsequences which have bit representations belong to the smallest cluster (cluster has the fewest elements) is checked first </a:t>
-            </a:r>
-          </a:p>
-          <a:p>
-            <a:r>
-              <a:rPr lang="en-US" dirty="0" smtClean="0"/>
-              <a:t>In inner loop, </a:t>
-            </a:r>
-            <a:r>
-              <a:rPr lang="en-US" dirty="0"/>
-              <a:t>subsequences </a:t>
-            </a:r>
-            <a:r>
-              <a:rPr lang="en-US" dirty="0" smtClean="0"/>
-              <a:t> belong to the same cluster with the subsequence chosen at outer loop are checked first.</a:t>
-            </a:r>
-            <a:endParaRPr lang="en-US" dirty="0"/>
-          </a:p>
-        </p:txBody>
-      </p:sp>
-      <p:sp>
-        <p:nvSpPr>
-          <p:cNvPr id="4" name="Slide Number Placeholder 3"/>
-          <p:cNvSpPr>
-            <a:spLocks noGrp="1"/>
-          </p:cNvSpPr>
-          <p:nvPr>
-            <p:ph type="sldNum" sz="quarter" idx="12"/>
-          </p:nvPr>
-        </p:nvSpPr>
-        <p:spPr/>
-        <p:txBody>
-          <a:bodyPr/>
-          <a:lstStyle/>
-          <a:p>
-            <a:fld id="{38324C1E-6E2F-465B-B7AC-362036DEB808}" type="slidenum">
-              <a:rPr lang="en-US" smtClean="0"/>
-              <a:t>20</a:t>
-            </a:fld>
-            <a:endParaRPr lang="en-US"/>
-          </a:p>
-        </p:txBody>
-      </p:sp>
-    </p:spTree>
-    <p:extLst>
-      <p:ext uri="{BB962C8B-B14F-4D97-AF65-F5344CB8AC3E}">
-        <p14:creationId xmlns:p14="http://schemas.microsoft.com/office/powerpoint/2010/main" val="491523616"/>
-      </p:ext>
-    </p:extLst>
-  </p:cSld>
-  <p:clrMapOvr>
-    <a:masterClrMapping/>
-  </p:clrMapOvr>
-</p:sld>
-</file>
-
-<file path=ppt/slides/slide21.xml><?xml version="1.0" encoding="utf-8"?>
-<p:sld xmlns:a="http://schemas.openxmlformats.org/drawingml/2006/main" xmlns:r="http://schemas.openxmlformats.org/officeDocument/2006/relationships" xmlns:p="http://schemas.openxmlformats.org/presentationml/2006/main">
-  <p:cSld>
-    <p:spTree>
-      <p:nvGrpSpPr>
-        <p:cNvPr id="1" name=""/>
-        <p:cNvGrpSpPr/>
-        <p:nvPr/>
-      </p:nvGrpSpPr>
-      <p:grpSpPr>
-        <a:xfrm>
-          <a:off x="0" y="0"/>
-          <a:ext cx="0" cy="0"/>
-          <a:chOff x="0" y="0"/>
-          <a:chExt cx="0" cy="0"/>
-        </a:xfrm>
-      </p:grpSpPr>
-      <p:sp>
-        <p:nvSpPr>
-          <p:cNvPr id="2" name="Title 1"/>
-          <p:cNvSpPr>
-            <a:spLocks noGrp="1"/>
-          </p:cNvSpPr>
-          <p:nvPr>
-            <p:ph type="title"/>
-          </p:nvPr>
-        </p:nvSpPr>
-        <p:spPr/>
-        <p:txBody>
-          <a:bodyPr>
-            <a:normAutofit fontScale="90000"/>
-          </a:bodyPr>
-          <a:lstStyle/>
-          <a:p>
-            <a:r>
-              <a:rPr lang="en-US" dirty="0"/>
-              <a:t>Method based on PAA bit representation and clustering</a:t>
-            </a:r>
-          </a:p>
-        </p:txBody>
-      </p:sp>
-      <p:sp>
-        <p:nvSpPr>
-          <p:cNvPr id="3" name="Content Placeholder 2"/>
-          <p:cNvSpPr>
-            <a:spLocks noGrp="1"/>
-          </p:cNvSpPr>
-          <p:nvPr>
-            <p:ph idx="1"/>
-          </p:nvPr>
-        </p:nvSpPr>
-        <p:spPr/>
-        <p:txBody>
-          <a:bodyPr/>
-          <a:lstStyle/>
-          <a:p>
-            <a:r>
-              <a:rPr lang="en-US" dirty="0" smtClean="0"/>
-              <a:t>3 above algorithms need to know the length of anomaly subsequence in advance.</a:t>
-            </a:r>
-            <a:endParaRPr lang="en-US" dirty="0"/>
-          </a:p>
-        </p:txBody>
-      </p:sp>
-      <p:sp>
-        <p:nvSpPr>
-          <p:cNvPr id="4" name="Slide Number Placeholder 3"/>
-          <p:cNvSpPr>
-            <a:spLocks noGrp="1"/>
-          </p:cNvSpPr>
-          <p:nvPr>
-            <p:ph type="sldNum" sz="quarter" idx="12"/>
-          </p:nvPr>
-        </p:nvSpPr>
-        <p:spPr/>
-        <p:txBody>
-          <a:bodyPr/>
-          <a:lstStyle/>
-          <a:p>
-            <a:fld id="{38324C1E-6E2F-465B-B7AC-362036DEB808}" type="slidenum">
-              <a:rPr lang="en-US" smtClean="0"/>
-              <a:t>21</a:t>
-            </a:fld>
-            <a:endParaRPr lang="en-US"/>
-          </a:p>
-        </p:txBody>
-      </p:sp>
-    </p:spTree>
-    <p:extLst>
-      <p:ext uri="{BB962C8B-B14F-4D97-AF65-F5344CB8AC3E}">
-        <p14:creationId xmlns:p14="http://schemas.microsoft.com/office/powerpoint/2010/main" val="1084167868"/>
-      </p:ext>
-    </p:extLst>
-  </p:cSld>
-  <p:clrMapOvr>
-    <a:masterClrMapping/>
-  </p:clrMapOvr>
 </p:sld>
 </file>
 
@@ -6292,12 +6316,7 @@
             <p:ph type="title"/>
           </p:nvPr>
         </p:nvSpPr>
-        <p:spPr>
-          <a:xfrm>
-            <a:off x="457200" y="228600"/>
-            <a:ext cx="8229600" cy="1143000"/>
-          </a:xfrm>
-        </p:spPr>
+        <p:spPr/>
         <p:txBody>
           <a:bodyPr>
             <a:normAutofit fontScale="90000"/>
@@ -6306,7 +6325,7 @@
           <a:p>
             <a:r>
               <a:rPr lang="en-US" dirty="0"/>
-              <a:t>Method based on Segmentation and Anomaly Factors</a:t>
+              <a:t>Method based on PAA bit representation and clustering</a:t>
             </a:r>
           </a:p>
         </p:txBody>
@@ -6323,112 +6342,45 @@
         </p:nvSpPr>
         <p:spPr/>
         <p:txBody>
-          <a:bodyPr/>
-          <a:lstStyle/>
-          <a:p>
-            <a:r>
-              <a:rPr lang="en-US" dirty="0" smtClean="0"/>
-              <a:t>Proposed by </a:t>
+          <a:bodyPr>
+            <a:normAutofit fontScale="92500" lnSpcReduction="10000"/>
+          </a:bodyPr>
+          <a:lstStyle/>
+          <a:p>
+            <a:r>
+              <a:rPr lang="en-US" dirty="0" smtClean="0"/>
+              <a:t>k bit representations are randomly chosen as k cluster </a:t>
             </a:r>
             <a:r>
               <a:rPr lang="en-US" dirty="0" err="1" smtClean="0"/>
-              <a:t>Leng</a:t>
-            </a:r>
-            <a:r>
-              <a:rPr lang="en-US" dirty="0" smtClean="0"/>
-              <a:t> et al. in 2008</a:t>
-            </a:r>
-          </a:p>
-          <a:p>
-            <a:r>
-              <a:rPr lang="en-US" dirty="0" smtClean="0"/>
-              <a:t>The method includes 2 phase</a:t>
-            </a:r>
-          </a:p>
-          <a:p>
-            <a:r>
-              <a:rPr lang="en-US" dirty="0" smtClean="0"/>
-              <a:t>Phase 1: use </a:t>
-            </a:r>
-            <a:r>
-              <a:rPr lang="en-US" dirty="0"/>
-              <a:t>quadratic regression model to segment time series. Regression function is defined as </a:t>
-            </a:r>
-            <a:r>
-              <a:rPr lang="en-US" i="1" dirty="0"/>
-              <a:t>f</a:t>
-            </a:r>
-            <a:r>
-              <a:rPr lang="en-US" dirty="0"/>
-              <a:t>(</a:t>
-            </a:r>
-            <a:r>
-              <a:rPr lang="en-US" i="1" dirty="0"/>
-              <a:t>t</a:t>
-            </a:r>
-            <a:r>
-              <a:rPr lang="en-US" dirty="0"/>
-              <a:t>) = </a:t>
-            </a:r>
-            <a:r>
-              <a:rPr lang="en-US" i="1" dirty="0">
-                <a:sym typeface="Symbol"/>
-              </a:rPr>
-              <a:t></a:t>
-            </a:r>
-            <a:r>
-              <a:rPr lang="en-US" i="1" baseline="-25000" dirty="0"/>
-              <a:t>0</a:t>
-            </a:r>
-            <a:r>
-              <a:rPr lang="en-US" dirty="0"/>
-              <a:t> + </a:t>
-            </a:r>
-            <a:r>
-              <a:rPr lang="en-US" i="1" dirty="0">
-                <a:sym typeface="Symbol"/>
-              </a:rPr>
-              <a:t></a:t>
-            </a:r>
-            <a:r>
-              <a:rPr lang="en-US" i="1" baseline="-25000" dirty="0"/>
-              <a:t>1</a:t>
-            </a:r>
-            <a:r>
-              <a:rPr lang="en-US" i="1" dirty="0"/>
-              <a:t>t</a:t>
-            </a:r>
-            <a:r>
-              <a:rPr lang="en-US" dirty="0"/>
-              <a:t> + </a:t>
-            </a:r>
-            <a:r>
-              <a:rPr lang="en-US" i="1" dirty="0">
-                <a:sym typeface="Symbol"/>
-              </a:rPr>
-              <a:t></a:t>
-            </a:r>
-            <a:r>
-              <a:rPr lang="en-US" i="1" baseline="-25000" dirty="0"/>
-              <a:t>2</a:t>
-            </a:r>
-            <a:r>
-              <a:rPr lang="en-US" i="1" dirty="0"/>
-              <a:t>t</a:t>
-            </a:r>
-            <a:r>
-              <a:rPr lang="en-US" baseline="30000" dirty="0"/>
-              <a:t>2</a:t>
-            </a:r>
-            <a:r>
-              <a:rPr lang="en-US" dirty="0" smtClean="0"/>
-              <a:t>,</a:t>
-            </a:r>
-          </a:p>
-          <a:p>
-            <a:r>
-              <a:rPr lang="en-US" dirty="0" smtClean="0"/>
-              <a:t>Phase 2: Calculate anomaly factors for the subsequences and show abnormal patterns.</a:t>
+              <a:t>centres</a:t>
+            </a:r>
+            <a:endParaRPr lang="en-US" dirty="0" smtClean="0"/>
+          </a:p>
+          <a:p>
+            <a:r>
+              <a:rPr lang="en-US" dirty="0" smtClean="0"/>
+              <a:t>A bit representation is assigned to the nearest cluster.</a:t>
+            </a:r>
+          </a:p>
+          <a:p>
+            <a:r>
+              <a:rPr lang="en-US" dirty="0" smtClean="0"/>
+              <a:t>In outer loop, subsequences which have bit representations belong to the smallest cluster (cluster has the fewest elements) is checked first </a:t>
+            </a:r>
+          </a:p>
+          <a:p>
+            <a:r>
+              <a:rPr lang="en-US" dirty="0" smtClean="0"/>
+              <a:t>In inner loop, </a:t>
+            </a:r>
+            <a:r>
+              <a:rPr lang="en-US" dirty="0"/>
+              <a:t>subsequences </a:t>
+            </a:r>
+            <a:r>
+              <a:rPr lang="en-US" dirty="0" smtClean="0"/>
+              <a:t> belong to the same cluster with the subsequence chosen at outer loop are checked first.</a:t>
             </a:r>
             <a:endParaRPr lang="en-US" dirty="0"/>
           </a:p>
@@ -6460,7 +6412,7 @@
     </p:spTree>
     <p:extLst>
       <p:ext uri="{BB962C8B-B14F-4D97-AF65-F5344CB8AC3E}">
-        <p14:creationId xmlns:p14="http://schemas.microsoft.com/office/powerpoint/2010/main" val="1180506628"/>
+        <p14:creationId xmlns:p14="http://schemas.microsoft.com/office/powerpoint/2010/main" val="491523616"/>
       </p:ext>
     </p:extLst>
   </p:cSld>
@@ -6507,6 +6459,325 @@
         <p:spPr/>
         <p:txBody>
           <a:bodyPr>
+            <a:normAutofit fontScale="90000"/>
+          </a:bodyPr>
+          <a:lstStyle/>
+          <a:p>
+            <a:r>
+              <a:rPr lang="en-US" dirty="0"/>
+              <a:t>Method based on PAA bit representation and clustering</a:t>
+            </a:r>
+          </a:p>
+        </p:txBody>
+      </p:sp>
+      <p:sp>
+        <p:nvSpPr>
+          <p:cNvPr id="3" name="Content Placeholder 2"/>
+          <p:cNvSpPr>
+            <a:spLocks noGrp="1"/>
+          </p:cNvSpPr>
+          <p:nvPr>
+            <p:ph idx="1"/>
+          </p:nvPr>
+        </p:nvSpPr>
+        <p:spPr/>
+        <p:txBody>
+          <a:bodyPr/>
+          <a:lstStyle/>
+          <a:p>
+            <a:r>
+              <a:rPr lang="en-US" dirty="0" smtClean="0"/>
+              <a:t>3 above algorithms need to know the length of anomaly subsequence in advance.</a:t>
+            </a:r>
+            <a:endParaRPr lang="en-US" dirty="0"/>
+          </a:p>
+        </p:txBody>
+      </p:sp>
+      <p:sp>
+        <p:nvSpPr>
+          <p:cNvPr id="4" name="Slide Number Placeholder 3"/>
+          <p:cNvSpPr>
+            <a:spLocks noGrp="1"/>
+          </p:cNvSpPr>
+          <p:nvPr>
+            <p:ph type="sldNum" sz="quarter" idx="12"/>
+          </p:nvPr>
+        </p:nvSpPr>
+        <p:spPr/>
+        <p:txBody>
+          <a:bodyPr/>
+          <a:lstStyle/>
+          <a:p>
+            <a:fld id="{38324C1E-6E2F-465B-B7AC-362036DEB808}" type="slidenum">
+              <a:rPr lang="en-US" smtClean="0"/>
+              <a:t>23</a:t>
+            </a:fld>
+            <a:endParaRPr lang="en-US"/>
+          </a:p>
+        </p:txBody>
+      </p:sp>
+    </p:spTree>
+    <p:extLst>
+      <p:ext uri="{BB962C8B-B14F-4D97-AF65-F5344CB8AC3E}">
+        <p14:creationId xmlns:p14="http://schemas.microsoft.com/office/powerpoint/2010/main" val="1084167868"/>
+      </p:ext>
+    </p:extLst>
+  </p:cSld>
+  <p:clrMapOvr>
+    <a:masterClrMapping/>
+  </p:clrMapOvr>
+  <p:timing>
+    <p:tnLst>
+      <p:par>
+        <p:cTn id="1" dur="indefinite" restart="never" nodeType="tmRoot"/>
+      </p:par>
+    </p:tnLst>
+  </p:timing>
+</p:sld>
+</file>
+
+<file path=ppt/slides/slide24.xml><?xml version="1.0" encoding="utf-8"?>
+<p:sld xmlns:a="http://schemas.openxmlformats.org/drawingml/2006/main" xmlns:r="http://schemas.openxmlformats.org/officeDocument/2006/relationships" xmlns:p="http://schemas.openxmlformats.org/presentationml/2006/main">
+  <p:cSld>
+    <p:spTree>
+      <p:nvGrpSpPr>
+        <p:cNvPr id="1" name=""/>
+        <p:cNvGrpSpPr/>
+        <p:nvPr/>
+      </p:nvGrpSpPr>
+      <p:grpSpPr>
+        <a:xfrm>
+          <a:off x="0" y="0"/>
+          <a:ext cx="0" cy="0"/>
+          <a:chOff x="0" y="0"/>
+          <a:chExt cx="0" cy="0"/>
+        </a:xfrm>
+      </p:grpSpPr>
+      <p:sp>
+        <p:nvSpPr>
+          <p:cNvPr id="2" name="Title 1"/>
+          <p:cNvSpPr>
+            <a:spLocks noGrp="1"/>
+          </p:cNvSpPr>
+          <p:nvPr>
+            <p:ph type="title"/>
+          </p:nvPr>
+        </p:nvSpPr>
+        <p:spPr>
+          <a:xfrm>
+            <a:off x="457200" y="228600"/>
+            <a:ext cx="8229600" cy="1143000"/>
+          </a:xfrm>
+        </p:spPr>
+        <p:txBody>
+          <a:bodyPr>
+            <a:normAutofit fontScale="90000"/>
+          </a:bodyPr>
+          <a:lstStyle/>
+          <a:p>
+            <a:r>
+              <a:rPr lang="en-US" dirty="0"/>
+              <a:t>Method based on Segmentation and Anomaly Factors</a:t>
+            </a:r>
+          </a:p>
+        </p:txBody>
+      </p:sp>
+      <p:sp>
+        <p:nvSpPr>
+          <p:cNvPr id="3" name="Content Placeholder 2"/>
+          <p:cNvSpPr>
+            <a:spLocks noGrp="1"/>
+          </p:cNvSpPr>
+          <p:nvPr>
+            <p:ph idx="1"/>
+          </p:nvPr>
+        </p:nvSpPr>
+        <p:spPr/>
+        <p:txBody>
+          <a:bodyPr/>
+          <a:lstStyle/>
+          <a:p>
+            <a:r>
+              <a:rPr lang="en-US" dirty="0" smtClean="0"/>
+              <a:t>Proposed by </a:t>
+            </a:r>
+            <a:r>
+              <a:rPr lang="en-US" dirty="0" err="1" smtClean="0"/>
+              <a:t>Leng</a:t>
+            </a:r>
+            <a:r>
+              <a:rPr lang="en-US" dirty="0" smtClean="0"/>
+              <a:t> et al. in 2008</a:t>
+            </a:r>
+          </a:p>
+          <a:p>
+            <a:r>
+              <a:rPr lang="en-US" dirty="0" smtClean="0"/>
+              <a:t>The method includes 2 phase</a:t>
+            </a:r>
+          </a:p>
+          <a:p>
+            <a:r>
+              <a:rPr lang="en-US" dirty="0" smtClean="0"/>
+              <a:t>Phase 1: use </a:t>
+            </a:r>
+            <a:r>
+              <a:rPr lang="en-US" dirty="0"/>
+              <a:t>quadratic regression model to segment time series. Regression function is defined as </a:t>
+            </a:r>
+            <a:r>
+              <a:rPr lang="en-US" i="1" dirty="0"/>
+              <a:t>f</a:t>
+            </a:r>
+            <a:r>
+              <a:rPr lang="en-US" dirty="0"/>
+              <a:t>(</a:t>
+            </a:r>
+            <a:r>
+              <a:rPr lang="en-US" i="1" dirty="0"/>
+              <a:t>t</a:t>
+            </a:r>
+            <a:r>
+              <a:rPr lang="en-US" dirty="0"/>
+              <a:t>) = </a:t>
+            </a:r>
+            <a:r>
+              <a:rPr lang="en-US" i="1" dirty="0">
+                <a:sym typeface="Symbol"/>
+              </a:rPr>
+              <a:t></a:t>
+            </a:r>
+            <a:r>
+              <a:rPr lang="en-US" i="1" baseline="-25000" dirty="0"/>
+              <a:t>0</a:t>
+            </a:r>
+            <a:r>
+              <a:rPr lang="en-US" dirty="0"/>
+              <a:t> + </a:t>
+            </a:r>
+            <a:r>
+              <a:rPr lang="en-US" i="1" dirty="0">
+                <a:sym typeface="Symbol"/>
+              </a:rPr>
+              <a:t></a:t>
+            </a:r>
+            <a:r>
+              <a:rPr lang="en-US" i="1" baseline="-25000" dirty="0"/>
+              <a:t>1</a:t>
+            </a:r>
+            <a:r>
+              <a:rPr lang="en-US" i="1" dirty="0"/>
+              <a:t>t</a:t>
+            </a:r>
+            <a:r>
+              <a:rPr lang="en-US" dirty="0"/>
+              <a:t> + </a:t>
+            </a:r>
+            <a:r>
+              <a:rPr lang="en-US" i="1" dirty="0">
+                <a:sym typeface="Symbol"/>
+              </a:rPr>
+              <a:t></a:t>
+            </a:r>
+            <a:r>
+              <a:rPr lang="en-US" i="1" baseline="-25000" dirty="0"/>
+              <a:t>2</a:t>
+            </a:r>
+            <a:r>
+              <a:rPr lang="en-US" i="1" dirty="0"/>
+              <a:t>t</a:t>
+            </a:r>
+            <a:r>
+              <a:rPr lang="en-US" baseline="30000" dirty="0"/>
+              <a:t>2</a:t>
+            </a:r>
+            <a:r>
+              <a:rPr lang="en-US" dirty="0" smtClean="0"/>
+              <a:t>,</a:t>
+            </a:r>
+          </a:p>
+          <a:p>
+            <a:r>
+              <a:rPr lang="en-US" dirty="0" smtClean="0"/>
+              <a:t>Phase 2: Calculate anomaly factors for the subsequences and show abnormal patterns.</a:t>
+            </a:r>
+            <a:endParaRPr lang="en-US" dirty="0"/>
+          </a:p>
+        </p:txBody>
+      </p:sp>
+      <p:sp>
+        <p:nvSpPr>
+          <p:cNvPr id="4" name="Slide Number Placeholder 3"/>
+          <p:cNvSpPr>
+            <a:spLocks noGrp="1"/>
+          </p:cNvSpPr>
+          <p:nvPr>
+            <p:ph type="sldNum" sz="quarter" idx="12"/>
+          </p:nvPr>
+        </p:nvSpPr>
+        <p:spPr/>
+        <p:txBody>
+          <a:bodyPr/>
+          <a:lstStyle/>
+          <a:p>
+            <a:fld id="{38324C1E-6E2F-465B-B7AC-362036DEB808}" type="slidenum">
+              <a:rPr lang="en-US" smtClean="0"/>
+              <a:t>24</a:t>
+            </a:fld>
+            <a:endParaRPr lang="en-US"/>
+          </a:p>
+        </p:txBody>
+      </p:sp>
+    </p:spTree>
+    <p:extLst>
+      <p:ext uri="{BB962C8B-B14F-4D97-AF65-F5344CB8AC3E}">
+        <p14:creationId xmlns:p14="http://schemas.microsoft.com/office/powerpoint/2010/main" val="1180506628"/>
+      </p:ext>
+    </p:extLst>
+  </p:cSld>
+  <p:clrMapOvr>
+    <a:masterClrMapping/>
+  </p:clrMapOvr>
+  <p:timing>
+    <p:tnLst>
+      <p:par>
+        <p:cTn id="1" dur="indefinite" restart="never" nodeType="tmRoot"/>
+      </p:par>
+    </p:tnLst>
+  </p:timing>
+</p:sld>
+</file>
+
+<file path=ppt/slides/slide25.xml><?xml version="1.0" encoding="utf-8"?>
+<p:sld xmlns:a="http://schemas.openxmlformats.org/drawingml/2006/main" xmlns:r="http://schemas.openxmlformats.org/officeDocument/2006/relationships" xmlns:p="http://schemas.openxmlformats.org/presentationml/2006/main">
+  <p:cSld>
+    <p:spTree>
+      <p:nvGrpSpPr>
+        <p:cNvPr id="1" name=""/>
+        <p:cNvGrpSpPr/>
+        <p:nvPr/>
+      </p:nvGrpSpPr>
+      <p:grpSpPr>
+        <a:xfrm>
+          <a:off x="0" y="0"/>
+          <a:ext cx="0" cy="0"/>
+          <a:chOff x="0" y="0"/>
+          <a:chExt cx="0" cy="0"/>
+        </a:xfrm>
+      </p:grpSpPr>
+      <p:sp>
+        <p:nvSpPr>
+          <p:cNvPr id="2" name="Title 1"/>
+          <p:cNvSpPr>
+            <a:spLocks noGrp="1"/>
+          </p:cNvSpPr>
+          <p:nvPr>
+            <p:ph type="title"/>
+          </p:nvPr>
+        </p:nvSpPr>
+        <p:spPr/>
+        <p:txBody>
+          <a:bodyPr>
             <a:normAutofit/>
           </a:bodyPr>
           <a:lstStyle/>
@@ -6532,7 +6803,7 @@
           <a:p>
             <a:fld id="{38324C1E-6E2F-465B-B7AC-362036DEB808}" type="slidenum">
               <a:rPr lang="en-US" smtClean="0"/>
-              <a:t>23</a:t>
+              <a:t>25</a:t>
             </a:fld>
             <a:endParaRPr lang="en-US"/>
           </a:p>
@@ -6614,7 +6885,7 @@
 </p:sld>
 </file>
 
-<file path=ppt/slides/slide24.xml><?xml version="1.0" encoding="utf-8"?>
+<file path=ppt/slides/slide26.xml><?xml version="1.0" encoding="utf-8"?>
 <p:sld xmlns:a="http://schemas.openxmlformats.org/drawingml/2006/main" xmlns:r="http://schemas.openxmlformats.org/officeDocument/2006/relationships" xmlns:p="http://schemas.openxmlformats.org/presentationml/2006/main">
   <p:cSld>
     <p:spTree>
@@ -6686,7 +6957,7 @@
           <a:p>
             <a:fld id="{38324C1E-6E2F-465B-B7AC-362036DEB808}" type="slidenum">
               <a:rPr lang="en-US" smtClean="0"/>
-              <a:t>24</a:t>
+              <a:t>26</a:t>
             </a:fld>
             <a:endParaRPr lang="en-US"/>
           </a:p>
@@ -6766,7 +7037,7 @@
 </p:sld>
 </file>
 
-<file path=ppt/slides/slide25.xml><?xml version="1.0" encoding="utf-8"?>
+<file path=ppt/slides/slide27.xml><?xml version="1.0" encoding="utf-8"?>
 <p:sld xmlns:a="http://schemas.openxmlformats.org/drawingml/2006/main" xmlns:r="http://schemas.openxmlformats.org/officeDocument/2006/relationships" xmlns:p="http://schemas.openxmlformats.org/presentationml/2006/main">
   <p:cSld>
     <p:spTree>
@@ -6872,7 +7143,7 @@
           <a:p>
             <a:fld id="{38324C1E-6E2F-465B-B7AC-362036DEB808}" type="slidenum">
               <a:rPr lang="en-US" smtClean="0"/>
-              <a:t>25</a:t>
+              <a:t>27</a:t>
             </a:fld>
             <a:endParaRPr lang="en-US"/>
           </a:p>
@@ -6898,7 +7169,7 @@
 </p:sld>
 </file>
 
-<file path=ppt/slides/slide26.xml><?xml version="1.0" encoding="utf-8"?>
+<file path=ppt/slides/slide28.xml><?xml version="1.0" encoding="utf-8"?>
 <p:sld xmlns:a="http://schemas.openxmlformats.org/drawingml/2006/main" xmlns:r="http://schemas.openxmlformats.org/officeDocument/2006/relationships" xmlns:p="http://schemas.openxmlformats.org/presentationml/2006/main">
   <p:cSld>
     <p:spTree>
@@ -7015,7 +7286,7 @@
           <a:p>
             <a:fld id="{38324C1E-6E2F-465B-B7AC-362036DEB808}" type="slidenum">
               <a:rPr lang="en-US" smtClean="0"/>
-              <a:t>26</a:t>
+              <a:t>28</a:t>
             </a:fld>
             <a:endParaRPr lang="en-US"/>
           </a:p>
@@ -7041,7 +7312,7 @@
 </p:sld>
 </file>
 
-<file path=ppt/slides/slide27.xml><?xml version="1.0" encoding="utf-8"?>
+<file path=ppt/slides/slide29.xml><?xml version="1.0" encoding="utf-8"?>
 <p:sld xmlns:a="http://schemas.openxmlformats.org/drawingml/2006/main" xmlns:r="http://schemas.openxmlformats.org/officeDocument/2006/relationships" xmlns:p="http://schemas.openxmlformats.org/presentationml/2006/main">
   <p:cSld>
     <p:spTree>
@@ -7160,7 +7431,7 @@
           <a:p>
             <a:fld id="{38324C1E-6E2F-465B-B7AC-362036DEB808}" type="slidenum">
               <a:rPr lang="en-US" smtClean="0"/>
-              <a:t>27</a:t>
+              <a:t>29</a:t>
             </a:fld>
             <a:endParaRPr lang="en-US"/>
           </a:p>
@@ -7240,7 +7511,7 @@
 </p:sld>
 </file>
 
-<file path=ppt/slides/slide28.xml><?xml version="1.0" encoding="utf-8"?>
+<file path=ppt/slides/slide3.xml><?xml version="1.0" encoding="utf-8"?>
 <p:sld xmlns:a="http://schemas.openxmlformats.org/drawingml/2006/main" xmlns:r="http://schemas.openxmlformats.org/officeDocument/2006/relationships" xmlns:p="http://schemas.openxmlformats.org/presentationml/2006/main">
   <p:cSld>
     <p:spTree>
@@ -7269,6 +7540,172 @@
         </p:nvSpPr>
         <p:spPr/>
         <p:txBody>
+          <a:bodyPr/>
+          <a:lstStyle/>
+          <a:p>
+            <a:r>
+              <a:rPr lang="en-US" dirty="0" smtClean="0"/>
+              <a:t>Introduction</a:t>
+            </a:r>
+            <a:endParaRPr lang="en-US" dirty="0"/>
+          </a:p>
+        </p:txBody>
+      </p:sp>
+      <p:sp>
+        <p:nvSpPr>
+          <p:cNvPr id="3" name="Slide Number Placeholder 2"/>
+          <p:cNvSpPr>
+            <a:spLocks noGrp="1"/>
+          </p:cNvSpPr>
+          <p:nvPr>
+            <p:ph type="sldNum" sz="quarter" idx="12"/>
+          </p:nvPr>
+        </p:nvSpPr>
+        <p:spPr/>
+        <p:txBody>
+          <a:bodyPr/>
+          <a:lstStyle/>
+          <a:p>
+            <a:fld id="{38324C1E-6E2F-465B-B7AC-362036DEB808}" type="slidenum">
+              <a:rPr lang="en-US" smtClean="0"/>
+              <a:t>3</a:t>
+            </a:fld>
+            <a:endParaRPr lang="en-US"/>
+          </a:p>
+        </p:txBody>
+      </p:sp>
+      <p:sp>
+        <p:nvSpPr>
+          <p:cNvPr id="5" name="TextBox 4"/>
+          <p:cNvSpPr txBox="1"/>
+          <p:nvPr/>
+        </p:nvSpPr>
+        <p:spPr>
+          <a:xfrm>
+            <a:off x="533400" y="1524000"/>
+            <a:ext cx="8229600" cy="4647426"/>
+          </a:xfrm>
+          <a:prstGeom prst="rect">
+            <a:avLst/>
+          </a:prstGeom>
+          <a:noFill/>
+        </p:spPr>
+        <p:txBody>
+          <a:bodyPr wrap="square" rtlCol="0">
+            <a:spAutoFit/>
+          </a:bodyPr>
+          <a:lstStyle/>
+          <a:p>
+            <a:pPr marL="285750" indent="-285750">
+              <a:buFont typeface="Arial" pitchFamily="34" charset="0"/>
+              <a:buChar char="•"/>
+            </a:pPr>
+            <a:r>
+              <a:rPr lang="en-US" sz="2800" dirty="0" smtClean="0">
+                <a:latin typeface="+mj-lt"/>
+              </a:rPr>
+              <a:t>A time series is a sequence of data points made over a continuous time interval</a:t>
+            </a:r>
+          </a:p>
+          <a:p>
+            <a:pPr marL="285750" indent="-285750">
+              <a:buFont typeface="Arial" pitchFamily="34" charset="0"/>
+              <a:buChar char="•"/>
+            </a:pPr>
+            <a:r>
+              <a:rPr lang="en-US" sz="2800" dirty="0"/>
+              <a:t>Anomaly </a:t>
+            </a:r>
+            <a:r>
+              <a:rPr lang="en-US" sz="2800" dirty="0" smtClean="0"/>
+              <a:t>Patterns are subsequences that do </a:t>
+            </a:r>
+            <a:r>
+              <a:rPr lang="en-US" sz="2800" dirty="0"/>
+              <a:t>not conform to a well deﬁned notion of </a:t>
+            </a:r>
+            <a:r>
+              <a:rPr lang="en-US" sz="2800" dirty="0" smtClean="0"/>
+              <a:t>normal behavior</a:t>
+            </a:r>
+            <a:endParaRPr lang="en-US" sz="2800" dirty="0" smtClean="0">
+              <a:latin typeface="+mj-lt"/>
+            </a:endParaRPr>
+          </a:p>
+          <a:p>
+            <a:pPr marL="285750" indent="-285750">
+              <a:buFont typeface="Arial" pitchFamily="34" charset="0"/>
+              <a:buChar char="•"/>
+            </a:pPr>
+            <a:r>
+              <a:rPr lang="en-US" sz="3200" dirty="0"/>
+              <a:t>Application areas that explore such time series anomalies include fault diagnostics, intrusion detection, fraud detection, auditing and data cleansing</a:t>
+            </a:r>
+            <a:endParaRPr lang="en-US" sz="3200" dirty="0" smtClean="0">
+              <a:latin typeface="+mj-lt"/>
+            </a:endParaRPr>
+          </a:p>
+          <a:p>
+            <a:endParaRPr lang="en-US" sz="3200" dirty="0" smtClean="0">
+              <a:latin typeface="+mj-lt"/>
+            </a:endParaRPr>
+          </a:p>
+          <a:p>
+            <a:endParaRPr lang="en-US" sz="2400" dirty="0" smtClean="0">
+              <a:latin typeface="+mj-lt"/>
+            </a:endParaRPr>
+          </a:p>
+        </p:txBody>
+      </p:sp>
+    </p:spTree>
+    <p:extLst>
+      <p:ext uri="{BB962C8B-B14F-4D97-AF65-F5344CB8AC3E}">
+        <p14:creationId xmlns:p14="http://schemas.microsoft.com/office/powerpoint/2010/main" val="583393979"/>
+      </p:ext>
+    </p:extLst>
+  </p:cSld>
+  <p:clrMapOvr>
+    <a:masterClrMapping/>
+  </p:clrMapOvr>
+  <p:timing>
+    <p:tnLst>
+      <p:par>
+        <p:cTn id="1" dur="indefinite" restart="never" nodeType="tmRoot"/>
+      </p:par>
+    </p:tnLst>
+  </p:timing>
+</p:sld>
+</file>
+
+<file path=ppt/slides/slide30.xml><?xml version="1.0" encoding="utf-8"?>
+<p:sld xmlns:a="http://schemas.openxmlformats.org/drawingml/2006/main" xmlns:r="http://schemas.openxmlformats.org/officeDocument/2006/relationships" xmlns:p="http://schemas.openxmlformats.org/presentationml/2006/main">
+  <p:cSld>
+    <p:spTree>
+      <p:nvGrpSpPr>
+        <p:cNvPr id="1" name=""/>
+        <p:cNvGrpSpPr/>
+        <p:nvPr/>
+      </p:nvGrpSpPr>
+      <p:grpSpPr>
+        <a:xfrm>
+          <a:off x="0" y="0"/>
+          <a:ext cx="0" cy="0"/>
+          <a:chOff x="0" y="0"/>
+          <a:chExt cx="0" cy="0"/>
+        </a:xfrm>
+      </p:grpSpPr>
+      <p:sp>
+        <p:nvSpPr>
+          <p:cNvPr id="2" name="Title 1"/>
+          <p:cNvSpPr>
+            <a:spLocks noGrp="1"/>
+          </p:cNvSpPr>
+          <p:nvPr>
+            <p:ph type="title"/>
+          </p:nvPr>
+        </p:nvSpPr>
+        <p:spPr/>
+        <p:txBody>
           <a:bodyPr>
             <a:normAutofit fontScale="90000"/>
           </a:bodyPr>
@@ -7514,7 +7951,7 @@
           <a:p>
             <a:fld id="{38324C1E-6E2F-465B-B7AC-362036DEB808}" type="slidenum">
               <a:rPr lang="en-US" smtClean="0"/>
-              <a:t>28</a:t>
+              <a:t>30</a:t>
             </a:fld>
             <a:endParaRPr lang="en-US"/>
           </a:p>
@@ -7540,7 +7977,7 @@
 </p:sld>
 </file>
 
-<file path=ppt/slides/slide29.xml><?xml version="1.0" encoding="utf-8"?>
+<file path=ppt/slides/slide31.xml><?xml version="1.0" encoding="utf-8"?>
 <p:sld xmlns:a="http://schemas.openxmlformats.org/drawingml/2006/main" xmlns:r="http://schemas.openxmlformats.org/officeDocument/2006/relationships" xmlns:p="http://schemas.openxmlformats.org/presentationml/2006/main">
   <p:cSld>
     <p:spTree>
@@ -7640,7 +8077,7 @@
           <a:p>
             <a:fld id="{38324C1E-6E2F-465B-B7AC-362036DEB808}" type="slidenum">
               <a:rPr lang="en-US" smtClean="0"/>
-              <a:t>29</a:t>
+              <a:t>31</a:t>
             </a:fld>
             <a:endParaRPr lang="en-US"/>
           </a:p>
@@ -7720,7 +8157,7 @@
 </p:sld>
 </file>
 
-<file path=ppt/slides/slide3.xml><?xml version="1.0" encoding="utf-8"?>
+<file path=ppt/slides/slide32.xml><?xml version="1.0" encoding="utf-8"?>
 <p:sld xmlns:a="http://schemas.openxmlformats.org/drawingml/2006/main" xmlns:r="http://schemas.openxmlformats.org/officeDocument/2006/relationships" xmlns:p="http://schemas.openxmlformats.org/presentationml/2006/main">
   <p:cSld>
     <p:spTree>
@@ -7749,165 +8186,6 @@
         </p:nvSpPr>
         <p:spPr/>
         <p:txBody>
-          <a:bodyPr/>
-          <a:lstStyle/>
-          <a:p>
-            <a:r>
-              <a:rPr lang="en-US" dirty="0" smtClean="0"/>
-              <a:t>Introduction</a:t>
-            </a:r>
-            <a:endParaRPr lang="en-US" dirty="0"/>
-          </a:p>
-        </p:txBody>
-      </p:sp>
-      <p:sp>
-        <p:nvSpPr>
-          <p:cNvPr id="3" name="Slide Number Placeholder 2"/>
-          <p:cNvSpPr>
-            <a:spLocks noGrp="1"/>
-          </p:cNvSpPr>
-          <p:nvPr>
-            <p:ph type="sldNum" sz="quarter" idx="12"/>
-          </p:nvPr>
-        </p:nvSpPr>
-        <p:spPr/>
-        <p:txBody>
-          <a:bodyPr/>
-          <a:lstStyle/>
-          <a:p>
-            <a:fld id="{38324C1E-6E2F-465B-B7AC-362036DEB808}" type="slidenum">
-              <a:rPr lang="en-US" smtClean="0"/>
-              <a:t>3</a:t>
-            </a:fld>
-            <a:endParaRPr lang="en-US"/>
-          </a:p>
-        </p:txBody>
-      </p:sp>
-      <p:sp>
-        <p:nvSpPr>
-          <p:cNvPr id="5" name="TextBox 4"/>
-          <p:cNvSpPr txBox="1"/>
-          <p:nvPr/>
-        </p:nvSpPr>
-        <p:spPr>
-          <a:xfrm>
-            <a:off x="533400" y="1524000"/>
-            <a:ext cx="8229600" cy="4647426"/>
-          </a:xfrm>
-          <a:prstGeom prst="rect">
-            <a:avLst/>
-          </a:prstGeom>
-          <a:noFill/>
-        </p:spPr>
-        <p:txBody>
-          <a:bodyPr wrap="square" rtlCol="0">
-            <a:spAutoFit/>
-          </a:bodyPr>
-          <a:lstStyle/>
-          <a:p>
-            <a:pPr marL="285750" indent="-285750">
-              <a:buFont typeface="Arial" pitchFamily="34" charset="0"/>
-              <a:buChar char="•"/>
-            </a:pPr>
-            <a:r>
-              <a:rPr lang="en-US" sz="2800" dirty="0" smtClean="0">
-                <a:latin typeface="+mj-lt"/>
-              </a:rPr>
-              <a:t>A time series is a sequence of data points made over a continuous time interval</a:t>
-            </a:r>
-          </a:p>
-          <a:p>
-            <a:pPr marL="285750" indent="-285750">
-              <a:buFont typeface="Arial" pitchFamily="34" charset="0"/>
-              <a:buChar char="•"/>
-            </a:pPr>
-            <a:r>
-              <a:rPr lang="en-US" sz="2800" dirty="0"/>
-              <a:t>Anomaly </a:t>
-            </a:r>
-            <a:r>
-              <a:rPr lang="en-US" sz="2800" dirty="0" smtClean="0"/>
-              <a:t>Patterns are subsequences that do </a:t>
-            </a:r>
-            <a:r>
-              <a:rPr lang="en-US" sz="2800" dirty="0"/>
-              <a:t>not conform to a well deﬁned notion of </a:t>
-            </a:r>
-            <a:r>
-              <a:rPr lang="en-US" sz="2800" dirty="0" smtClean="0"/>
-              <a:t>normal behavior</a:t>
-            </a:r>
-            <a:endParaRPr lang="en-US" sz="2800" dirty="0" smtClean="0">
-              <a:latin typeface="+mj-lt"/>
-            </a:endParaRPr>
-          </a:p>
-          <a:p>
-            <a:pPr marL="285750" indent="-285750">
-              <a:buFont typeface="Arial" pitchFamily="34" charset="0"/>
-              <a:buChar char="•"/>
-            </a:pPr>
-            <a:r>
-              <a:rPr lang="en-US" sz="3200" dirty="0"/>
-              <a:t>Application areas that explore such time series anomalies include fault diagnostics, intrusion detection, fraud detection, auditing and data cleansing</a:t>
-            </a:r>
-            <a:endParaRPr lang="en-US" sz="3200" dirty="0" smtClean="0">
-              <a:latin typeface="+mj-lt"/>
-            </a:endParaRPr>
-          </a:p>
-          <a:p>
-            <a:endParaRPr lang="en-US" sz="3200" dirty="0" smtClean="0">
-              <a:latin typeface="+mj-lt"/>
-            </a:endParaRPr>
-          </a:p>
-          <a:p>
-            <a:endParaRPr lang="en-US" sz="2400" dirty="0" smtClean="0">
-              <a:latin typeface="+mj-lt"/>
-            </a:endParaRPr>
-          </a:p>
-        </p:txBody>
-      </p:sp>
-    </p:spTree>
-    <p:extLst>
-      <p:ext uri="{BB962C8B-B14F-4D97-AF65-F5344CB8AC3E}">
-        <p14:creationId xmlns:p14="http://schemas.microsoft.com/office/powerpoint/2010/main" val="583393979"/>
-      </p:ext>
-    </p:extLst>
-  </p:cSld>
-  <p:clrMapOvr>
-    <a:masterClrMapping/>
-  </p:clrMapOvr>
-</p:sld>
-</file>
-
-<file path=ppt/slides/slide30.xml><?xml version="1.0" encoding="utf-8"?>
-<p:sld xmlns:a="http://schemas.openxmlformats.org/drawingml/2006/main" xmlns:r="http://schemas.openxmlformats.org/officeDocument/2006/relationships" xmlns:p="http://schemas.openxmlformats.org/presentationml/2006/main">
-  <p:cSld>
-    <p:spTree>
-      <p:nvGrpSpPr>
-        <p:cNvPr id="1" name=""/>
-        <p:cNvGrpSpPr/>
-        <p:nvPr/>
-      </p:nvGrpSpPr>
-      <p:grpSpPr>
-        <a:xfrm>
-          <a:off x="0" y="0"/>
-          <a:ext cx="0" cy="0"/>
-          <a:chOff x="0" y="0"/>
-          <a:chExt cx="0" cy="0"/>
-        </a:xfrm>
-      </p:grpSpPr>
-      <p:sp>
-        <p:nvSpPr>
-          <p:cNvPr id="2" name="Title 1"/>
-          <p:cNvSpPr>
-            <a:spLocks noGrp="1"/>
-          </p:cNvSpPr>
-          <p:nvPr>
-            <p:ph type="title"/>
-          </p:nvPr>
-        </p:nvSpPr>
-        <p:spPr/>
-        <p:txBody>
           <a:bodyPr>
             <a:normAutofit fontScale="90000"/>
           </a:bodyPr>
@@ -8111,7 +8389,7 @@
           <a:p>
             <a:fld id="{38324C1E-6E2F-465B-B7AC-362036DEB808}" type="slidenum">
               <a:rPr lang="en-US" smtClean="0"/>
-              <a:t>30</a:t>
+              <a:t>32</a:t>
             </a:fld>
             <a:endParaRPr lang="en-US"/>
           </a:p>
@@ -8139,7 +8417,7 @@
           <a:graphicData uri="http://schemas.openxmlformats.org/presentationml/2006/ole">
             <mc:AlternateContent xmlns:mc="http://schemas.openxmlformats.org/markup-compatibility/2006">
               <mc:Choice xmlns:v="urn:schemas-microsoft-com:vml" Requires="v">
-                <p:oleObj spid="_x0000_s6212" name="Equation" r:id="rId3" imgW="2197080" imgH="482400" progId="Equation.3">
+                <p:oleObj spid="_x0000_s6224" name="Equation" r:id="rId3" imgW="2197080" imgH="482400" progId="Equation.3">
                   <p:embed/>
                 </p:oleObj>
               </mc:Choice>
@@ -8196,7 +8474,7 @@
           <a:graphicData uri="http://schemas.openxmlformats.org/presentationml/2006/ole">
             <mc:AlternateContent xmlns:mc="http://schemas.openxmlformats.org/markup-compatibility/2006">
               <mc:Choice xmlns:v="urn:schemas-microsoft-com:vml" Requires="v">
-                <p:oleObj spid="_x0000_s6213" name="Equation" r:id="rId5" imgW="1257120" imgH="431640" progId="Equation.3">
+                <p:oleObj spid="_x0000_s6225" name="Equation" r:id="rId5" imgW="1257120" imgH="431640" progId="Equation.3">
                   <p:embed/>
                 </p:oleObj>
               </mc:Choice>
@@ -8251,7 +8529,7 @@
 </p:sld>
 </file>
 
-<file path=ppt/slides/slide31.xml><?xml version="1.0" encoding="utf-8"?>
+<file path=ppt/slides/slide33.xml><?xml version="1.0" encoding="utf-8"?>
 <p:sld xmlns:a="http://schemas.openxmlformats.org/drawingml/2006/main" xmlns:r="http://schemas.openxmlformats.org/officeDocument/2006/relationships" xmlns:p="http://schemas.openxmlformats.org/presentationml/2006/main">
   <p:cSld>
     <p:spTree>
@@ -8526,7 +8804,7 @@
           <a:p>
             <a:fld id="{38324C1E-6E2F-465B-B7AC-362036DEB808}" type="slidenum">
               <a:rPr lang="en-US" smtClean="0"/>
-              <a:t>31</a:t>
+              <a:t>33</a:t>
             </a:fld>
             <a:endParaRPr lang="en-US"/>
           </a:p>
@@ -8554,7 +8832,7 @@
           <a:graphicData uri="http://schemas.openxmlformats.org/presentationml/2006/ole">
             <mc:AlternateContent xmlns:mc="http://schemas.openxmlformats.org/markup-compatibility/2006">
               <mc:Choice xmlns:v="urn:schemas-microsoft-com:vml" Requires="v">
-                <p:oleObj spid="_x0000_s7202" name="Equation" r:id="rId3" imgW="2628720" imgH="304560" progId="Equation.3">
+                <p:oleObj spid="_x0000_s7208" name="Equation" r:id="rId3" imgW="2628720" imgH="304560" progId="Equation.3">
                   <p:embed/>
                 </p:oleObj>
               </mc:Choice>
@@ -8609,7 +8887,7 @@
 </p:sld>
 </file>
 
-<file path=ppt/slides/slide32.xml><?xml version="1.0" encoding="utf-8"?>
+<file path=ppt/slides/slide34.xml><?xml version="1.0" encoding="utf-8"?>
 <p:sld xmlns:a="http://schemas.openxmlformats.org/drawingml/2006/main" xmlns:r="http://schemas.openxmlformats.org/officeDocument/2006/relationships" xmlns:p="http://schemas.openxmlformats.org/presentationml/2006/main">
   <p:cSld>
     <p:spTree>
@@ -8848,7 +9126,7 @@
           <a:p>
             <a:fld id="{38324C1E-6E2F-465B-B7AC-362036DEB808}" type="slidenum">
               <a:rPr lang="en-US" smtClean="0"/>
-              <a:t>32</a:t>
+              <a:t>34</a:t>
             </a:fld>
             <a:endParaRPr lang="en-US"/>
           </a:p>
@@ -8874,7 +9152,7 @@
 </p:sld>
 </file>
 
-<file path=ppt/slides/slide33.xml><?xml version="1.0" encoding="utf-8"?>
+<file path=ppt/slides/slide35.xml><?xml version="1.0" encoding="utf-8"?>
 <p:sld xmlns:a="http://schemas.openxmlformats.org/drawingml/2006/main" xmlns:r="http://schemas.openxmlformats.org/officeDocument/2006/relationships" xmlns:p="http://schemas.openxmlformats.org/presentationml/2006/main">
   <p:cSld>
     <p:spTree>
@@ -9025,7 +9303,7 @@
           <a:p>
             <a:fld id="{38324C1E-6E2F-465B-B7AC-362036DEB808}" type="slidenum">
               <a:rPr lang="en-US" smtClean="0"/>
-              <a:t>33</a:t>
+              <a:t>35</a:t>
             </a:fld>
             <a:endParaRPr lang="en-US"/>
           </a:p>
@@ -9044,7 +9322,7 @@
 </p:sld>
 </file>
 
-<file path=ppt/slides/slide34.xml><?xml version="1.0" encoding="utf-8"?>
+<file path=ppt/slides/slide36.xml><?xml version="1.0" encoding="utf-8"?>
 <p:sld xmlns:a="http://schemas.openxmlformats.org/drawingml/2006/main" xmlns:r="http://schemas.openxmlformats.org/officeDocument/2006/relationships" xmlns:p="http://schemas.openxmlformats.org/presentationml/2006/main">
   <p:cSld>
     <p:spTree>
@@ -9097,7 +9375,7 @@
           <a:p>
             <a:fld id="{38324C1E-6E2F-465B-B7AC-362036DEB808}" type="slidenum">
               <a:rPr lang="en-US" smtClean="0"/>
-              <a:t>34</a:t>
+              <a:t>36</a:t>
             </a:fld>
             <a:endParaRPr lang="en-US"/>
           </a:p>
@@ -9229,7 +9507,7 @@
 </p:sld>
 </file>
 
-<file path=ppt/slides/slide35.xml><?xml version="1.0" encoding="utf-8"?>
+<file path=ppt/slides/slide37.xml><?xml version="1.0" encoding="utf-8"?>
 <p:sld xmlns:a="http://schemas.openxmlformats.org/drawingml/2006/main" xmlns:r="http://schemas.openxmlformats.org/officeDocument/2006/relationships" xmlns:p="http://schemas.openxmlformats.org/presentationml/2006/main">
   <p:cSld>
     <p:spTree>
@@ -9335,7 +9613,7 @@
           <a:p>
             <a:fld id="{38324C1E-6E2F-465B-B7AC-362036DEB808}" type="slidenum">
               <a:rPr lang="en-US" smtClean="0"/>
-              <a:t>35</a:t>
+              <a:t>37</a:t>
             </a:fld>
             <a:endParaRPr lang="en-US"/>
           </a:p>
@@ -9415,306 +9693,6 @@
 </p:sld>
 </file>
 
-<file path=ppt/slides/slide36.xml><?xml version="1.0" encoding="utf-8"?>
-<p:sld xmlns:a="http://schemas.openxmlformats.org/drawingml/2006/main" xmlns:r="http://schemas.openxmlformats.org/officeDocument/2006/relationships" xmlns:p="http://schemas.openxmlformats.org/presentationml/2006/main">
-  <p:cSld>
-    <p:spTree>
-      <p:nvGrpSpPr>
-        <p:cNvPr id="1" name=""/>
-        <p:cNvGrpSpPr/>
-        <p:nvPr/>
-      </p:nvGrpSpPr>
-      <p:grpSpPr>
-        <a:xfrm>
-          <a:off x="0" y="0"/>
-          <a:ext cx="0" cy="0"/>
-          <a:chOff x="0" y="0"/>
-          <a:chExt cx="0" cy="0"/>
-        </a:xfrm>
-      </p:grpSpPr>
-      <p:sp>
-        <p:nvSpPr>
-          <p:cNvPr id="2" name="Title 1"/>
-          <p:cNvSpPr>
-            <a:spLocks noGrp="1"/>
-          </p:cNvSpPr>
-          <p:nvPr>
-            <p:ph type="title"/>
-          </p:nvPr>
-        </p:nvSpPr>
-        <p:spPr/>
-        <p:txBody>
-          <a:bodyPr>
-            <a:normAutofit/>
-          </a:bodyPr>
-          <a:lstStyle/>
-          <a:p>
-            <a:r>
-              <a:rPr lang="en-US" dirty="0"/>
-              <a:t>Experimental </a:t>
-            </a:r>
-            <a:r>
-              <a:rPr lang="en-US" dirty="0" smtClean="0"/>
-              <a:t>Evaluation</a:t>
-            </a:r>
-            <a:endParaRPr lang="en-US" dirty="0"/>
-          </a:p>
-        </p:txBody>
-      </p:sp>
-      <p:sp>
-        <p:nvSpPr>
-          <p:cNvPr id="3" name="Content Placeholder 2"/>
-          <p:cNvSpPr>
-            <a:spLocks noGrp="1"/>
-          </p:cNvSpPr>
-          <p:nvPr>
-            <p:ph idx="1"/>
-          </p:nvPr>
-        </p:nvSpPr>
-        <p:spPr/>
-        <p:txBody>
-          <a:bodyPr>
-            <a:normAutofit lnSpcReduction="10000"/>
-          </a:bodyPr>
-          <a:lstStyle/>
-          <a:p>
-            <a:r>
-              <a:rPr lang="en-US" dirty="0" smtClean="0"/>
-              <a:t>VL_QR</a:t>
-            </a:r>
-            <a:r>
-              <a:rPr lang="en-US" dirty="0"/>
-              <a:t>| </a:t>
-            </a:r>
-            <a:r>
-              <a:rPr lang="en-US" dirty="0" smtClean="0"/>
-              <a:t>HT: The proposed algorithm with quadratic regression</a:t>
-            </a:r>
-          </a:p>
-          <a:p>
-            <a:r>
-              <a:rPr lang="en-US" dirty="0"/>
-              <a:t>VL_EP| </a:t>
-            </a:r>
-            <a:r>
-              <a:rPr lang="en-US" dirty="0" smtClean="0"/>
-              <a:t>HT: The proposed algorithm with important extreme points.</a:t>
-            </a:r>
-          </a:p>
-          <a:p>
-            <a:r>
-              <a:rPr lang="en-US" dirty="0" smtClean="0"/>
-              <a:t>Compare results and running time among </a:t>
-            </a:r>
-            <a:r>
-              <a:rPr lang="en-US" dirty="0"/>
-              <a:t>VL_QR| </a:t>
-            </a:r>
-            <a:r>
-              <a:rPr lang="en-US" dirty="0" smtClean="0"/>
-              <a:t>HT, </a:t>
-            </a:r>
-            <a:r>
-              <a:rPr lang="en-US" dirty="0"/>
-              <a:t>VL_EP| HT </a:t>
-            </a:r>
-            <a:r>
-              <a:rPr lang="en-US" dirty="0" smtClean="0"/>
-              <a:t>and HOT SAX</a:t>
-            </a:r>
-          </a:p>
-          <a:p>
-            <a:r>
-              <a:rPr lang="en-US" dirty="0" smtClean="0"/>
-              <a:t>Compare running time between </a:t>
-            </a:r>
-            <a:r>
-              <a:rPr lang="en-US" dirty="0"/>
-              <a:t>VL_QR| </a:t>
-            </a:r>
-            <a:r>
-              <a:rPr lang="en-US" dirty="0" smtClean="0"/>
-              <a:t>HT with the original algorithm proposed by </a:t>
-            </a:r>
-            <a:r>
-              <a:rPr lang="en-US" dirty="0" err="1" smtClean="0"/>
-              <a:t>Leng</a:t>
-            </a:r>
-            <a:r>
-              <a:rPr lang="en-US" dirty="0" smtClean="0"/>
-              <a:t> et al.</a:t>
-            </a:r>
-            <a:endParaRPr lang="en-US" dirty="0"/>
-          </a:p>
-        </p:txBody>
-      </p:sp>
-      <p:sp>
-        <p:nvSpPr>
-          <p:cNvPr id="4" name="Slide Number Placeholder 3"/>
-          <p:cNvSpPr>
-            <a:spLocks noGrp="1"/>
-          </p:cNvSpPr>
-          <p:nvPr>
-            <p:ph type="sldNum" sz="quarter" idx="12"/>
-          </p:nvPr>
-        </p:nvSpPr>
-        <p:spPr/>
-        <p:txBody>
-          <a:bodyPr/>
-          <a:lstStyle/>
-          <a:p>
-            <a:fld id="{38324C1E-6E2F-465B-B7AC-362036DEB808}" type="slidenum">
-              <a:rPr lang="en-US" smtClean="0"/>
-              <a:t>36</a:t>
-            </a:fld>
-            <a:endParaRPr lang="en-US"/>
-          </a:p>
-        </p:txBody>
-      </p:sp>
-    </p:spTree>
-    <p:extLst>
-      <p:ext uri="{BB962C8B-B14F-4D97-AF65-F5344CB8AC3E}">
-        <p14:creationId xmlns:p14="http://schemas.microsoft.com/office/powerpoint/2010/main" val="591810710"/>
-      </p:ext>
-    </p:extLst>
-  </p:cSld>
-  <p:clrMapOvr>
-    <a:masterClrMapping/>
-  </p:clrMapOvr>
-</p:sld>
-</file>
-
-<file path=ppt/slides/slide37.xml><?xml version="1.0" encoding="utf-8"?>
-<p:sld xmlns:a="http://schemas.openxmlformats.org/drawingml/2006/main" xmlns:r="http://schemas.openxmlformats.org/officeDocument/2006/relationships" xmlns:p="http://schemas.openxmlformats.org/presentationml/2006/main">
-  <p:cSld>
-    <p:spTree>
-      <p:nvGrpSpPr>
-        <p:cNvPr id="1" name=""/>
-        <p:cNvGrpSpPr/>
-        <p:nvPr/>
-      </p:nvGrpSpPr>
-      <p:grpSpPr>
-        <a:xfrm>
-          <a:off x="0" y="0"/>
-          <a:ext cx="0" cy="0"/>
-          <a:chOff x="0" y="0"/>
-          <a:chExt cx="0" cy="0"/>
-        </a:xfrm>
-      </p:grpSpPr>
-      <p:sp>
-        <p:nvSpPr>
-          <p:cNvPr id="2" name="Title 1"/>
-          <p:cNvSpPr>
-            <a:spLocks noGrp="1"/>
-          </p:cNvSpPr>
-          <p:nvPr>
-            <p:ph type="title"/>
-          </p:nvPr>
-        </p:nvSpPr>
-        <p:spPr/>
-        <p:txBody>
-          <a:bodyPr/>
-          <a:lstStyle/>
-          <a:p>
-            <a:r>
-              <a:rPr lang="en-US" dirty="0"/>
-              <a:t>Experimental Evaluation</a:t>
-            </a:r>
-          </a:p>
-        </p:txBody>
-      </p:sp>
-      <p:sp>
-        <p:nvSpPr>
-          <p:cNvPr id="3" name="Content Placeholder 2"/>
-          <p:cNvSpPr>
-            <a:spLocks noGrp="1"/>
-          </p:cNvSpPr>
-          <p:nvPr>
-            <p:ph idx="1"/>
-          </p:nvPr>
-        </p:nvSpPr>
-        <p:spPr/>
-        <p:txBody>
-          <a:bodyPr/>
-          <a:lstStyle/>
-          <a:p>
-            <a:r>
-              <a:rPr lang="en-ZA" dirty="0"/>
-              <a:t>Experiments environment : </a:t>
-            </a:r>
-            <a:r>
-              <a:rPr lang="en-US" dirty="0" smtClean="0"/>
-              <a:t> Intel</a:t>
-            </a:r>
-            <a:r>
-              <a:rPr lang="en-US" dirty="0"/>
-              <a:t>® Core™ 2 Duo 2.0GHz, Ram 3072MB </a:t>
-            </a:r>
-            <a:r>
-              <a:rPr lang="en-US" dirty="0" smtClean="0"/>
-              <a:t>PC</a:t>
-            </a:r>
-          </a:p>
-          <a:p>
-            <a:r>
-              <a:rPr lang="en-US" dirty="0" smtClean="0"/>
-              <a:t>All algorithms are implemented in </a:t>
-            </a:r>
-            <a:r>
-              <a:rPr lang="en-US" dirty="0"/>
-              <a:t>Microsoft Visual C</a:t>
-            </a:r>
-            <a:r>
-              <a:rPr lang="en-US" dirty="0" smtClean="0"/>
-              <a:t># programing language</a:t>
-            </a:r>
-            <a:endParaRPr lang="en-US" dirty="0"/>
-          </a:p>
-        </p:txBody>
-      </p:sp>
-      <p:sp>
-        <p:nvSpPr>
-          <p:cNvPr id="4" name="Slide Number Placeholder 3"/>
-          <p:cNvSpPr>
-            <a:spLocks noGrp="1"/>
-          </p:cNvSpPr>
-          <p:nvPr>
-            <p:ph type="sldNum" sz="quarter" idx="12"/>
-          </p:nvPr>
-        </p:nvSpPr>
-        <p:spPr/>
-        <p:txBody>
-          <a:bodyPr/>
-          <a:lstStyle/>
-          <a:p>
-            <a:fld id="{38324C1E-6E2F-465B-B7AC-362036DEB808}" type="slidenum">
-              <a:rPr lang="en-US" smtClean="0"/>
-              <a:t>37</a:t>
-            </a:fld>
-            <a:endParaRPr lang="en-US"/>
-          </a:p>
-        </p:txBody>
-      </p:sp>
-    </p:spTree>
-    <p:extLst>
-      <p:ext uri="{BB962C8B-B14F-4D97-AF65-F5344CB8AC3E}">
-        <p14:creationId xmlns:p14="http://schemas.microsoft.com/office/powerpoint/2010/main" val="3800498065"/>
-      </p:ext>
-    </p:extLst>
-  </p:cSld>
-  <p:clrMapOvr>
-    <a:masterClrMapping/>
-  </p:clrMapOvr>
-  <p:timing>
-    <p:tnLst>
-      <p:par>
-        <p:cTn id="1" dur="indefinite" restart="never" nodeType="tmRoot"/>
-      </p:par>
-    </p:tnLst>
-  </p:timing>
-</p:sld>
-</file>
-
 <file path=ppt/slides/slide38.xml><?xml version="1.0" encoding="utf-8"?>
 <p:sld xmlns:a="http://schemas.openxmlformats.org/drawingml/2006/main" xmlns:r="http://schemas.openxmlformats.org/officeDocument/2006/relationships" xmlns:p="http://schemas.openxmlformats.org/presentationml/2006/main">
   <p:cSld>
@@ -9745,14 +9723,19 @@
         <p:spPr/>
         <p:txBody>
           <a:bodyPr>
-            <a:normAutofit fontScale="90000"/>
+            <a:normAutofit/>
           </a:bodyPr>
           <a:lstStyle/>
           <a:p>
             <a:r>
               <a:rPr lang="en-US" dirty="0"/>
-              <a:t>Compare VL_QR| HT, VL_EP| HT and HOT SAX</a:t>
-            </a:r>
+              <a:t>Experimental </a:t>
+            </a:r>
+            <a:r>
+              <a:rPr lang="en-US" dirty="0" smtClean="0"/>
+              <a:t>Evaluation</a:t>
+            </a:r>
+            <a:endParaRPr lang="en-US" dirty="0"/>
           </a:p>
         </p:txBody>
       </p:sp>
@@ -9769,141 +9752,77 @@
         <p:spPr/>
         <p:txBody>
           <a:bodyPr>
-            <a:normAutofit fontScale="92500" lnSpcReduction="20000"/>
+            <a:normAutofit lnSpcReduction="10000"/>
           </a:bodyPr>
           <a:lstStyle/>
           <a:p>
             <a:r>
               <a:rPr lang="en-US" dirty="0" smtClean="0"/>
-              <a:t>Use 8 time series in diverse domains:</a:t>
-            </a:r>
-          </a:p>
-          <a:p>
-            <a:pPr marL="0" indent="0">
-              <a:buNone/>
-            </a:pPr>
-            <a:r>
-              <a:rPr lang="en-US" dirty="0"/>
-              <a:t>ECG 108, ECG 308, ERP, Memory, Power Demand In Italy, Dutch Power Demand, Stock20 and </a:t>
-            </a:r>
-            <a:r>
-              <a:rPr lang="en-US" dirty="0" smtClean="0"/>
-              <a:t>TEK16</a:t>
-            </a:r>
-          </a:p>
-          <a:p>
-            <a:r>
-              <a:rPr lang="en-US" dirty="0" smtClean="0"/>
-              <a:t>To </a:t>
-            </a:r>
-            <a:r>
-              <a:rPr lang="en-US" dirty="0"/>
-              <a:t>compute location </a:t>
-            </a:r>
-            <a:r>
-              <a:rPr lang="en-US" dirty="0" smtClean="0"/>
-              <a:t>difference of anomaly subsequences use: </a:t>
-            </a:r>
-          </a:p>
-          <a:p>
-            <a:pPr marL="0" indent="0">
-              <a:buNone/>
-            </a:pPr>
-            <a:r>
-              <a:rPr lang="en-US" i="1" dirty="0"/>
-              <a:t>	</a:t>
-            </a:r>
-            <a:r>
-              <a:rPr lang="en-US" i="1" dirty="0" smtClean="0"/>
-              <a:t>d</a:t>
-            </a:r>
-            <a:r>
-              <a:rPr lang="en-US" dirty="0" smtClean="0"/>
-              <a:t> </a:t>
-            </a:r>
-            <a:r>
-              <a:rPr lang="en-US" dirty="0"/>
-              <a:t>= |</a:t>
-            </a:r>
-            <a:r>
-              <a:rPr lang="en-US" i="1" dirty="0"/>
-              <a:t>p</a:t>
-            </a:r>
-            <a:r>
-              <a:rPr lang="en-US" dirty="0"/>
-              <a:t> – </a:t>
-            </a:r>
-            <a:r>
-              <a:rPr lang="en-US" i="1" dirty="0"/>
-              <a:t>q</a:t>
-            </a:r>
-            <a:r>
-              <a:rPr lang="en-US" dirty="0"/>
-              <a:t>|/</a:t>
-            </a:r>
-            <a:r>
-              <a:rPr lang="en-US" i="1" dirty="0"/>
-              <a:t>l </a:t>
-            </a:r>
-            <a:r>
-              <a:rPr lang="en-US" dirty="0">
-                <a:sym typeface="Symbol"/>
-              </a:rPr>
-              <a:t></a:t>
-            </a:r>
-            <a:r>
-              <a:rPr lang="en-US" dirty="0"/>
-              <a:t> </a:t>
-            </a:r>
-            <a:r>
-              <a:rPr lang="en-US" dirty="0" smtClean="0"/>
-              <a:t>100 </a:t>
-            </a:r>
-          </a:p>
-          <a:p>
-            <a:pPr marL="0" indent="0">
-              <a:buNone/>
-            </a:pPr>
-            <a:r>
-              <a:rPr lang="en-US" dirty="0" smtClean="0"/>
-              <a:t>where </a:t>
-            </a:r>
-            <a:r>
-              <a:rPr lang="en-US" i="1" dirty="0"/>
-              <a:t>p</a:t>
-            </a:r>
-            <a:r>
-              <a:rPr lang="en-US" dirty="0"/>
-              <a:t> is the start position of the anomaly pattern found by </a:t>
-            </a:r>
-            <a:r>
-              <a:rPr lang="en-US" dirty="0" smtClean="0"/>
-              <a:t>proposed </a:t>
-            </a:r>
-            <a:r>
-              <a:rPr lang="en-US" dirty="0"/>
-              <a:t>algorithm and </a:t>
-            </a:r>
-            <a:r>
-              <a:rPr lang="en-US" i="1" dirty="0"/>
-              <a:t>q</a:t>
-            </a:r>
-            <a:r>
-              <a:rPr lang="en-US" dirty="0"/>
-              <a:t> is the start position of the anomaly pattern found by HOT SAX and </a:t>
-            </a:r>
-            <a:r>
-              <a:rPr lang="en-US" i="1" dirty="0"/>
-              <a:t>l</a:t>
-            </a:r>
-            <a:r>
-              <a:rPr lang="en-US" dirty="0"/>
-              <a:t> is </a:t>
-            </a:r>
-            <a:r>
-              <a:rPr lang="en-US" dirty="0" smtClean="0"/>
-              <a:t>it’s length</a:t>
-            </a:r>
+              <a:t>VL_QR</a:t>
+            </a:r>
+            <a:r>
+              <a:rPr lang="en-US" dirty="0"/>
+              <a:t>| </a:t>
+            </a:r>
+            <a:r>
+              <a:rPr lang="en-US" dirty="0" smtClean="0"/>
+              <a:t>HT: The proposed algorithm with quadratic regression</a:t>
+            </a:r>
+          </a:p>
+          <a:p>
+            <a:r>
+              <a:rPr lang="en-US" dirty="0"/>
+              <a:t>VL_EP| </a:t>
+            </a:r>
+            <a:r>
+              <a:rPr lang="en-US" dirty="0" smtClean="0"/>
+              <a:t>HT: The proposed algorithm with important extreme points.</a:t>
+            </a:r>
+          </a:p>
+          <a:p>
+            <a:r>
+              <a:rPr lang="en-US" dirty="0" smtClean="0"/>
+              <a:t>Compare results and running time among </a:t>
+            </a:r>
+            <a:r>
+              <a:rPr lang="en-US" dirty="0"/>
+              <a:t>VL_QR| </a:t>
+            </a:r>
+            <a:r>
+              <a:rPr lang="en-US" dirty="0" smtClean="0"/>
+              <a:t>HT, </a:t>
+            </a:r>
+            <a:r>
+              <a:rPr lang="en-US" dirty="0"/>
+              <a:t>VL_EP| HT </a:t>
+            </a:r>
+            <a:r>
+              <a:rPr lang="en-US" dirty="0" smtClean="0"/>
+              <a:t>and HOT SAX</a:t>
+            </a:r>
+          </a:p>
+          <a:p>
+            <a:r>
+              <a:rPr lang="en-US" dirty="0" smtClean="0"/>
+              <a:t>Compare running time between </a:t>
+            </a:r>
+            <a:r>
+              <a:rPr lang="en-US" dirty="0"/>
+              <a:t>VL_QR| </a:t>
+            </a:r>
+            <a:r>
+              <a:rPr lang="en-US" dirty="0" smtClean="0"/>
+              <a:t>HT with the original algorithm proposed by </a:t>
+            </a:r>
+            <a:r>
+              <a:rPr lang="en-US" dirty="0" err="1" smtClean="0"/>
+              <a:t>Leng</a:t>
+            </a:r>
+            <a:r>
+              <a:rPr lang="en-US" dirty="0" smtClean="0"/>
+              <a:t> et al.</a:t>
+            </a:r>
+            <a:endParaRPr lang="en-US" dirty="0"/>
           </a:p>
         </p:txBody>
       </p:sp>
@@ -9933,20 +9852,13 @@
     </p:spTree>
     <p:extLst>
       <p:ext uri="{BB962C8B-B14F-4D97-AF65-F5344CB8AC3E}">
-        <p14:creationId xmlns:p14="http://schemas.microsoft.com/office/powerpoint/2010/main" val="2688571745"/>
+        <p14:creationId xmlns:p14="http://schemas.microsoft.com/office/powerpoint/2010/main" val="591810710"/>
       </p:ext>
     </p:extLst>
   </p:cSld>
   <p:clrMapOvr>
     <a:masterClrMapping/>
   </p:clrMapOvr>
-  <p:timing>
-    <p:tnLst>
-      <p:par>
-        <p:cTn id="1" dur="indefinite" restart="never" nodeType="tmRoot"/>
-      </p:par>
-    </p:tnLst>
-  </p:timing>
 </p:sld>
 </file>
 
@@ -9979,20 +9891,13 @@
         </p:nvSpPr>
         <p:spPr/>
         <p:txBody>
-          <a:bodyPr>
-            <a:normAutofit fontScale="90000"/>
-          </a:bodyPr>
-          <a:lstStyle/>
-          <a:p>
-            <a:r>
-              <a:rPr lang="en-US" dirty="0"/>
-              <a:t>Parameter values in the three algorithms for </a:t>
-            </a:r>
-            <a:r>
-              <a:rPr lang="en-US" dirty="0" smtClean="0"/>
-              <a:t>each series</a:t>
-            </a:r>
-            <a:endParaRPr lang="en-US" dirty="0"/>
+          <a:bodyPr/>
+          <a:lstStyle/>
+          <a:p>
+            <a:r>
+              <a:rPr lang="en-US" dirty="0"/>
+              <a:t>Experimental Evaluation</a:t>
+            </a:r>
           </a:p>
         </p:txBody>
       </p:sp>
@@ -10011,24 +9916,36 @@
           <a:bodyPr/>
           <a:lstStyle/>
           <a:p>
-            <a:pPr marL="0" indent="0">
-              <a:buNone/>
-            </a:pPr>
-            <a:endParaRPr lang="en-US" dirty="0" smtClean="0"/>
-          </a:p>
-          <a:p>
-            <a:endParaRPr lang="en-US" dirty="0"/>
-          </a:p>
-          <a:p>
-            <a:endParaRPr lang="en-US" dirty="0" smtClean="0"/>
-          </a:p>
-          <a:p>
-            <a:endParaRPr lang="en-US" dirty="0"/>
-          </a:p>
-          <a:p>
-            <a:endParaRPr lang="en-US" dirty="0" smtClean="0"/>
-          </a:p>
-          <a:p>
+            <a:r>
+              <a:rPr lang="en-ZA" dirty="0"/>
+              <a:t>Experiments environment : </a:t>
+            </a:r>
+            <a:r>
+              <a:rPr lang="en-US" dirty="0" smtClean="0"/>
+              <a:t> Intel</a:t>
+            </a:r>
+            <a:r>
+              <a:rPr lang="en-US" dirty="0"/>
+              <a:t>® Core™ 2 Duo 2.0GHz, Ram 3072MB </a:t>
+            </a:r>
+            <a:r>
+              <a:rPr lang="en-US" dirty="0" smtClean="0"/>
+              <a:t>PC</a:t>
+            </a:r>
+          </a:p>
+          <a:p>
+            <a:r>
+              <a:rPr lang="en-US" dirty="0" smtClean="0"/>
+              <a:t>All algorithms are implemented in </a:t>
+            </a:r>
+            <a:r>
+              <a:rPr lang="en-US" dirty="0"/>
+              <a:t>Microsoft Visual C</a:t>
+            </a:r>
+            <a:r>
+              <a:rPr lang="en-US" dirty="0" smtClean="0"/>
+              <a:t># programing language</a:t>
+            </a:r>
             <a:endParaRPr lang="en-US" dirty="0"/>
           </a:p>
         </p:txBody>
@@ -10056,64 +9973,10 @@
           </a:p>
         </p:txBody>
       </p:sp>
-      <p:pic>
-        <p:nvPicPr>
-          <p:cNvPr id="10244" name="Picture 4"/>
-          <p:cNvPicPr>
-            <a:picLocks noChangeAspect="1" noChangeArrowheads="1"/>
-          </p:cNvPicPr>
-          <p:nvPr/>
-        </p:nvPicPr>
-        <p:blipFill>
-          <a:blip r:embed="rId2">
-            <a:extLst>
-              <a:ext uri="{28A0092B-C50C-407E-A947-70E740481C1C}">
-                <a14:useLocalDpi xmlns:a14="http://schemas.microsoft.com/office/drawing/2010/main" val="0"/>
-              </a:ext>
-            </a:extLst>
-          </a:blip>
-          <a:srcRect/>
-          <a:stretch>
-            <a:fillRect/>
-          </a:stretch>
-        </p:blipFill>
-        <p:spPr bwMode="auto">
-          <a:xfrm>
-            <a:off x="1081314" y="1487714"/>
-            <a:ext cx="6705601" cy="5334000"/>
-          </a:xfrm>
-          <a:prstGeom prst="rect">
-            <a:avLst/>
-          </a:prstGeom>
-          <a:noFill/>
-          <a:ln>
-            <a:noFill/>
-          </a:ln>
-          <a:extLst>
-            <a:ext uri="{909E8E84-426E-40DD-AFC4-6F175D3DCCD1}">
-              <a14:hiddenFill xmlns:a14="http://schemas.microsoft.com/office/drawing/2010/main">
-                <a:solidFill>
-                  <a:schemeClr val="accent1"/>
-                </a:solidFill>
-              </a14:hiddenFill>
-            </a:ext>
-            <a:ext uri="{91240B29-F687-4F45-9708-019B960494DF}">
-              <a14:hiddenLine xmlns:a14="http://schemas.microsoft.com/office/drawing/2010/main" w="9525">
-                <a:solidFill>
-                  <a:schemeClr val="tx1"/>
-                </a:solidFill>
-                <a:miter lim="800000"/>
-                <a:headEnd/>
-                <a:tailEnd/>
-              </a14:hiddenLine>
-            </a:ext>
-          </a:extLst>
-        </p:spPr>
-      </p:pic>
     </p:spTree>
     <p:extLst>
       <p:ext uri="{BB962C8B-B14F-4D97-AF65-F5344CB8AC3E}">
-        <p14:creationId xmlns:p14="http://schemas.microsoft.com/office/powerpoint/2010/main" val="3407747681"/>
+        <p14:creationId xmlns:p14="http://schemas.microsoft.com/office/powerpoint/2010/main" val="3800498065"/>
       </p:ext>
     </p:extLst>
   </p:cSld>
@@ -10351,6 +10214,421 @@
           <a:p>
             <a:r>
               <a:rPr lang="en-US" dirty="0"/>
+              <a:t>Compare VL_QR| HT, VL_EP| HT and HOT SAX</a:t>
+            </a:r>
+          </a:p>
+        </p:txBody>
+      </p:sp>
+      <p:sp>
+        <p:nvSpPr>
+          <p:cNvPr id="3" name="Content Placeholder 2"/>
+          <p:cNvSpPr>
+            <a:spLocks noGrp="1"/>
+          </p:cNvSpPr>
+          <p:nvPr>
+            <p:ph idx="1"/>
+          </p:nvPr>
+        </p:nvSpPr>
+        <p:spPr/>
+        <p:txBody>
+          <a:bodyPr>
+            <a:normAutofit fontScale="92500" lnSpcReduction="20000"/>
+          </a:bodyPr>
+          <a:lstStyle/>
+          <a:p>
+            <a:r>
+              <a:rPr lang="en-US" dirty="0" smtClean="0"/>
+              <a:t>Use 8 time series in diverse domains:</a:t>
+            </a:r>
+          </a:p>
+          <a:p>
+            <a:pPr marL="0" indent="0">
+              <a:buNone/>
+            </a:pPr>
+            <a:r>
+              <a:rPr lang="en-US" dirty="0"/>
+              <a:t>ECG 108, ECG 308, ERP, Memory, Power Demand In Italy, Dutch Power Demand, Stock20 and </a:t>
+            </a:r>
+            <a:r>
+              <a:rPr lang="en-US" dirty="0" smtClean="0"/>
+              <a:t>TEK16</a:t>
+            </a:r>
+          </a:p>
+          <a:p>
+            <a:r>
+              <a:rPr lang="en-US" dirty="0" smtClean="0"/>
+              <a:t>To </a:t>
+            </a:r>
+            <a:r>
+              <a:rPr lang="en-US" dirty="0"/>
+              <a:t>compute location </a:t>
+            </a:r>
+            <a:r>
+              <a:rPr lang="en-US" dirty="0" smtClean="0"/>
+              <a:t>difference of anomaly subsequences use: </a:t>
+            </a:r>
+          </a:p>
+          <a:p>
+            <a:pPr marL="0" indent="0">
+              <a:buNone/>
+            </a:pPr>
+            <a:r>
+              <a:rPr lang="en-US" i="1" dirty="0"/>
+              <a:t>	</a:t>
+            </a:r>
+            <a:r>
+              <a:rPr lang="en-US" i="1" dirty="0" smtClean="0"/>
+              <a:t>d</a:t>
+            </a:r>
+            <a:r>
+              <a:rPr lang="en-US" dirty="0" smtClean="0"/>
+              <a:t> </a:t>
+            </a:r>
+            <a:r>
+              <a:rPr lang="en-US" dirty="0"/>
+              <a:t>= |</a:t>
+            </a:r>
+            <a:r>
+              <a:rPr lang="en-US" i="1" dirty="0"/>
+              <a:t>p</a:t>
+            </a:r>
+            <a:r>
+              <a:rPr lang="en-US" dirty="0"/>
+              <a:t> – </a:t>
+            </a:r>
+            <a:r>
+              <a:rPr lang="en-US" i="1" dirty="0"/>
+              <a:t>q</a:t>
+            </a:r>
+            <a:r>
+              <a:rPr lang="en-US" dirty="0"/>
+              <a:t>|/</a:t>
+            </a:r>
+            <a:r>
+              <a:rPr lang="en-US" i="1" dirty="0"/>
+              <a:t>l </a:t>
+            </a:r>
+            <a:r>
+              <a:rPr lang="en-US" dirty="0">
+                <a:sym typeface="Symbol"/>
+              </a:rPr>
+              <a:t></a:t>
+            </a:r>
+            <a:r>
+              <a:rPr lang="en-US" dirty="0"/>
+              <a:t> </a:t>
+            </a:r>
+            <a:r>
+              <a:rPr lang="en-US" dirty="0" smtClean="0"/>
+              <a:t>100 </a:t>
+            </a:r>
+          </a:p>
+          <a:p>
+            <a:pPr marL="0" indent="0">
+              <a:buNone/>
+            </a:pPr>
+            <a:r>
+              <a:rPr lang="en-US" dirty="0" smtClean="0"/>
+              <a:t>where </a:t>
+            </a:r>
+            <a:r>
+              <a:rPr lang="en-US" i="1" dirty="0"/>
+              <a:t>p</a:t>
+            </a:r>
+            <a:r>
+              <a:rPr lang="en-US" dirty="0"/>
+              <a:t> is the start position of the anomaly pattern found by </a:t>
+            </a:r>
+            <a:r>
+              <a:rPr lang="en-US" dirty="0" smtClean="0"/>
+              <a:t>proposed </a:t>
+            </a:r>
+            <a:r>
+              <a:rPr lang="en-US" dirty="0"/>
+              <a:t>algorithm and </a:t>
+            </a:r>
+            <a:r>
+              <a:rPr lang="en-US" i="1" dirty="0"/>
+              <a:t>q</a:t>
+            </a:r>
+            <a:r>
+              <a:rPr lang="en-US" dirty="0"/>
+              <a:t> is the start position of the anomaly pattern found by HOT SAX and </a:t>
+            </a:r>
+            <a:r>
+              <a:rPr lang="en-US" i="1" dirty="0"/>
+              <a:t>l</a:t>
+            </a:r>
+            <a:r>
+              <a:rPr lang="en-US" dirty="0"/>
+              <a:t> is </a:t>
+            </a:r>
+            <a:r>
+              <a:rPr lang="en-US" dirty="0" smtClean="0"/>
+              <a:t>it’s length</a:t>
+            </a:r>
+          </a:p>
+        </p:txBody>
+      </p:sp>
+      <p:sp>
+        <p:nvSpPr>
+          <p:cNvPr id="4" name="Slide Number Placeholder 3"/>
+          <p:cNvSpPr>
+            <a:spLocks noGrp="1"/>
+          </p:cNvSpPr>
+          <p:nvPr>
+            <p:ph type="sldNum" sz="quarter" idx="12"/>
+          </p:nvPr>
+        </p:nvSpPr>
+        <p:spPr/>
+        <p:txBody>
+          <a:bodyPr/>
+          <a:lstStyle/>
+          <a:p>
+            <a:fld id="{38324C1E-6E2F-465B-B7AC-362036DEB808}" type="slidenum">
+              <a:rPr lang="en-US" smtClean="0"/>
+              <a:t>40</a:t>
+            </a:fld>
+            <a:endParaRPr lang="en-US"/>
+          </a:p>
+        </p:txBody>
+      </p:sp>
+    </p:spTree>
+    <p:extLst>
+      <p:ext uri="{BB962C8B-B14F-4D97-AF65-F5344CB8AC3E}">
+        <p14:creationId xmlns:p14="http://schemas.microsoft.com/office/powerpoint/2010/main" val="2688571745"/>
+      </p:ext>
+    </p:extLst>
+  </p:cSld>
+  <p:clrMapOvr>
+    <a:masterClrMapping/>
+  </p:clrMapOvr>
+  <p:timing>
+    <p:tnLst>
+      <p:par>
+        <p:cTn id="1" dur="indefinite" restart="never" nodeType="tmRoot"/>
+      </p:par>
+    </p:tnLst>
+  </p:timing>
+</p:sld>
+</file>
+
+<file path=ppt/slides/slide41.xml><?xml version="1.0" encoding="utf-8"?>
+<p:sld xmlns:a="http://schemas.openxmlformats.org/drawingml/2006/main" xmlns:r="http://schemas.openxmlformats.org/officeDocument/2006/relationships" xmlns:p="http://schemas.openxmlformats.org/presentationml/2006/main">
+  <p:cSld>
+    <p:spTree>
+      <p:nvGrpSpPr>
+        <p:cNvPr id="1" name=""/>
+        <p:cNvGrpSpPr/>
+        <p:nvPr/>
+      </p:nvGrpSpPr>
+      <p:grpSpPr>
+        <a:xfrm>
+          <a:off x="0" y="0"/>
+          <a:ext cx="0" cy="0"/>
+          <a:chOff x="0" y="0"/>
+          <a:chExt cx="0" cy="0"/>
+        </a:xfrm>
+      </p:grpSpPr>
+      <p:sp>
+        <p:nvSpPr>
+          <p:cNvPr id="2" name="Title 1"/>
+          <p:cNvSpPr>
+            <a:spLocks noGrp="1"/>
+          </p:cNvSpPr>
+          <p:nvPr>
+            <p:ph type="title"/>
+          </p:nvPr>
+        </p:nvSpPr>
+        <p:spPr/>
+        <p:txBody>
+          <a:bodyPr>
+            <a:normAutofit fontScale="90000"/>
+          </a:bodyPr>
+          <a:lstStyle/>
+          <a:p>
+            <a:r>
+              <a:rPr lang="en-US" dirty="0"/>
+              <a:t>Parameter values in the three algorithms for </a:t>
+            </a:r>
+            <a:r>
+              <a:rPr lang="en-US" dirty="0" smtClean="0"/>
+              <a:t>each series</a:t>
+            </a:r>
+            <a:endParaRPr lang="en-US" dirty="0"/>
+          </a:p>
+        </p:txBody>
+      </p:sp>
+      <p:sp>
+        <p:nvSpPr>
+          <p:cNvPr id="3" name="Content Placeholder 2"/>
+          <p:cNvSpPr>
+            <a:spLocks noGrp="1"/>
+          </p:cNvSpPr>
+          <p:nvPr>
+            <p:ph idx="1"/>
+          </p:nvPr>
+        </p:nvSpPr>
+        <p:spPr/>
+        <p:txBody>
+          <a:bodyPr/>
+          <a:lstStyle/>
+          <a:p>
+            <a:pPr marL="0" indent="0">
+              <a:buNone/>
+            </a:pPr>
+            <a:endParaRPr lang="en-US" dirty="0" smtClean="0"/>
+          </a:p>
+          <a:p>
+            <a:endParaRPr lang="en-US" dirty="0"/>
+          </a:p>
+          <a:p>
+            <a:endParaRPr lang="en-US" dirty="0" smtClean="0"/>
+          </a:p>
+          <a:p>
+            <a:endParaRPr lang="en-US" dirty="0"/>
+          </a:p>
+          <a:p>
+            <a:endParaRPr lang="en-US" dirty="0" smtClean="0"/>
+          </a:p>
+          <a:p>
+            <a:endParaRPr lang="en-US" dirty="0"/>
+          </a:p>
+        </p:txBody>
+      </p:sp>
+      <p:sp>
+        <p:nvSpPr>
+          <p:cNvPr id="4" name="Slide Number Placeholder 3"/>
+          <p:cNvSpPr>
+            <a:spLocks noGrp="1"/>
+          </p:cNvSpPr>
+          <p:nvPr>
+            <p:ph type="sldNum" sz="quarter" idx="12"/>
+          </p:nvPr>
+        </p:nvSpPr>
+        <p:spPr/>
+        <p:txBody>
+          <a:bodyPr/>
+          <a:lstStyle/>
+          <a:p>
+            <a:fld id="{38324C1E-6E2F-465B-B7AC-362036DEB808}" type="slidenum">
+              <a:rPr lang="en-US" smtClean="0"/>
+              <a:t>41</a:t>
+            </a:fld>
+            <a:endParaRPr lang="en-US"/>
+          </a:p>
+        </p:txBody>
+      </p:sp>
+      <p:pic>
+        <p:nvPicPr>
+          <p:cNvPr id="10244" name="Picture 4"/>
+          <p:cNvPicPr>
+            <a:picLocks noChangeAspect="1" noChangeArrowheads="1"/>
+          </p:cNvPicPr>
+          <p:nvPr/>
+        </p:nvPicPr>
+        <p:blipFill>
+          <a:blip r:embed="rId2">
+            <a:extLst>
+              <a:ext uri="{28A0092B-C50C-407E-A947-70E740481C1C}">
+                <a14:useLocalDpi xmlns:a14="http://schemas.microsoft.com/office/drawing/2010/main" val="0"/>
+              </a:ext>
+            </a:extLst>
+          </a:blip>
+          <a:srcRect/>
+          <a:stretch>
+            <a:fillRect/>
+          </a:stretch>
+        </p:blipFill>
+        <p:spPr bwMode="auto">
+          <a:xfrm>
+            <a:off x="1081314" y="1487714"/>
+            <a:ext cx="6705601" cy="5334000"/>
+          </a:xfrm>
+          <a:prstGeom prst="rect">
+            <a:avLst/>
+          </a:prstGeom>
+          <a:noFill/>
+          <a:ln>
+            <a:noFill/>
+          </a:ln>
+          <a:extLst>
+            <a:ext uri="{909E8E84-426E-40DD-AFC4-6F175D3DCCD1}">
+              <a14:hiddenFill xmlns:a14="http://schemas.microsoft.com/office/drawing/2010/main">
+                <a:solidFill>
+                  <a:schemeClr val="accent1"/>
+                </a:solidFill>
+              </a14:hiddenFill>
+            </a:ext>
+            <a:ext uri="{91240B29-F687-4F45-9708-019B960494DF}">
+              <a14:hiddenLine xmlns:a14="http://schemas.microsoft.com/office/drawing/2010/main" w="9525">
+                <a:solidFill>
+                  <a:schemeClr val="tx1"/>
+                </a:solidFill>
+                <a:miter lim="800000"/>
+                <a:headEnd/>
+                <a:tailEnd/>
+              </a14:hiddenLine>
+            </a:ext>
+          </a:extLst>
+        </p:spPr>
+      </p:pic>
+    </p:spTree>
+    <p:extLst>
+      <p:ext uri="{BB962C8B-B14F-4D97-AF65-F5344CB8AC3E}">
+        <p14:creationId xmlns:p14="http://schemas.microsoft.com/office/powerpoint/2010/main" val="3407747681"/>
+      </p:ext>
+    </p:extLst>
+  </p:cSld>
+  <p:clrMapOvr>
+    <a:masterClrMapping/>
+  </p:clrMapOvr>
+  <p:timing>
+    <p:tnLst>
+      <p:par>
+        <p:cTn id="1" dur="indefinite" restart="never" nodeType="tmRoot"/>
+      </p:par>
+    </p:tnLst>
+  </p:timing>
+</p:sld>
+</file>
+
+<file path=ppt/slides/slide42.xml><?xml version="1.0" encoding="utf-8"?>
+<p:sld xmlns:a="http://schemas.openxmlformats.org/drawingml/2006/main" xmlns:r="http://schemas.openxmlformats.org/officeDocument/2006/relationships" xmlns:p="http://schemas.openxmlformats.org/presentationml/2006/main">
+  <p:cSld>
+    <p:spTree>
+      <p:nvGrpSpPr>
+        <p:cNvPr id="1" name=""/>
+        <p:cNvGrpSpPr/>
+        <p:nvPr/>
+      </p:nvGrpSpPr>
+      <p:grpSpPr>
+        <a:xfrm>
+          <a:off x="0" y="0"/>
+          <a:ext cx="0" cy="0"/>
+          <a:chOff x="0" y="0"/>
+          <a:chExt cx="0" cy="0"/>
+        </a:xfrm>
+      </p:grpSpPr>
+      <p:sp>
+        <p:nvSpPr>
+          <p:cNvPr id="2" name="Title 1"/>
+          <p:cNvSpPr>
+            <a:spLocks noGrp="1"/>
+          </p:cNvSpPr>
+          <p:nvPr>
+            <p:ph type="title"/>
+          </p:nvPr>
+        </p:nvSpPr>
+        <p:spPr/>
+        <p:txBody>
+          <a:bodyPr>
+            <a:normAutofit fontScale="90000"/>
+          </a:bodyPr>
+          <a:lstStyle/>
+          <a:p>
+            <a:r>
+              <a:rPr lang="en-US" dirty="0"/>
               <a:t>Positions of anomaly patterns detected by </a:t>
             </a:r>
             <a:r>
@@ -10381,7 +10659,7 @@
           <a:p>
             <a:fld id="{38324C1E-6E2F-465B-B7AC-362036DEB808}" type="slidenum">
               <a:rPr lang="en-US" smtClean="0"/>
-              <a:t>40</a:t>
+              <a:t>42</a:t>
             </a:fld>
             <a:endParaRPr lang="en-US"/>
           </a:p>
@@ -10480,7 +10758,7 @@
 </p:sld>
 </file>
 
-<file path=ppt/slides/slide41.xml><?xml version="1.0" encoding="utf-8"?>
+<file path=ppt/slides/slide43.xml><?xml version="1.0" encoding="utf-8"?>
 <p:sld xmlns:a="http://schemas.openxmlformats.org/drawingml/2006/main" xmlns:r="http://schemas.openxmlformats.org/officeDocument/2006/relationships" xmlns:p="http://schemas.openxmlformats.org/presentationml/2006/main">
   <p:cSld>
     <p:spTree>
@@ -10592,7 +10870,7 @@
           <a:p>
             <a:fld id="{38324C1E-6E2F-465B-B7AC-362036DEB808}" type="slidenum">
               <a:rPr lang="en-US" smtClean="0"/>
-              <a:t>41</a:t>
+              <a:t>43</a:t>
             </a:fld>
             <a:endParaRPr lang="en-US"/>
           </a:p>
@@ -10651,7 +10929,7 @@
 </p:sld>
 </file>
 
-<file path=ppt/slides/slide42.xml><?xml version="1.0" encoding="utf-8"?>
+<file path=ppt/slides/slide44.xml><?xml version="1.0" encoding="utf-8"?>
 <p:sld xmlns:a="http://schemas.openxmlformats.org/drawingml/2006/main" xmlns:r="http://schemas.openxmlformats.org/officeDocument/2006/relationships" xmlns:p="http://schemas.openxmlformats.org/presentationml/2006/main">
   <p:cSld>
     <p:spTree>
@@ -10763,7 +11041,7 @@
           <a:p>
             <a:fld id="{38324C1E-6E2F-465B-B7AC-362036DEB808}" type="slidenum">
               <a:rPr lang="en-US" smtClean="0"/>
-              <a:t>42</a:t>
+              <a:t>44</a:t>
             </a:fld>
             <a:endParaRPr lang="en-US"/>
           </a:p>
@@ -10822,7 +11100,7 @@
 </p:sld>
 </file>
 
-<file path=ppt/slides/slide43.xml><?xml version="1.0" encoding="utf-8"?>
+<file path=ppt/slides/slide45.xml><?xml version="1.0" encoding="utf-8"?>
 <p:sld xmlns:a="http://schemas.openxmlformats.org/drawingml/2006/main" xmlns:r="http://schemas.openxmlformats.org/officeDocument/2006/relationships" xmlns:p="http://schemas.openxmlformats.org/presentationml/2006/main">
   <p:cSld>
     <p:spTree>
@@ -10934,7 +11212,7 @@
           <a:p>
             <a:fld id="{38324C1E-6E2F-465B-B7AC-362036DEB808}" type="slidenum">
               <a:rPr lang="en-US" smtClean="0"/>
-              <a:t>43</a:t>
+              <a:t>45</a:t>
             </a:fld>
             <a:endParaRPr lang="en-US"/>
           </a:p>
@@ -10993,7 +11271,7 @@
 </p:sld>
 </file>
 
-<file path=ppt/slides/slide44.xml><?xml version="1.0" encoding="utf-8"?>
+<file path=ppt/slides/slide46.xml><?xml version="1.0" encoding="utf-8"?>
 <p:sld xmlns:a="http://schemas.openxmlformats.org/drawingml/2006/main" xmlns:r="http://schemas.openxmlformats.org/officeDocument/2006/relationships" xmlns:p="http://schemas.openxmlformats.org/presentationml/2006/main">
   <p:cSld>
     <p:spTree>
@@ -11060,7 +11338,7 @@
           <a:p>
             <a:fld id="{38324C1E-6E2F-465B-B7AC-362036DEB808}" type="slidenum">
               <a:rPr lang="en-US" smtClean="0"/>
-              <a:t>44</a:t>
+              <a:t>46</a:t>
             </a:fld>
             <a:endParaRPr lang="en-US"/>
           </a:p>
@@ -11159,7 +11437,7 @@
 </p:sld>
 </file>
 
-<file path=ppt/slides/slide45.xml><?xml version="1.0" encoding="utf-8"?>
+<file path=ppt/slides/slide47.xml><?xml version="1.0" encoding="utf-8"?>
 <p:sld xmlns:a="http://schemas.openxmlformats.org/drawingml/2006/main" xmlns:r="http://schemas.openxmlformats.org/officeDocument/2006/relationships" xmlns:p="http://schemas.openxmlformats.org/presentationml/2006/main">
   <p:cSld>
     <p:spTree>
@@ -11226,7 +11504,7 @@
           <a:p>
             <a:fld id="{38324C1E-6E2F-465B-B7AC-362036DEB808}" type="slidenum">
               <a:rPr lang="en-US" smtClean="0"/>
-              <a:t>45</a:t>
+              <a:t>47</a:t>
             </a:fld>
             <a:endParaRPr lang="en-US"/>
           </a:p>
@@ -11308,7 +11586,7 @@
 </p:sld>
 </file>
 
-<file path=ppt/slides/slide46.xml><?xml version="1.0" encoding="utf-8"?>
+<file path=ppt/slides/slide48.xml><?xml version="1.0" encoding="utf-8"?>
 <p:sld xmlns:a="http://schemas.openxmlformats.org/drawingml/2006/main" xmlns:r="http://schemas.openxmlformats.org/officeDocument/2006/relationships" xmlns:p="http://schemas.openxmlformats.org/presentationml/2006/main">
   <p:cSld>
     <p:spTree>
@@ -11532,7 +11810,7 @@
           <a:p>
             <a:fld id="{38324C1E-6E2F-465B-B7AC-362036DEB808}" type="slidenum">
               <a:rPr lang="en-US" smtClean="0"/>
-              <a:t>46</a:t>
+              <a:t>48</a:t>
             </a:fld>
             <a:endParaRPr lang="en-US"/>
           </a:p>
@@ -11558,7 +11836,7 @@
 </p:sld>
 </file>
 
-<file path=ppt/slides/slide47.xml><?xml version="1.0" encoding="utf-8"?>
+<file path=ppt/slides/slide49.xml><?xml version="1.0" encoding="utf-8"?>
 <p:sld xmlns:a="http://schemas.openxmlformats.org/drawingml/2006/main" xmlns:r="http://schemas.openxmlformats.org/officeDocument/2006/relationships" xmlns:p="http://schemas.openxmlformats.org/presentationml/2006/main">
   <p:cSld>
     <p:spTree>
@@ -11863,7 +12141,7 @@
           <a:p>
             <a:fld id="{38324C1E-6E2F-465B-B7AC-362036DEB808}" type="slidenum">
               <a:rPr lang="en-US" smtClean="0"/>
-              <a:t>47</a:t>
+              <a:t>49</a:t>
             </a:fld>
             <a:endParaRPr lang="en-US"/>
           </a:p>
@@ -11873,131 +12151,6 @@
     <p:extLst>
       <p:ext uri="{BB962C8B-B14F-4D97-AF65-F5344CB8AC3E}">
         <p14:creationId xmlns:p14="http://schemas.microsoft.com/office/powerpoint/2010/main" val="3386409769"/>
-      </p:ext>
-    </p:extLst>
-  </p:cSld>
-  <p:clrMapOvr>
-    <a:masterClrMapping/>
-  </p:clrMapOvr>
-  <p:timing>
-    <p:tnLst>
-      <p:par>
-        <p:cTn id="1" dur="indefinite" restart="never" nodeType="tmRoot"/>
-      </p:par>
-    </p:tnLst>
-  </p:timing>
-</p:sld>
-</file>
-
-<file path=ppt/slides/slide48.xml><?xml version="1.0" encoding="utf-8"?>
-<p:sld xmlns:a="http://schemas.openxmlformats.org/drawingml/2006/main" xmlns:r="http://schemas.openxmlformats.org/officeDocument/2006/relationships" xmlns:p="http://schemas.openxmlformats.org/presentationml/2006/main">
-  <p:cSld>
-    <p:spTree>
-      <p:nvGrpSpPr>
-        <p:cNvPr id="1" name=""/>
-        <p:cNvGrpSpPr/>
-        <p:nvPr/>
-      </p:nvGrpSpPr>
-      <p:grpSpPr>
-        <a:xfrm>
-          <a:off x="0" y="0"/>
-          <a:ext cx="0" cy="0"/>
-          <a:chOff x="0" y="0"/>
-          <a:chExt cx="0" cy="0"/>
-        </a:xfrm>
-      </p:grpSpPr>
-      <p:sp>
-        <p:nvSpPr>
-          <p:cNvPr id="2" name="Title 1"/>
-          <p:cNvSpPr>
-            <a:spLocks noGrp="1"/>
-          </p:cNvSpPr>
-          <p:nvPr>
-            <p:ph type="title"/>
-          </p:nvPr>
-        </p:nvSpPr>
-        <p:spPr>
-          <a:xfrm>
-            <a:off x="457200" y="655638"/>
-            <a:ext cx="8229600" cy="868362"/>
-          </a:xfrm>
-        </p:spPr>
-        <p:txBody>
-          <a:bodyPr>
-            <a:normAutofit/>
-          </a:bodyPr>
-          <a:lstStyle/>
-          <a:p>
-            <a:r>
-              <a:rPr lang="en-US" sz="4100" dirty="0" smtClean="0"/>
-              <a:t>Q &amp; A</a:t>
-            </a:r>
-            <a:endParaRPr lang="en-US" sz="4100" dirty="0"/>
-          </a:p>
-        </p:txBody>
-      </p:sp>
-      <p:sp>
-        <p:nvSpPr>
-          <p:cNvPr id="3" name="Slide Number Placeholder 2"/>
-          <p:cNvSpPr>
-            <a:spLocks noGrp="1"/>
-          </p:cNvSpPr>
-          <p:nvPr>
-            <p:ph type="sldNum" sz="quarter" idx="12"/>
-          </p:nvPr>
-        </p:nvSpPr>
-        <p:spPr/>
-        <p:txBody>
-          <a:bodyPr/>
-          <a:lstStyle/>
-          <a:p>
-            <a:fld id="{38324C1E-6E2F-465B-B7AC-362036DEB808}" type="slidenum">
-              <a:rPr lang="en-US" smtClean="0"/>
-              <a:t>48</a:t>
-            </a:fld>
-            <a:endParaRPr lang="en-US"/>
-          </a:p>
-        </p:txBody>
-      </p:sp>
-      <p:sp>
-        <p:nvSpPr>
-          <p:cNvPr id="4" name="TextBox 3"/>
-          <p:cNvSpPr txBox="1"/>
-          <p:nvPr/>
-        </p:nvSpPr>
-        <p:spPr>
-          <a:xfrm>
-            <a:off x="1143000" y="3086725"/>
-            <a:ext cx="6858000" cy="723275"/>
-          </a:xfrm>
-          <a:prstGeom prst="rect">
-            <a:avLst/>
-          </a:prstGeom>
-          <a:noFill/>
-        </p:spPr>
-        <p:txBody>
-          <a:bodyPr wrap="square" rtlCol="0">
-            <a:spAutoFit/>
-          </a:bodyPr>
-          <a:lstStyle/>
-          <a:p>
-            <a:pPr algn="ctr"/>
-            <a:r>
-              <a:rPr lang="en-US" sz="4100" dirty="0" smtClean="0">
-                <a:latin typeface="+mj-lt"/>
-              </a:rPr>
-              <a:t>Thank you!</a:t>
-            </a:r>
-            <a:endParaRPr lang="en-US" sz="4100" dirty="0">
-              <a:latin typeface="+mj-lt"/>
-            </a:endParaRPr>
-          </a:p>
-        </p:txBody>
-      </p:sp>
-    </p:spTree>
-    <p:extLst>
-      <p:ext uri="{BB962C8B-B14F-4D97-AF65-F5344CB8AC3E}">
-        <p14:creationId xmlns:p14="http://schemas.microsoft.com/office/powerpoint/2010/main" val="1866054366"/>
       </p:ext>
     </p:extLst>
   </p:cSld>
@@ -12186,6 +12339,138 @@
   <p:clrMapOvr>
     <a:masterClrMapping/>
   </p:clrMapOvr>
+  <p:timing>
+    <p:tnLst>
+      <p:par>
+        <p:cTn id="1" dur="indefinite" restart="never" nodeType="tmRoot"/>
+      </p:par>
+    </p:tnLst>
+  </p:timing>
+</p:sld>
+</file>
+
+<file path=ppt/slides/slide50.xml><?xml version="1.0" encoding="utf-8"?>
+<p:sld xmlns:a="http://schemas.openxmlformats.org/drawingml/2006/main" xmlns:r="http://schemas.openxmlformats.org/officeDocument/2006/relationships" xmlns:p="http://schemas.openxmlformats.org/presentationml/2006/main">
+  <p:cSld>
+    <p:spTree>
+      <p:nvGrpSpPr>
+        <p:cNvPr id="1" name=""/>
+        <p:cNvGrpSpPr/>
+        <p:nvPr/>
+      </p:nvGrpSpPr>
+      <p:grpSpPr>
+        <a:xfrm>
+          <a:off x="0" y="0"/>
+          <a:ext cx="0" cy="0"/>
+          <a:chOff x="0" y="0"/>
+          <a:chExt cx="0" cy="0"/>
+        </a:xfrm>
+      </p:grpSpPr>
+      <p:sp>
+        <p:nvSpPr>
+          <p:cNvPr id="2" name="Title 1"/>
+          <p:cNvSpPr>
+            <a:spLocks noGrp="1"/>
+          </p:cNvSpPr>
+          <p:nvPr>
+            <p:ph type="title"/>
+          </p:nvPr>
+        </p:nvSpPr>
+        <p:spPr>
+          <a:xfrm>
+            <a:off x="457200" y="655638"/>
+            <a:ext cx="8229600" cy="868362"/>
+          </a:xfrm>
+        </p:spPr>
+        <p:txBody>
+          <a:bodyPr>
+            <a:normAutofit/>
+          </a:bodyPr>
+          <a:lstStyle/>
+          <a:p>
+            <a:r>
+              <a:rPr lang="en-US" sz="4100" dirty="0" smtClean="0"/>
+              <a:t>Q &amp; A</a:t>
+            </a:r>
+            <a:endParaRPr lang="en-US" sz="4100" dirty="0"/>
+          </a:p>
+        </p:txBody>
+      </p:sp>
+      <p:sp>
+        <p:nvSpPr>
+          <p:cNvPr id="3" name="Slide Number Placeholder 2"/>
+          <p:cNvSpPr>
+            <a:spLocks noGrp="1"/>
+          </p:cNvSpPr>
+          <p:nvPr>
+            <p:ph type="sldNum" sz="quarter" idx="12"/>
+          </p:nvPr>
+        </p:nvSpPr>
+        <p:spPr/>
+        <p:txBody>
+          <a:bodyPr/>
+          <a:lstStyle/>
+          <a:p>
+            <a:fld id="{38324C1E-6E2F-465B-B7AC-362036DEB808}" type="slidenum">
+              <a:rPr lang="en-US" smtClean="0"/>
+              <a:t>50</a:t>
+            </a:fld>
+            <a:endParaRPr lang="en-US"/>
+          </a:p>
+        </p:txBody>
+      </p:sp>
+      <p:sp>
+        <p:nvSpPr>
+          <p:cNvPr id="4" name="TextBox 3"/>
+          <p:cNvSpPr txBox="1"/>
+          <p:nvPr/>
+        </p:nvSpPr>
+        <p:spPr>
+          <a:xfrm>
+            <a:off x="1143000" y="3086725"/>
+            <a:ext cx="6858000" cy="723275"/>
+          </a:xfrm>
+          <a:prstGeom prst="rect">
+            <a:avLst/>
+          </a:prstGeom>
+          <a:noFill/>
+        </p:spPr>
+        <p:txBody>
+          <a:bodyPr wrap="square" rtlCol="0">
+            <a:spAutoFit/>
+          </a:bodyPr>
+          <a:lstStyle/>
+          <a:p>
+            <a:pPr algn="ctr"/>
+            <a:r>
+              <a:rPr lang="en-US" sz="4100" dirty="0" smtClean="0">
+                <a:latin typeface="+mj-lt"/>
+              </a:rPr>
+              <a:t>Thank you!</a:t>
+            </a:r>
+            <a:endParaRPr lang="en-US" sz="4100" dirty="0">
+              <a:latin typeface="+mj-lt"/>
+            </a:endParaRPr>
+          </a:p>
+        </p:txBody>
+      </p:sp>
+    </p:spTree>
+    <p:extLst>
+      <p:ext uri="{BB962C8B-B14F-4D97-AF65-F5344CB8AC3E}">
+        <p14:creationId xmlns:p14="http://schemas.microsoft.com/office/powerpoint/2010/main" val="1866054366"/>
+      </p:ext>
+    </p:extLst>
+  </p:cSld>
+  <p:clrMapOvr>
+    <a:masterClrMapping/>
+  </p:clrMapOvr>
+  <p:timing>
+    <p:tnLst>
+      <p:par>
+        <p:cTn id="1" dur="indefinite" restart="never" nodeType="tmRoot"/>
+      </p:par>
+    </p:tnLst>
+  </p:timing>
 </p:sld>
 </file>
 
@@ -12509,6 +12794,13 @@
   <p:clrMapOvr>
     <a:masterClrMapping/>
   </p:clrMapOvr>
+  <p:timing>
+    <p:tnLst>
+      <p:par>
+        <p:cTn id="1" dur="indefinite" restart="never" nodeType="tmRoot"/>
+      </p:par>
+    </p:tnLst>
+  </p:timing>
 </p:sld>
 </file>
 
@@ -12953,6 +13245,13 @@
   <p:clrMapOvr>
     <a:masterClrMapping/>
   </p:clrMapOvr>
+  <p:timing>
+    <p:tnLst>
+      <p:par>
+        <p:cTn id="1" dur="indefinite" restart="never" nodeType="tmRoot"/>
+      </p:par>
+    </p:tnLst>
+  </p:timing>
 </p:sld>
 </file>
 
@@ -13350,6 +13649,13 @@
   <p:clrMapOvr>
     <a:masterClrMapping/>
   </p:clrMapOvr>
+  <p:timing>
+    <p:tnLst>
+      <p:par>
+        <p:cTn id="1" dur="indefinite" restart="never" nodeType="tmRoot"/>
+      </p:par>
+    </p:tnLst>
+  </p:timing>
 </p:sld>
 </file>
 
@@ -13519,6 +13825,13 @@
   <p:clrMapOvr>
     <a:masterClrMapping/>
   </p:clrMapOvr>
+  <p:timing>
+    <p:tnLst>
+      <p:par>
+        <p:cTn id="1" dur="indefinite" restart="never" nodeType="tmRoot"/>
+      </p:par>
+    </p:tnLst>
+  </p:timing>
 </p:sld>
 </file>
 

--- a/Report/Luan van pre.pptx
+++ b/Report/Luan van pre.pptx
@@ -5,7 +5,7 @@
     <p:sldMasterId id="2147483900" r:id="rId1"/>
   </p:sldMasterIdLst>
   <p:notesMasterIdLst>
-    <p:notesMasterId r:id="rId52"/>
+    <p:notesMasterId r:id="rId54"/>
   </p:notesMasterIdLst>
   <p:sldIdLst>
     <p:sldId id="256" r:id="rId2"/>
@@ -24,40 +24,42 @@
     <p:sldId id="339" r:id="rId15"/>
     <p:sldId id="373" r:id="rId16"/>
     <p:sldId id="354" r:id="rId17"/>
-    <p:sldId id="341" r:id="rId18"/>
-    <p:sldId id="351" r:id="rId19"/>
-    <p:sldId id="374" r:id="rId20"/>
-    <p:sldId id="350" r:id="rId21"/>
-    <p:sldId id="352" r:id="rId22"/>
-    <p:sldId id="353" r:id="rId23"/>
-    <p:sldId id="355" r:id="rId24"/>
-    <p:sldId id="342" r:id="rId25"/>
-    <p:sldId id="343" r:id="rId26"/>
-    <p:sldId id="356" r:id="rId27"/>
-    <p:sldId id="344" r:id="rId28"/>
-    <p:sldId id="345" r:id="rId29"/>
-    <p:sldId id="357" r:id="rId30"/>
-    <p:sldId id="346" r:id="rId31"/>
-    <p:sldId id="347" r:id="rId32"/>
-    <p:sldId id="358" r:id="rId33"/>
-    <p:sldId id="348" r:id="rId34"/>
-    <p:sldId id="359" r:id="rId35"/>
-    <p:sldId id="364" r:id="rId36"/>
-    <p:sldId id="349" r:id="rId37"/>
-    <p:sldId id="360" r:id="rId38"/>
-    <p:sldId id="361" r:id="rId39"/>
-    <p:sldId id="362" r:id="rId40"/>
-    <p:sldId id="366" r:id="rId41"/>
-    <p:sldId id="363" r:id="rId42"/>
-    <p:sldId id="365" r:id="rId43"/>
-    <p:sldId id="367" r:id="rId44"/>
-    <p:sldId id="368" r:id="rId45"/>
-    <p:sldId id="369" r:id="rId46"/>
-    <p:sldId id="370" r:id="rId47"/>
-    <p:sldId id="371" r:id="rId48"/>
-    <p:sldId id="372" r:id="rId49"/>
-    <p:sldId id="301" r:id="rId50"/>
-    <p:sldId id="314" r:id="rId51"/>
+    <p:sldId id="375" r:id="rId18"/>
+    <p:sldId id="376" r:id="rId19"/>
+    <p:sldId id="341" r:id="rId20"/>
+    <p:sldId id="351" r:id="rId21"/>
+    <p:sldId id="374" r:id="rId22"/>
+    <p:sldId id="350" r:id="rId23"/>
+    <p:sldId id="352" r:id="rId24"/>
+    <p:sldId id="353" r:id="rId25"/>
+    <p:sldId id="355" r:id="rId26"/>
+    <p:sldId id="342" r:id="rId27"/>
+    <p:sldId id="343" r:id="rId28"/>
+    <p:sldId id="356" r:id="rId29"/>
+    <p:sldId id="344" r:id="rId30"/>
+    <p:sldId id="345" r:id="rId31"/>
+    <p:sldId id="357" r:id="rId32"/>
+    <p:sldId id="346" r:id="rId33"/>
+    <p:sldId id="347" r:id="rId34"/>
+    <p:sldId id="358" r:id="rId35"/>
+    <p:sldId id="348" r:id="rId36"/>
+    <p:sldId id="359" r:id="rId37"/>
+    <p:sldId id="364" r:id="rId38"/>
+    <p:sldId id="349" r:id="rId39"/>
+    <p:sldId id="360" r:id="rId40"/>
+    <p:sldId id="361" r:id="rId41"/>
+    <p:sldId id="362" r:id="rId42"/>
+    <p:sldId id="366" r:id="rId43"/>
+    <p:sldId id="363" r:id="rId44"/>
+    <p:sldId id="365" r:id="rId45"/>
+    <p:sldId id="367" r:id="rId46"/>
+    <p:sldId id="368" r:id="rId47"/>
+    <p:sldId id="369" r:id="rId48"/>
+    <p:sldId id="370" r:id="rId49"/>
+    <p:sldId id="371" r:id="rId50"/>
+    <p:sldId id="372" r:id="rId51"/>
+    <p:sldId id="301" r:id="rId52"/>
+    <p:sldId id="314" r:id="rId53"/>
   </p:sldIdLst>
   <p:sldSz cx="9144000" cy="6858000" type="screen4x3"/>
   <p:notesSz cx="6858000" cy="9144000"/>
@@ -241,7 +243,7 @@
           <a:p>
             <a:fld id="{B254F1C8-CC3D-498E-B2CE-23BA4A379260}" type="datetimeFigureOut">
               <a:rPr lang="en-US" smtClean="0"/>
-              <a:t>3/9/2016</a:t>
+              <a:t>3/11/2016</a:t>
             </a:fld>
             <a:endParaRPr lang="en-US"/>
           </a:p>
@@ -774,7 +776,7 @@
           <a:p>
             <a:fld id="{B329DD22-3901-4017-BEC8-FE8750DFA061}" type="datetime1">
               <a:rPr lang="en-US" smtClean="0"/>
-              <a:t>3/9/2016</a:t>
+              <a:t>3/11/2016</a:t>
             </a:fld>
             <a:endParaRPr lang="en-US"/>
           </a:p>
@@ -948,7 +950,7 @@
           <a:p>
             <a:fld id="{115BC933-04EF-4125-ADB5-D4BD0A1A7597}" type="datetime1">
               <a:rPr lang="en-US" smtClean="0"/>
-              <a:t>3/9/2016</a:t>
+              <a:t>3/11/2016</a:t>
             </a:fld>
             <a:endParaRPr lang="en-US"/>
           </a:p>
@@ -1132,7 +1134,7 @@
           <a:p>
             <a:fld id="{17EB61BA-192C-433C-B416-72651F1A78EB}" type="datetime1">
               <a:rPr lang="en-US" smtClean="0"/>
-              <a:t>3/9/2016</a:t>
+              <a:t>3/11/2016</a:t>
             </a:fld>
             <a:endParaRPr lang="en-US"/>
           </a:p>
@@ -1306,7 +1308,7 @@
           <a:p>
             <a:fld id="{A7AAD14A-2C09-4031-875B-FB5485C85F52}" type="datetime1">
               <a:rPr lang="en-US" smtClean="0"/>
-              <a:t>3/9/2016</a:t>
+              <a:t>3/11/2016</a:t>
             </a:fld>
             <a:endParaRPr lang="en-US"/>
           </a:p>
@@ -1556,7 +1558,7 @@
           <a:p>
             <a:fld id="{5F71CD92-15F1-49C0-B076-705046C4361F}" type="datetime1">
               <a:rPr lang="en-US" smtClean="0"/>
-              <a:t>3/9/2016</a:t>
+              <a:t>3/11/2016</a:t>
             </a:fld>
             <a:endParaRPr lang="en-US"/>
           </a:p>
@@ -1848,7 +1850,7 @@
           <a:p>
             <a:fld id="{114BFDAB-3BD4-4BC8-9BA6-6E4ABE132CE6}" type="datetime1">
               <a:rPr lang="en-US" smtClean="0"/>
-              <a:t>3/9/2016</a:t>
+              <a:t>3/11/2016</a:t>
             </a:fld>
             <a:endParaRPr lang="en-US"/>
           </a:p>
@@ -2274,7 +2276,7 @@
           <a:p>
             <a:fld id="{34FCCD49-AB6B-49EC-B1AF-BDD79E29A726}" type="datetime1">
               <a:rPr lang="en-US" smtClean="0"/>
-              <a:t>3/9/2016</a:t>
+              <a:t>3/11/2016</a:t>
             </a:fld>
             <a:endParaRPr lang="en-US"/>
           </a:p>
@@ -2396,7 +2398,7 @@
           <a:p>
             <a:fld id="{0E5F5D71-C980-4D30-8EE3-BAE218D8A89F}" type="datetime1">
               <a:rPr lang="en-US" smtClean="0"/>
-              <a:t>3/9/2016</a:t>
+              <a:t>3/11/2016</a:t>
             </a:fld>
             <a:endParaRPr lang="en-US"/>
           </a:p>
@@ -2495,7 +2497,7 @@
           <a:p>
             <a:fld id="{3AF8CC4E-4914-4E8E-BF6E-87F5D8F00C88}" type="datetime1">
               <a:rPr lang="en-US" smtClean="0"/>
-              <a:t>3/9/2016</a:t>
+              <a:t>3/11/2016</a:t>
             </a:fld>
             <a:endParaRPr lang="en-US"/>
           </a:p>
@@ -2776,7 +2778,7 @@
           <a:p>
             <a:fld id="{40A97A51-EA70-40F7-9C72-010BE2156940}" type="datetime1">
               <a:rPr lang="en-US" smtClean="0"/>
-              <a:t>3/9/2016</a:t>
+              <a:t>3/11/2016</a:t>
             </a:fld>
             <a:endParaRPr lang="en-US"/>
           </a:p>
@@ -3033,7 +3035,7 @@
           <a:p>
             <a:fld id="{81C508AD-95BA-4196-BE39-DD6DCC1516CB}" type="datetime1">
               <a:rPr lang="en-US" smtClean="0"/>
-              <a:t>3/9/2016</a:t>
+              <a:t>3/11/2016</a:t>
             </a:fld>
             <a:endParaRPr lang="en-US"/>
           </a:p>
@@ -3250,7 +3252,7 @@
           <a:p>
             <a:fld id="{21D2C01F-FF40-4B38-A4B4-3E540EF55F9E}" type="datetime1">
               <a:rPr lang="en-US" smtClean="0"/>
-              <a:t>3/9/2016</a:t>
+              <a:t>3/11/2016</a:t>
             </a:fld>
             <a:endParaRPr lang="en-US"/>
           </a:p>
@@ -4835,60 +4837,6 @@
           </a:p>
         </p:txBody>
       </p:sp>
-      <p:pic>
-        <p:nvPicPr>
-          <p:cNvPr id="1028" name="Picture 4"/>
-          <p:cNvPicPr>
-            <a:picLocks noChangeAspect="1" noChangeArrowheads="1"/>
-          </p:cNvPicPr>
-          <p:nvPr/>
-        </p:nvPicPr>
-        <p:blipFill>
-          <a:blip r:embed="rId2">
-            <a:extLst>
-              <a:ext uri="{28A0092B-C50C-407E-A947-70E740481C1C}">
-                <a14:useLocalDpi xmlns:a14="http://schemas.microsoft.com/office/drawing/2010/main" val="0"/>
-              </a:ext>
-            </a:extLst>
-          </a:blip>
-          <a:srcRect/>
-          <a:stretch>
-            <a:fillRect/>
-          </a:stretch>
-        </p:blipFill>
-        <p:spPr bwMode="auto">
-          <a:xfrm>
-            <a:off x="2743200" y="2133600"/>
-            <a:ext cx="4467225" cy="4533900"/>
-          </a:xfrm>
-          <a:prstGeom prst="rect">
-            <a:avLst/>
-          </a:prstGeom>
-          <a:noFill/>
-          <a:ln>
-            <a:noFill/>
-          </a:ln>
-          <a:extLst>
-            <a:ext uri="{909E8E84-426E-40DD-AFC4-6F175D3DCCD1}">
-              <a14:hiddenFill xmlns:a14="http://schemas.microsoft.com/office/drawing/2010/main">
-                <a:solidFill>
-                  <a:schemeClr val="accent1"/>
-                </a:solidFill>
-              </a14:hiddenFill>
-            </a:ext>
-            <a:ext uri="{91240B29-F687-4F45-9708-019B960494DF}">
-              <a14:hiddenLine xmlns:a14="http://schemas.microsoft.com/office/drawing/2010/main" w="9525">
-                <a:solidFill>
-                  <a:schemeClr val="tx1"/>
-                </a:solidFill>
-                <a:miter lim="800000"/>
-                <a:headEnd/>
-                <a:tailEnd/>
-              </a14:hiddenLine>
-            </a:ext>
-          </a:extLst>
-        </p:spPr>
-      </p:pic>
     </p:spTree>
     <p:extLst>
       <p:ext uri="{BB962C8B-B14F-4D97-AF65-F5344CB8AC3E}">
@@ -4964,6 +4912,311 @@
           <a:bodyPr/>
           <a:lstStyle/>
           <a:p>
+            <a:r>
+              <a:rPr lang="en-US" dirty="0" err="1" smtClean="0"/>
+              <a:t>Haar</a:t>
+            </a:r>
+            <a:r>
+              <a:rPr lang="en-US" dirty="0" smtClean="0"/>
+              <a:t> wavelet can  be seen as a series of averaging and differencing operations</a:t>
+            </a:r>
+          </a:p>
+          <a:p>
+            <a:r>
+              <a:rPr lang="en-US" dirty="0" smtClean="0"/>
+              <a:t>Ex:  </a:t>
+            </a:r>
+            <a:r>
+              <a:rPr lang="en-US" i="1" dirty="0" smtClean="0"/>
+              <a:t>f(x)</a:t>
+            </a:r>
+            <a:r>
+              <a:rPr lang="en-US" dirty="0" smtClean="0"/>
+              <a:t> = (9, 7, 3, 5) -&gt; (6, 2, 1, -1)</a:t>
+            </a:r>
+          </a:p>
+          <a:p>
+            <a:endParaRPr lang="en-US" dirty="0"/>
+          </a:p>
+        </p:txBody>
+      </p:sp>
+      <p:sp>
+        <p:nvSpPr>
+          <p:cNvPr id="4" name="Slide Number Placeholder 3"/>
+          <p:cNvSpPr>
+            <a:spLocks noGrp="1"/>
+          </p:cNvSpPr>
+          <p:nvPr>
+            <p:ph type="sldNum" sz="quarter" idx="12"/>
+          </p:nvPr>
+        </p:nvSpPr>
+        <p:spPr/>
+        <p:txBody>
+          <a:bodyPr/>
+          <a:lstStyle/>
+          <a:p>
+            <a:fld id="{38324C1E-6E2F-465B-B7AC-362036DEB808}" type="slidenum">
+              <a:rPr lang="en-US" smtClean="0"/>
+              <a:t>17</a:t>
+            </a:fld>
+            <a:endParaRPr lang="en-US"/>
+          </a:p>
+        </p:txBody>
+      </p:sp>
+      <p:pic>
+        <p:nvPicPr>
+          <p:cNvPr id="8194" name="Picture 2"/>
+          <p:cNvPicPr>
+            <a:picLocks noChangeAspect="1" noChangeArrowheads="1"/>
+          </p:cNvPicPr>
+          <p:nvPr/>
+        </p:nvPicPr>
+        <p:blipFill>
+          <a:blip r:embed="rId2">
+            <a:extLst>
+              <a:ext uri="{28A0092B-C50C-407E-A947-70E740481C1C}">
+                <a14:useLocalDpi xmlns:a14="http://schemas.microsoft.com/office/drawing/2010/main" val="0"/>
+              </a:ext>
+            </a:extLst>
+          </a:blip>
+          <a:srcRect/>
+          <a:stretch>
+            <a:fillRect/>
+          </a:stretch>
+        </p:blipFill>
+        <p:spPr bwMode="auto">
+          <a:xfrm>
+            <a:off x="1828800" y="3810000"/>
+            <a:ext cx="4908596" cy="1676400"/>
+          </a:xfrm>
+          <a:prstGeom prst="rect">
+            <a:avLst/>
+          </a:prstGeom>
+          <a:noFill/>
+          <a:ln>
+            <a:noFill/>
+          </a:ln>
+          <a:extLst>
+            <a:ext uri="{909E8E84-426E-40DD-AFC4-6F175D3DCCD1}">
+              <a14:hiddenFill xmlns:a14="http://schemas.microsoft.com/office/drawing/2010/main">
+                <a:solidFill>
+                  <a:schemeClr val="accent1"/>
+                </a:solidFill>
+              </a14:hiddenFill>
+            </a:ext>
+            <a:ext uri="{91240B29-F687-4F45-9708-019B960494DF}">
+              <a14:hiddenLine xmlns:a14="http://schemas.microsoft.com/office/drawing/2010/main" w="9525">
+                <a:solidFill>
+                  <a:schemeClr val="tx1"/>
+                </a:solidFill>
+                <a:miter lim="800000"/>
+                <a:headEnd/>
+                <a:tailEnd/>
+              </a14:hiddenLine>
+            </a:ext>
+          </a:extLst>
+        </p:spPr>
+      </p:pic>
+    </p:spTree>
+    <p:extLst>
+      <p:ext uri="{BB962C8B-B14F-4D97-AF65-F5344CB8AC3E}">
+        <p14:creationId xmlns:p14="http://schemas.microsoft.com/office/powerpoint/2010/main" val="3803626509"/>
+      </p:ext>
+    </p:extLst>
+  </p:cSld>
+  <p:clrMapOvr>
+    <a:masterClrMapping/>
+  </p:clrMapOvr>
+</p:sld>
+</file>
+
+<file path=ppt/slides/slide18.xml><?xml version="1.0" encoding="utf-8"?>
+<p:sld xmlns:a="http://schemas.openxmlformats.org/drawingml/2006/main" xmlns:r="http://schemas.openxmlformats.org/officeDocument/2006/relationships" xmlns:p="http://schemas.openxmlformats.org/presentationml/2006/main">
+  <p:cSld>
+    <p:spTree>
+      <p:nvGrpSpPr>
+        <p:cNvPr id="1" name=""/>
+        <p:cNvGrpSpPr/>
+        <p:nvPr/>
+      </p:nvGrpSpPr>
+      <p:grpSpPr>
+        <a:xfrm>
+          <a:off x="0" y="0"/>
+          <a:ext cx="0" cy="0"/>
+          <a:chOff x="0" y="0"/>
+          <a:chExt cx="0" cy="0"/>
+        </a:xfrm>
+      </p:grpSpPr>
+      <p:sp>
+        <p:nvSpPr>
+          <p:cNvPr id="2" name="Title 1"/>
+          <p:cNvSpPr>
+            <a:spLocks noGrp="1"/>
+          </p:cNvSpPr>
+          <p:nvPr>
+            <p:ph type="title"/>
+          </p:nvPr>
+        </p:nvSpPr>
+        <p:spPr/>
+        <p:txBody>
+          <a:bodyPr/>
+          <a:lstStyle/>
+          <a:p>
+            <a:r>
+              <a:rPr lang="en-US" dirty="0" smtClean="0"/>
+              <a:t>WAT</a:t>
+            </a:r>
+            <a:endParaRPr lang="en-US" dirty="0"/>
+          </a:p>
+        </p:txBody>
+      </p:sp>
+      <p:sp>
+        <p:nvSpPr>
+          <p:cNvPr id="4" name="Slide Number Placeholder 3"/>
+          <p:cNvSpPr>
+            <a:spLocks noGrp="1"/>
+          </p:cNvSpPr>
+          <p:nvPr>
+            <p:ph type="sldNum" sz="quarter" idx="12"/>
+          </p:nvPr>
+        </p:nvSpPr>
+        <p:spPr/>
+        <p:txBody>
+          <a:bodyPr/>
+          <a:lstStyle/>
+          <a:p>
+            <a:fld id="{38324C1E-6E2F-465B-B7AC-362036DEB808}" type="slidenum">
+              <a:rPr lang="en-US" smtClean="0"/>
+              <a:t>18</a:t>
+            </a:fld>
+            <a:endParaRPr lang="en-US"/>
+          </a:p>
+        </p:txBody>
+      </p:sp>
+      <p:pic>
+        <p:nvPicPr>
+          <p:cNvPr id="5" name="Content Placeholder 4"/>
+          <p:cNvPicPr>
+            <a:picLocks noGrp="1" noChangeAspect="1" noChangeArrowheads="1"/>
+          </p:cNvPicPr>
+          <p:nvPr>
+            <p:ph idx="1"/>
+          </p:nvPr>
+        </p:nvPicPr>
+        <p:blipFill>
+          <a:blip r:embed="rId2">
+            <a:extLst>
+              <a:ext uri="{28A0092B-C50C-407E-A947-70E740481C1C}">
+                <a14:useLocalDpi xmlns:a14="http://schemas.microsoft.com/office/drawing/2010/main" val="0"/>
+              </a:ext>
+            </a:extLst>
+          </a:blip>
+          <a:srcRect/>
+          <a:stretch>
+            <a:fillRect/>
+          </a:stretch>
+        </p:blipFill>
+        <p:spPr bwMode="auto">
+          <a:xfrm>
+            <a:off x="2342298" y="1600200"/>
+            <a:ext cx="4459404" cy="4525963"/>
+          </a:xfrm>
+          <a:prstGeom prst="rect">
+            <a:avLst/>
+          </a:prstGeom>
+          <a:noFill/>
+          <a:ln>
+            <a:noFill/>
+          </a:ln>
+          <a:extLst>
+            <a:ext uri="{909E8E84-426E-40DD-AFC4-6F175D3DCCD1}">
+              <a14:hiddenFill xmlns:a14="http://schemas.microsoft.com/office/drawing/2010/main">
+                <a:solidFill>
+                  <a:schemeClr val="accent1"/>
+                </a:solidFill>
+              </a14:hiddenFill>
+            </a:ext>
+            <a:ext uri="{91240B29-F687-4F45-9708-019B960494DF}">
+              <a14:hiddenLine xmlns:a14="http://schemas.microsoft.com/office/drawing/2010/main" w="9525">
+                <a:solidFill>
+                  <a:schemeClr val="tx1"/>
+                </a:solidFill>
+                <a:miter lim="800000"/>
+                <a:headEnd/>
+                <a:tailEnd/>
+              </a14:hiddenLine>
+            </a:ext>
+          </a:extLst>
+        </p:spPr>
+      </p:pic>
+    </p:spTree>
+    <p:extLst>
+      <p:ext uri="{BB962C8B-B14F-4D97-AF65-F5344CB8AC3E}">
+        <p14:creationId xmlns:p14="http://schemas.microsoft.com/office/powerpoint/2010/main" val="2873700760"/>
+      </p:ext>
+    </p:extLst>
+  </p:cSld>
+  <p:clrMapOvr>
+    <a:masterClrMapping/>
+  </p:clrMapOvr>
+</p:sld>
+</file>
+
+<file path=ppt/slides/slide19.xml><?xml version="1.0" encoding="utf-8"?>
+<p:sld xmlns:a="http://schemas.openxmlformats.org/drawingml/2006/main" xmlns:r="http://schemas.openxmlformats.org/officeDocument/2006/relationships" xmlns:p="http://schemas.openxmlformats.org/presentationml/2006/main">
+  <p:cSld>
+    <p:spTree>
+      <p:nvGrpSpPr>
+        <p:cNvPr id="1" name=""/>
+        <p:cNvGrpSpPr/>
+        <p:nvPr/>
+      </p:nvGrpSpPr>
+      <p:grpSpPr>
+        <a:xfrm>
+          <a:off x="0" y="0"/>
+          <a:ext cx="0" cy="0"/>
+          <a:chOff x="0" y="0"/>
+          <a:chExt cx="0" cy="0"/>
+        </a:xfrm>
+      </p:grpSpPr>
+      <p:sp>
+        <p:nvSpPr>
+          <p:cNvPr id="2" name="Title 1"/>
+          <p:cNvSpPr>
+            <a:spLocks noGrp="1"/>
+          </p:cNvSpPr>
+          <p:nvPr>
+            <p:ph type="title"/>
+          </p:nvPr>
+        </p:nvSpPr>
+        <p:spPr/>
+        <p:txBody>
+          <a:bodyPr/>
+          <a:lstStyle/>
+          <a:p>
+            <a:r>
+              <a:rPr lang="en-US" dirty="0" smtClean="0"/>
+              <a:t>WAT</a:t>
+            </a:r>
+            <a:endParaRPr lang="en-US" dirty="0"/>
+          </a:p>
+        </p:txBody>
+      </p:sp>
+      <p:sp>
+        <p:nvSpPr>
+          <p:cNvPr id="3" name="Content Placeholder 2"/>
+          <p:cNvSpPr>
+            <a:spLocks noGrp="1"/>
+          </p:cNvSpPr>
+          <p:nvPr>
+            <p:ph idx="1"/>
+          </p:nvPr>
+        </p:nvSpPr>
+        <p:spPr/>
+        <p:txBody>
+          <a:bodyPr/>
+          <a:lstStyle/>
+          <a:p>
             <a:pPr marL="0" indent="0">
               <a:buNone/>
             </a:pPr>
@@ -4988,7 +5241,7 @@
           <a:p>
             <a:fld id="{38324C1E-6E2F-465B-B7AC-362036DEB808}" type="slidenum">
               <a:rPr lang="en-US" smtClean="0"/>
-              <a:t>17</a:t>
+              <a:t>19</a:t>
             </a:fld>
             <a:endParaRPr lang="en-US"/>
           </a:p>
@@ -5047,7 +5300,7 @@
 </p:sld>
 </file>
 
-<file path=ppt/slides/slide18.xml><?xml version="1.0" encoding="utf-8"?>
+<file path=ppt/slides/slide2.xml><?xml version="1.0" encoding="utf-8"?>
 <p:sld xmlns:a="http://schemas.openxmlformats.org/drawingml/2006/main" xmlns:r="http://schemas.openxmlformats.org/officeDocument/2006/relationships" xmlns:p="http://schemas.openxmlformats.org/presentationml/2006/main">
   <p:cSld>
     <p:spTree>
@@ -5081,6 +5334,206 @@
           <a:p>
             <a:r>
               <a:rPr lang="en-US" dirty="0" smtClean="0"/>
+              <a:t>Content</a:t>
+            </a:r>
+            <a:endParaRPr lang="en-US" dirty="0"/>
+          </a:p>
+        </p:txBody>
+      </p:sp>
+      <p:sp>
+        <p:nvSpPr>
+          <p:cNvPr id="3" name="Slide Number Placeholder 2"/>
+          <p:cNvSpPr>
+            <a:spLocks noGrp="1"/>
+          </p:cNvSpPr>
+          <p:nvPr>
+            <p:ph type="sldNum" sz="quarter" idx="12"/>
+          </p:nvPr>
+        </p:nvSpPr>
+        <p:spPr/>
+        <p:txBody>
+          <a:bodyPr/>
+          <a:lstStyle/>
+          <a:p>
+            <a:fld id="{38324C1E-6E2F-465B-B7AC-362036DEB808}" type="slidenum">
+              <a:rPr lang="en-US" smtClean="0"/>
+              <a:t>2</a:t>
+            </a:fld>
+            <a:endParaRPr lang="en-US"/>
+          </a:p>
+        </p:txBody>
+      </p:sp>
+      <p:sp>
+        <p:nvSpPr>
+          <p:cNvPr id="5" name="TextBox 4"/>
+          <p:cNvSpPr txBox="1"/>
+          <p:nvPr/>
+        </p:nvSpPr>
+        <p:spPr>
+          <a:xfrm>
+            <a:off x="533400" y="1524000"/>
+            <a:ext cx="8229600" cy="2677656"/>
+          </a:xfrm>
+          <a:prstGeom prst="rect">
+            <a:avLst/>
+          </a:prstGeom>
+          <a:noFill/>
+        </p:spPr>
+        <p:txBody>
+          <a:bodyPr wrap="square" rtlCol="0">
+            <a:spAutoFit/>
+          </a:bodyPr>
+          <a:lstStyle/>
+          <a:p>
+            <a:pPr marL="285750" indent="-285750">
+              <a:buFont typeface="Arial" pitchFamily="34" charset="0"/>
+              <a:buChar char="•"/>
+            </a:pPr>
+            <a:r>
+              <a:rPr lang="en-US" sz="2400" dirty="0" smtClean="0">
+                <a:latin typeface="+mj-lt"/>
+              </a:rPr>
+              <a:t>Introduction</a:t>
+            </a:r>
+          </a:p>
+          <a:p>
+            <a:pPr marL="285750" indent="-285750">
+              <a:buFont typeface="Arial" pitchFamily="34" charset="0"/>
+              <a:buChar char="•"/>
+            </a:pPr>
+            <a:r>
+              <a:rPr lang="en-US" sz="2400" dirty="0" smtClean="0">
+                <a:latin typeface="+mj-lt"/>
+              </a:rPr>
+              <a:t>Some </a:t>
+            </a:r>
+            <a:r>
+              <a:rPr lang="en-US" sz="2400" dirty="0"/>
+              <a:t>Definitions</a:t>
+            </a:r>
+            <a:r>
+              <a:rPr lang="en-US" sz="2400" dirty="0" smtClean="0">
+                <a:latin typeface="+mj-lt"/>
+              </a:rPr>
+              <a:t> </a:t>
+            </a:r>
+          </a:p>
+          <a:p>
+            <a:pPr marL="285750" indent="-285750">
+              <a:buFont typeface="Arial" pitchFamily="34" charset="0"/>
+              <a:buChar char="•"/>
+            </a:pPr>
+            <a:r>
+              <a:rPr lang="en-US" sz="2400" dirty="0" smtClean="0">
+                <a:latin typeface="+mj-lt"/>
+              </a:rPr>
+              <a:t>Related Works</a:t>
+            </a:r>
+          </a:p>
+          <a:p>
+            <a:pPr marL="285750" indent="-285750">
+              <a:buFont typeface="Arial" pitchFamily="34" charset="0"/>
+              <a:buChar char="•"/>
+            </a:pPr>
+            <a:r>
+              <a:rPr lang="en-US" sz="2400" dirty="0" smtClean="0">
+                <a:latin typeface="+mj-lt"/>
+              </a:rPr>
+              <a:t>Proposed Algorithms</a:t>
+            </a:r>
+          </a:p>
+          <a:p>
+            <a:pPr marL="285750" indent="-285750">
+              <a:buFont typeface="Arial" pitchFamily="34" charset="0"/>
+              <a:buChar char="•"/>
+            </a:pPr>
+            <a:r>
+              <a:rPr lang="en-US" sz="2400" dirty="0" smtClean="0">
+                <a:latin typeface="+mj-lt"/>
+              </a:rPr>
+              <a:t>Experimental Evaluation</a:t>
+            </a:r>
+          </a:p>
+          <a:p>
+            <a:pPr marL="285750" indent="-285750">
+              <a:buFont typeface="Arial" pitchFamily="34" charset="0"/>
+              <a:buChar char="•"/>
+            </a:pPr>
+            <a:r>
+              <a:rPr lang="en-US" sz="2400" dirty="0" smtClean="0">
+                <a:latin typeface="+mj-lt"/>
+              </a:rPr>
+              <a:t>Conclusion</a:t>
+            </a:r>
+          </a:p>
+          <a:p>
+            <a:pPr marL="285750" indent="-285750">
+              <a:buFont typeface="Arial" pitchFamily="34" charset="0"/>
+              <a:buChar char="•"/>
+            </a:pPr>
+            <a:r>
+              <a:rPr lang="en-US" sz="2400" dirty="0" smtClean="0">
+                <a:latin typeface="+mj-lt"/>
+              </a:rPr>
+              <a:t>Q&amp;A</a:t>
+            </a:r>
+          </a:p>
+        </p:txBody>
+      </p:sp>
+    </p:spTree>
+    <p:extLst>
+      <p:ext uri="{BB962C8B-B14F-4D97-AF65-F5344CB8AC3E}">
+        <p14:creationId xmlns:p14="http://schemas.microsoft.com/office/powerpoint/2010/main" val="2386314058"/>
+      </p:ext>
+    </p:extLst>
+  </p:cSld>
+  <p:clrMapOvr>
+    <a:masterClrMapping/>
+  </p:clrMapOvr>
+  <p:timing>
+    <p:tnLst>
+      <p:par>
+        <p:cTn id="1" dur="indefinite" restart="never" nodeType="tmRoot"/>
+      </p:par>
+    </p:tnLst>
+  </p:timing>
+</p:sld>
+</file>
+
+<file path=ppt/slides/slide20.xml><?xml version="1.0" encoding="utf-8"?>
+<p:sld xmlns:a="http://schemas.openxmlformats.org/drawingml/2006/main" xmlns:r="http://schemas.openxmlformats.org/officeDocument/2006/relationships" xmlns:p="http://schemas.openxmlformats.org/presentationml/2006/main">
+  <p:cSld>
+    <p:spTree>
+      <p:nvGrpSpPr>
+        <p:cNvPr id="1" name=""/>
+        <p:cNvGrpSpPr/>
+        <p:nvPr/>
+      </p:nvGrpSpPr>
+      <p:grpSpPr>
+        <a:xfrm>
+          <a:off x="0" y="0"/>
+          <a:ext cx="0" cy="0"/>
+          <a:chOff x="0" y="0"/>
+          <a:chExt cx="0" cy="0"/>
+        </a:xfrm>
+      </p:grpSpPr>
+      <p:sp>
+        <p:nvSpPr>
+          <p:cNvPr id="2" name="Title 1"/>
+          <p:cNvSpPr>
+            <a:spLocks noGrp="1"/>
+          </p:cNvSpPr>
+          <p:nvPr>
+            <p:ph type="title"/>
+          </p:nvPr>
+        </p:nvSpPr>
+        <p:spPr/>
+        <p:txBody>
+          <a:bodyPr/>
+          <a:lstStyle/>
+          <a:p>
+            <a:r>
+              <a:rPr lang="en-US" dirty="0" smtClean="0"/>
               <a:t>WAT</a:t>
             </a:r>
             <a:endParaRPr lang="en-US" dirty="0"/>
@@ -5104,7 +5557,7 @@
           <a:p>
             <a:fld id="{38324C1E-6E2F-465B-B7AC-362036DEB808}" type="slidenum">
               <a:rPr lang="en-US" smtClean="0"/>
-              <a:t>18</a:t>
+              <a:t>20</a:t>
             </a:fld>
             <a:endParaRPr lang="en-US"/>
           </a:p>
@@ -5182,7 +5635,7 @@
 </p:sld>
 </file>
 
-<file path=ppt/slides/slide19.xml><?xml version="1.0" encoding="utf-8"?>
+<file path=ppt/slides/slide21.xml><?xml version="1.0" encoding="utf-8"?>
 <p:sld xmlns:a="http://schemas.openxmlformats.org/drawingml/2006/main" xmlns:r="http://schemas.openxmlformats.org/officeDocument/2006/relationships" xmlns:p="http://schemas.openxmlformats.org/presentationml/2006/main">
   <p:cSld>
     <p:spTree>
@@ -5280,7 +5733,7 @@
           <a:p>
             <a:fld id="{38324C1E-6E2F-465B-B7AC-362036DEB808}" type="slidenum">
               <a:rPr lang="en-US" smtClean="0"/>
-              <a:t>19</a:t>
+              <a:t>21</a:t>
             </a:fld>
             <a:endParaRPr lang="en-US"/>
           </a:p>
@@ -5299,7 +5752,7 @@
 </p:sld>
 </file>
 
-<file path=ppt/slides/slide2.xml><?xml version="1.0" encoding="utf-8"?>
+<file path=ppt/slides/slide22.xml><?xml version="1.0" encoding="utf-8"?>
 <p:sld xmlns:a="http://schemas.openxmlformats.org/drawingml/2006/main" xmlns:r="http://schemas.openxmlformats.org/officeDocument/2006/relationships" xmlns:p="http://schemas.openxmlformats.org/presentationml/2006/main">
   <p:cSld>
     <p:spTree>
@@ -5328,206 +5781,6 @@
         </p:nvSpPr>
         <p:spPr/>
         <p:txBody>
-          <a:bodyPr/>
-          <a:lstStyle/>
-          <a:p>
-            <a:r>
-              <a:rPr lang="en-US" dirty="0" smtClean="0"/>
-              <a:t>Content</a:t>
-            </a:r>
-            <a:endParaRPr lang="en-US" dirty="0"/>
-          </a:p>
-        </p:txBody>
-      </p:sp>
-      <p:sp>
-        <p:nvSpPr>
-          <p:cNvPr id="3" name="Slide Number Placeholder 2"/>
-          <p:cNvSpPr>
-            <a:spLocks noGrp="1"/>
-          </p:cNvSpPr>
-          <p:nvPr>
-            <p:ph type="sldNum" sz="quarter" idx="12"/>
-          </p:nvPr>
-        </p:nvSpPr>
-        <p:spPr/>
-        <p:txBody>
-          <a:bodyPr/>
-          <a:lstStyle/>
-          <a:p>
-            <a:fld id="{38324C1E-6E2F-465B-B7AC-362036DEB808}" type="slidenum">
-              <a:rPr lang="en-US" smtClean="0"/>
-              <a:t>2</a:t>
-            </a:fld>
-            <a:endParaRPr lang="en-US"/>
-          </a:p>
-        </p:txBody>
-      </p:sp>
-      <p:sp>
-        <p:nvSpPr>
-          <p:cNvPr id="5" name="TextBox 4"/>
-          <p:cNvSpPr txBox="1"/>
-          <p:nvPr/>
-        </p:nvSpPr>
-        <p:spPr>
-          <a:xfrm>
-            <a:off x="533400" y="1524000"/>
-            <a:ext cx="8229600" cy="2677656"/>
-          </a:xfrm>
-          <a:prstGeom prst="rect">
-            <a:avLst/>
-          </a:prstGeom>
-          <a:noFill/>
-        </p:spPr>
-        <p:txBody>
-          <a:bodyPr wrap="square" rtlCol="0">
-            <a:spAutoFit/>
-          </a:bodyPr>
-          <a:lstStyle/>
-          <a:p>
-            <a:pPr marL="285750" indent="-285750">
-              <a:buFont typeface="Arial" pitchFamily="34" charset="0"/>
-              <a:buChar char="•"/>
-            </a:pPr>
-            <a:r>
-              <a:rPr lang="en-US" sz="2400" dirty="0" smtClean="0">
-                <a:latin typeface="+mj-lt"/>
-              </a:rPr>
-              <a:t>Introduction</a:t>
-            </a:r>
-          </a:p>
-          <a:p>
-            <a:pPr marL="285750" indent="-285750">
-              <a:buFont typeface="Arial" pitchFamily="34" charset="0"/>
-              <a:buChar char="•"/>
-            </a:pPr>
-            <a:r>
-              <a:rPr lang="en-US" sz="2400" dirty="0" smtClean="0">
-                <a:latin typeface="+mj-lt"/>
-              </a:rPr>
-              <a:t>Some </a:t>
-            </a:r>
-            <a:r>
-              <a:rPr lang="en-US" sz="2400" dirty="0"/>
-              <a:t>Definitions</a:t>
-            </a:r>
-            <a:r>
-              <a:rPr lang="en-US" sz="2400" dirty="0" smtClean="0">
-                <a:latin typeface="+mj-lt"/>
-              </a:rPr>
-              <a:t> </a:t>
-            </a:r>
-          </a:p>
-          <a:p>
-            <a:pPr marL="285750" indent="-285750">
-              <a:buFont typeface="Arial" pitchFamily="34" charset="0"/>
-              <a:buChar char="•"/>
-            </a:pPr>
-            <a:r>
-              <a:rPr lang="en-US" sz="2400" dirty="0" smtClean="0">
-                <a:latin typeface="+mj-lt"/>
-              </a:rPr>
-              <a:t>Related Works</a:t>
-            </a:r>
-          </a:p>
-          <a:p>
-            <a:pPr marL="285750" indent="-285750">
-              <a:buFont typeface="Arial" pitchFamily="34" charset="0"/>
-              <a:buChar char="•"/>
-            </a:pPr>
-            <a:r>
-              <a:rPr lang="en-US" sz="2400" dirty="0" smtClean="0">
-                <a:latin typeface="+mj-lt"/>
-              </a:rPr>
-              <a:t>Proposed Algorithms</a:t>
-            </a:r>
-          </a:p>
-          <a:p>
-            <a:pPr marL="285750" indent="-285750">
-              <a:buFont typeface="Arial" pitchFamily="34" charset="0"/>
-              <a:buChar char="•"/>
-            </a:pPr>
-            <a:r>
-              <a:rPr lang="en-US" sz="2400" dirty="0" smtClean="0">
-                <a:latin typeface="+mj-lt"/>
-              </a:rPr>
-              <a:t>Experimental Evaluation</a:t>
-            </a:r>
-          </a:p>
-          <a:p>
-            <a:pPr marL="285750" indent="-285750">
-              <a:buFont typeface="Arial" pitchFamily="34" charset="0"/>
-              <a:buChar char="•"/>
-            </a:pPr>
-            <a:r>
-              <a:rPr lang="en-US" sz="2400" dirty="0" smtClean="0">
-                <a:latin typeface="+mj-lt"/>
-              </a:rPr>
-              <a:t>Conclusion</a:t>
-            </a:r>
-          </a:p>
-          <a:p>
-            <a:pPr marL="285750" indent="-285750">
-              <a:buFont typeface="Arial" pitchFamily="34" charset="0"/>
-              <a:buChar char="•"/>
-            </a:pPr>
-            <a:r>
-              <a:rPr lang="en-US" sz="2400" dirty="0" smtClean="0">
-                <a:latin typeface="+mj-lt"/>
-              </a:rPr>
-              <a:t>Q&amp;A</a:t>
-            </a:r>
-          </a:p>
-        </p:txBody>
-      </p:sp>
-    </p:spTree>
-    <p:extLst>
-      <p:ext uri="{BB962C8B-B14F-4D97-AF65-F5344CB8AC3E}">
-        <p14:creationId xmlns:p14="http://schemas.microsoft.com/office/powerpoint/2010/main" val="2386314058"/>
-      </p:ext>
-    </p:extLst>
-  </p:cSld>
-  <p:clrMapOvr>
-    <a:masterClrMapping/>
-  </p:clrMapOvr>
-  <p:timing>
-    <p:tnLst>
-      <p:par>
-        <p:cTn id="1" dur="indefinite" restart="never" nodeType="tmRoot"/>
-      </p:par>
-    </p:tnLst>
-  </p:timing>
-</p:sld>
-</file>
-
-<file path=ppt/slides/slide20.xml><?xml version="1.0" encoding="utf-8"?>
-<p:sld xmlns:a="http://schemas.openxmlformats.org/drawingml/2006/main" xmlns:r="http://schemas.openxmlformats.org/officeDocument/2006/relationships" xmlns:p="http://schemas.openxmlformats.org/presentationml/2006/main">
-  <p:cSld>
-    <p:spTree>
-      <p:nvGrpSpPr>
-        <p:cNvPr id="1" name=""/>
-        <p:cNvGrpSpPr/>
-        <p:nvPr/>
-      </p:nvGrpSpPr>
-      <p:grpSpPr>
-        <a:xfrm>
-          <a:off x="0" y="0"/>
-          <a:ext cx="0" cy="0"/>
-          <a:chOff x="0" y="0"/>
-          <a:chExt cx="0" cy="0"/>
-        </a:xfrm>
-      </p:grpSpPr>
-      <p:sp>
-        <p:nvSpPr>
-          <p:cNvPr id="2" name="Title 1"/>
-          <p:cNvSpPr>
-            <a:spLocks noGrp="1"/>
-          </p:cNvSpPr>
-          <p:nvPr>
-            <p:ph type="title"/>
-          </p:nvPr>
-        </p:nvSpPr>
-        <p:spPr/>
-        <p:txBody>
           <a:bodyPr>
             <a:normAutofit fontScale="90000"/>
           </a:bodyPr>
@@ -5557,7 +5810,7 @@
           <a:p>
             <a:fld id="{38324C1E-6E2F-465B-B7AC-362036DEB808}" type="slidenum">
               <a:rPr lang="en-US" smtClean="0"/>
-              <a:t>20</a:t>
+              <a:t>22</a:t>
             </a:fld>
             <a:endParaRPr lang="en-US"/>
           </a:p>
@@ -5632,7 +5885,7 @@
 </p:sld>
 </file>
 
-<file path=ppt/slides/slide21.xml><?xml version="1.0" encoding="utf-8"?>
+<file path=ppt/slides/slide23.xml><?xml version="1.0" encoding="utf-8"?>
 <p:sld xmlns:a="http://schemas.openxmlformats.org/drawingml/2006/main" xmlns:r="http://schemas.openxmlformats.org/officeDocument/2006/relationships" xmlns:p="http://schemas.openxmlformats.org/presentationml/2006/main">
   <p:cSld>
     <p:spTree>
@@ -5690,7 +5943,7 @@
           <a:p>
             <a:fld id="{38324C1E-6E2F-465B-B7AC-362036DEB808}" type="slidenum">
               <a:rPr lang="en-US" smtClean="0"/>
-              <a:t>21</a:t>
+              <a:t>23</a:t>
             </a:fld>
             <a:endParaRPr lang="en-US"/>
           </a:p>
@@ -6289,253 +6542,6 @@
 </p:sld>
 </file>
 
-<file path=ppt/slides/slide22.xml><?xml version="1.0" encoding="utf-8"?>
-<p:sld xmlns:a="http://schemas.openxmlformats.org/drawingml/2006/main" xmlns:r="http://schemas.openxmlformats.org/officeDocument/2006/relationships" xmlns:p="http://schemas.openxmlformats.org/presentationml/2006/main">
-  <p:cSld>
-    <p:spTree>
-      <p:nvGrpSpPr>
-        <p:cNvPr id="1" name=""/>
-        <p:cNvGrpSpPr/>
-        <p:nvPr/>
-      </p:nvGrpSpPr>
-      <p:grpSpPr>
-        <a:xfrm>
-          <a:off x="0" y="0"/>
-          <a:ext cx="0" cy="0"/>
-          <a:chOff x="0" y="0"/>
-          <a:chExt cx="0" cy="0"/>
-        </a:xfrm>
-      </p:grpSpPr>
-      <p:sp>
-        <p:nvSpPr>
-          <p:cNvPr id="2" name="Title 1"/>
-          <p:cNvSpPr>
-            <a:spLocks noGrp="1"/>
-          </p:cNvSpPr>
-          <p:nvPr>
-            <p:ph type="title"/>
-          </p:nvPr>
-        </p:nvSpPr>
-        <p:spPr/>
-        <p:txBody>
-          <a:bodyPr>
-            <a:normAutofit fontScale="90000"/>
-          </a:bodyPr>
-          <a:lstStyle/>
-          <a:p>
-            <a:r>
-              <a:rPr lang="en-US" dirty="0"/>
-              <a:t>Method based on PAA bit representation and clustering</a:t>
-            </a:r>
-          </a:p>
-        </p:txBody>
-      </p:sp>
-      <p:sp>
-        <p:nvSpPr>
-          <p:cNvPr id="3" name="Content Placeholder 2"/>
-          <p:cNvSpPr>
-            <a:spLocks noGrp="1"/>
-          </p:cNvSpPr>
-          <p:nvPr>
-            <p:ph idx="1"/>
-          </p:nvPr>
-        </p:nvSpPr>
-        <p:spPr/>
-        <p:txBody>
-          <a:bodyPr>
-            <a:normAutofit fontScale="92500" lnSpcReduction="10000"/>
-          </a:bodyPr>
-          <a:lstStyle/>
-          <a:p>
-            <a:r>
-              <a:rPr lang="en-US" dirty="0" smtClean="0"/>
-              <a:t>k bit representations are randomly chosen as k cluster </a:t>
-            </a:r>
-            <a:r>
-              <a:rPr lang="en-US" dirty="0" err="1" smtClean="0"/>
-              <a:t>centres</a:t>
-            </a:r>
-            <a:endParaRPr lang="en-US" dirty="0" smtClean="0"/>
-          </a:p>
-          <a:p>
-            <a:r>
-              <a:rPr lang="en-US" dirty="0" smtClean="0"/>
-              <a:t>A bit representation is assigned to the nearest cluster.</a:t>
-            </a:r>
-          </a:p>
-          <a:p>
-            <a:r>
-              <a:rPr lang="en-US" dirty="0" smtClean="0"/>
-              <a:t>In outer loop, subsequences which have bit representations belong to the smallest cluster (cluster has the fewest elements) is checked first </a:t>
-            </a:r>
-          </a:p>
-          <a:p>
-            <a:r>
-              <a:rPr lang="en-US" dirty="0" smtClean="0"/>
-              <a:t>In inner loop, </a:t>
-            </a:r>
-            <a:r>
-              <a:rPr lang="en-US" dirty="0"/>
-              <a:t>subsequences </a:t>
-            </a:r>
-            <a:r>
-              <a:rPr lang="en-US" dirty="0" smtClean="0"/>
-              <a:t> belong to the same cluster with the subsequence chosen at outer loop are checked first.</a:t>
-            </a:r>
-            <a:endParaRPr lang="en-US" dirty="0"/>
-          </a:p>
-        </p:txBody>
-      </p:sp>
-      <p:sp>
-        <p:nvSpPr>
-          <p:cNvPr id="4" name="Slide Number Placeholder 3"/>
-          <p:cNvSpPr>
-            <a:spLocks noGrp="1"/>
-          </p:cNvSpPr>
-          <p:nvPr>
-            <p:ph type="sldNum" sz="quarter" idx="12"/>
-          </p:nvPr>
-        </p:nvSpPr>
-        <p:spPr/>
-        <p:txBody>
-          <a:bodyPr/>
-          <a:lstStyle/>
-          <a:p>
-            <a:fld id="{38324C1E-6E2F-465B-B7AC-362036DEB808}" type="slidenum">
-              <a:rPr lang="en-US" smtClean="0"/>
-              <a:t>22</a:t>
-            </a:fld>
-            <a:endParaRPr lang="en-US"/>
-          </a:p>
-        </p:txBody>
-      </p:sp>
-    </p:spTree>
-    <p:extLst>
-      <p:ext uri="{BB962C8B-B14F-4D97-AF65-F5344CB8AC3E}">
-        <p14:creationId xmlns:p14="http://schemas.microsoft.com/office/powerpoint/2010/main" val="491523616"/>
-      </p:ext>
-    </p:extLst>
-  </p:cSld>
-  <p:clrMapOvr>
-    <a:masterClrMapping/>
-  </p:clrMapOvr>
-  <p:timing>
-    <p:tnLst>
-      <p:par>
-        <p:cTn id="1" dur="indefinite" restart="never" nodeType="tmRoot"/>
-      </p:par>
-    </p:tnLst>
-  </p:timing>
-</p:sld>
-</file>
-
-<file path=ppt/slides/slide23.xml><?xml version="1.0" encoding="utf-8"?>
-<p:sld xmlns:a="http://schemas.openxmlformats.org/drawingml/2006/main" xmlns:r="http://schemas.openxmlformats.org/officeDocument/2006/relationships" xmlns:p="http://schemas.openxmlformats.org/presentationml/2006/main">
-  <p:cSld>
-    <p:spTree>
-      <p:nvGrpSpPr>
-        <p:cNvPr id="1" name=""/>
-        <p:cNvGrpSpPr/>
-        <p:nvPr/>
-      </p:nvGrpSpPr>
-      <p:grpSpPr>
-        <a:xfrm>
-          <a:off x="0" y="0"/>
-          <a:ext cx="0" cy="0"/>
-          <a:chOff x="0" y="0"/>
-          <a:chExt cx="0" cy="0"/>
-        </a:xfrm>
-      </p:grpSpPr>
-      <p:sp>
-        <p:nvSpPr>
-          <p:cNvPr id="2" name="Title 1"/>
-          <p:cNvSpPr>
-            <a:spLocks noGrp="1"/>
-          </p:cNvSpPr>
-          <p:nvPr>
-            <p:ph type="title"/>
-          </p:nvPr>
-        </p:nvSpPr>
-        <p:spPr/>
-        <p:txBody>
-          <a:bodyPr>
-            <a:normAutofit fontScale="90000"/>
-          </a:bodyPr>
-          <a:lstStyle/>
-          <a:p>
-            <a:r>
-              <a:rPr lang="en-US" dirty="0"/>
-              <a:t>Method based on PAA bit representation and clustering</a:t>
-            </a:r>
-          </a:p>
-        </p:txBody>
-      </p:sp>
-      <p:sp>
-        <p:nvSpPr>
-          <p:cNvPr id="3" name="Content Placeholder 2"/>
-          <p:cNvSpPr>
-            <a:spLocks noGrp="1"/>
-          </p:cNvSpPr>
-          <p:nvPr>
-            <p:ph idx="1"/>
-          </p:nvPr>
-        </p:nvSpPr>
-        <p:spPr/>
-        <p:txBody>
-          <a:bodyPr/>
-          <a:lstStyle/>
-          <a:p>
-            <a:r>
-              <a:rPr lang="en-US" dirty="0" smtClean="0"/>
-              <a:t>3 above algorithms need to know the length of anomaly subsequence in advance.</a:t>
-            </a:r>
-            <a:endParaRPr lang="en-US" dirty="0"/>
-          </a:p>
-        </p:txBody>
-      </p:sp>
-      <p:sp>
-        <p:nvSpPr>
-          <p:cNvPr id="4" name="Slide Number Placeholder 3"/>
-          <p:cNvSpPr>
-            <a:spLocks noGrp="1"/>
-          </p:cNvSpPr>
-          <p:nvPr>
-            <p:ph type="sldNum" sz="quarter" idx="12"/>
-          </p:nvPr>
-        </p:nvSpPr>
-        <p:spPr/>
-        <p:txBody>
-          <a:bodyPr/>
-          <a:lstStyle/>
-          <a:p>
-            <a:fld id="{38324C1E-6E2F-465B-B7AC-362036DEB808}" type="slidenum">
-              <a:rPr lang="en-US" smtClean="0"/>
-              <a:t>23</a:t>
-            </a:fld>
-            <a:endParaRPr lang="en-US"/>
-          </a:p>
-        </p:txBody>
-      </p:sp>
-    </p:spTree>
-    <p:extLst>
-      <p:ext uri="{BB962C8B-B14F-4D97-AF65-F5344CB8AC3E}">
-        <p14:creationId xmlns:p14="http://schemas.microsoft.com/office/powerpoint/2010/main" val="1084167868"/>
-      </p:ext>
-    </p:extLst>
-  </p:cSld>
-  <p:clrMapOvr>
-    <a:masterClrMapping/>
-  </p:clrMapOvr>
-  <p:timing>
-    <p:tnLst>
-      <p:par>
-        <p:cTn id="1" dur="indefinite" restart="never" nodeType="tmRoot"/>
-      </p:par>
-    </p:tnLst>
-  </p:timing>
-</p:sld>
-</file>
-
 <file path=ppt/slides/slide24.xml><?xml version="1.0" encoding="utf-8"?>
 <p:sld xmlns:a="http://schemas.openxmlformats.org/drawingml/2006/main" xmlns:r="http://schemas.openxmlformats.org/officeDocument/2006/relationships" xmlns:p="http://schemas.openxmlformats.org/presentationml/2006/main">
   <p:cSld>
@@ -6563,12 +6569,7 @@
             <p:ph type="title"/>
           </p:nvPr>
         </p:nvSpPr>
-        <p:spPr>
-          <a:xfrm>
-            <a:off x="457200" y="228600"/>
-            <a:ext cx="8229600" cy="1143000"/>
-          </a:xfrm>
-        </p:spPr>
+        <p:spPr/>
         <p:txBody>
           <a:bodyPr>
             <a:normAutofit fontScale="90000"/>
@@ -6577,7 +6578,7 @@
           <a:p>
             <a:r>
               <a:rPr lang="en-US" dirty="0"/>
-              <a:t>Method based on Segmentation and Anomaly Factors</a:t>
+              <a:t>Method based on PAA bit representation and clustering</a:t>
             </a:r>
           </a:p>
         </p:txBody>
@@ -6594,112 +6595,45 @@
         </p:nvSpPr>
         <p:spPr/>
         <p:txBody>
-          <a:bodyPr/>
-          <a:lstStyle/>
-          <a:p>
-            <a:r>
-              <a:rPr lang="en-US" dirty="0" smtClean="0"/>
-              <a:t>Proposed by </a:t>
+          <a:bodyPr>
+            <a:normAutofit fontScale="92500" lnSpcReduction="10000"/>
+          </a:bodyPr>
+          <a:lstStyle/>
+          <a:p>
+            <a:r>
+              <a:rPr lang="en-US" dirty="0" smtClean="0"/>
+              <a:t>k bit representations are randomly chosen as k cluster </a:t>
             </a:r>
             <a:r>
               <a:rPr lang="en-US" dirty="0" err="1" smtClean="0"/>
-              <a:t>Leng</a:t>
-            </a:r>
-            <a:r>
-              <a:rPr lang="en-US" dirty="0" smtClean="0"/>
-              <a:t> et al. in 2008</a:t>
-            </a:r>
-          </a:p>
-          <a:p>
-            <a:r>
-              <a:rPr lang="en-US" dirty="0" smtClean="0"/>
-              <a:t>The method includes 2 phase</a:t>
-            </a:r>
-          </a:p>
-          <a:p>
-            <a:r>
-              <a:rPr lang="en-US" dirty="0" smtClean="0"/>
-              <a:t>Phase 1: use </a:t>
-            </a:r>
-            <a:r>
-              <a:rPr lang="en-US" dirty="0"/>
-              <a:t>quadratic regression model to segment time series. Regression function is defined as </a:t>
-            </a:r>
-            <a:r>
-              <a:rPr lang="en-US" i="1" dirty="0"/>
-              <a:t>f</a:t>
-            </a:r>
-            <a:r>
-              <a:rPr lang="en-US" dirty="0"/>
-              <a:t>(</a:t>
-            </a:r>
-            <a:r>
-              <a:rPr lang="en-US" i="1" dirty="0"/>
-              <a:t>t</a:t>
-            </a:r>
-            <a:r>
-              <a:rPr lang="en-US" dirty="0"/>
-              <a:t>) = </a:t>
-            </a:r>
-            <a:r>
-              <a:rPr lang="en-US" i="1" dirty="0">
-                <a:sym typeface="Symbol"/>
-              </a:rPr>
-              <a:t></a:t>
-            </a:r>
-            <a:r>
-              <a:rPr lang="en-US" i="1" baseline="-25000" dirty="0"/>
-              <a:t>0</a:t>
-            </a:r>
-            <a:r>
-              <a:rPr lang="en-US" dirty="0"/>
-              <a:t> + </a:t>
-            </a:r>
-            <a:r>
-              <a:rPr lang="en-US" i="1" dirty="0">
-                <a:sym typeface="Symbol"/>
-              </a:rPr>
-              <a:t></a:t>
-            </a:r>
-            <a:r>
-              <a:rPr lang="en-US" i="1" baseline="-25000" dirty="0"/>
-              <a:t>1</a:t>
-            </a:r>
-            <a:r>
-              <a:rPr lang="en-US" i="1" dirty="0"/>
-              <a:t>t</a:t>
-            </a:r>
-            <a:r>
-              <a:rPr lang="en-US" dirty="0"/>
-              <a:t> + </a:t>
-            </a:r>
-            <a:r>
-              <a:rPr lang="en-US" i="1" dirty="0">
-                <a:sym typeface="Symbol"/>
-              </a:rPr>
-              <a:t></a:t>
-            </a:r>
-            <a:r>
-              <a:rPr lang="en-US" i="1" baseline="-25000" dirty="0"/>
-              <a:t>2</a:t>
-            </a:r>
-            <a:r>
-              <a:rPr lang="en-US" i="1" dirty="0"/>
-              <a:t>t</a:t>
-            </a:r>
-            <a:r>
-              <a:rPr lang="en-US" baseline="30000" dirty="0"/>
-              <a:t>2</a:t>
-            </a:r>
-            <a:r>
-              <a:rPr lang="en-US" dirty="0" smtClean="0"/>
-              <a:t>,</a:t>
-            </a:r>
-          </a:p>
-          <a:p>
-            <a:r>
-              <a:rPr lang="en-US" dirty="0" smtClean="0"/>
-              <a:t>Phase 2: Calculate anomaly factors for the subsequences and show abnormal patterns.</a:t>
+              <a:t>centres</a:t>
+            </a:r>
+            <a:endParaRPr lang="en-US" dirty="0" smtClean="0"/>
+          </a:p>
+          <a:p>
+            <a:r>
+              <a:rPr lang="en-US" dirty="0" smtClean="0"/>
+              <a:t>A bit representation is assigned to the nearest cluster.</a:t>
+            </a:r>
+          </a:p>
+          <a:p>
+            <a:r>
+              <a:rPr lang="en-US" dirty="0" smtClean="0"/>
+              <a:t>In outer loop, subsequences which have bit representations belong to the smallest cluster (cluster has the fewest elements) is checked first </a:t>
+            </a:r>
+          </a:p>
+          <a:p>
+            <a:r>
+              <a:rPr lang="en-US" dirty="0" smtClean="0"/>
+              <a:t>In inner loop, </a:t>
+            </a:r>
+            <a:r>
+              <a:rPr lang="en-US" dirty="0"/>
+              <a:t>subsequences </a:t>
+            </a:r>
+            <a:r>
+              <a:rPr lang="en-US" dirty="0" smtClean="0"/>
+              <a:t> belong to the same cluster with the subsequence chosen at outer loop are checked first.</a:t>
             </a:r>
             <a:endParaRPr lang="en-US" dirty="0"/>
           </a:p>
@@ -6731,7 +6665,7 @@
     </p:spTree>
     <p:extLst>
       <p:ext uri="{BB962C8B-B14F-4D97-AF65-F5344CB8AC3E}">
-        <p14:creationId xmlns:p14="http://schemas.microsoft.com/office/powerpoint/2010/main" val="1180506628"/>
+        <p14:creationId xmlns:p14="http://schemas.microsoft.com/office/powerpoint/2010/main" val="491523616"/>
       </p:ext>
     </p:extLst>
   </p:cSld>
@@ -6778,6 +6712,325 @@
         <p:spPr/>
         <p:txBody>
           <a:bodyPr>
+            <a:normAutofit fontScale="90000"/>
+          </a:bodyPr>
+          <a:lstStyle/>
+          <a:p>
+            <a:r>
+              <a:rPr lang="en-US" dirty="0"/>
+              <a:t>Method based on PAA bit representation and clustering</a:t>
+            </a:r>
+          </a:p>
+        </p:txBody>
+      </p:sp>
+      <p:sp>
+        <p:nvSpPr>
+          <p:cNvPr id="3" name="Content Placeholder 2"/>
+          <p:cNvSpPr>
+            <a:spLocks noGrp="1"/>
+          </p:cNvSpPr>
+          <p:nvPr>
+            <p:ph idx="1"/>
+          </p:nvPr>
+        </p:nvSpPr>
+        <p:spPr/>
+        <p:txBody>
+          <a:bodyPr/>
+          <a:lstStyle/>
+          <a:p>
+            <a:r>
+              <a:rPr lang="en-US" dirty="0" smtClean="0"/>
+              <a:t>3 above algorithms need to know the length of anomaly subsequence in advance.</a:t>
+            </a:r>
+            <a:endParaRPr lang="en-US" dirty="0"/>
+          </a:p>
+        </p:txBody>
+      </p:sp>
+      <p:sp>
+        <p:nvSpPr>
+          <p:cNvPr id="4" name="Slide Number Placeholder 3"/>
+          <p:cNvSpPr>
+            <a:spLocks noGrp="1"/>
+          </p:cNvSpPr>
+          <p:nvPr>
+            <p:ph type="sldNum" sz="quarter" idx="12"/>
+          </p:nvPr>
+        </p:nvSpPr>
+        <p:spPr/>
+        <p:txBody>
+          <a:bodyPr/>
+          <a:lstStyle/>
+          <a:p>
+            <a:fld id="{38324C1E-6E2F-465B-B7AC-362036DEB808}" type="slidenum">
+              <a:rPr lang="en-US" smtClean="0"/>
+              <a:t>25</a:t>
+            </a:fld>
+            <a:endParaRPr lang="en-US"/>
+          </a:p>
+        </p:txBody>
+      </p:sp>
+    </p:spTree>
+    <p:extLst>
+      <p:ext uri="{BB962C8B-B14F-4D97-AF65-F5344CB8AC3E}">
+        <p14:creationId xmlns:p14="http://schemas.microsoft.com/office/powerpoint/2010/main" val="1084167868"/>
+      </p:ext>
+    </p:extLst>
+  </p:cSld>
+  <p:clrMapOvr>
+    <a:masterClrMapping/>
+  </p:clrMapOvr>
+  <p:timing>
+    <p:tnLst>
+      <p:par>
+        <p:cTn id="1" dur="indefinite" restart="never" nodeType="tmRoot"/>
+      </p:par>
+    </p:tnLst>
+  </p:timing>
+</p:sld>
+</file>
+
+<file path=ppt/slides/slide26.xml><?xml version="1.0" encoding="utf-8"?>
+<p:sld xmlns:a="http://schemas.openxmlformats.org/drawingml/2006/main" xmlns:r="http://schemas.openxmlformats.org/officeDocument/2006/relationships" xmlns:p="http://schemas.openxmlformats.org/presentationml/2006/main">
+  <p:cSld>
+    <p:spTree>
+      <p:nvGrpSpPr>
+        <p:cNvPr id="1" name=""/>
+        <p:cNvGrpSpPr/>
+        <p:nvPr/>
+      </p:nvGrpSpPr>
+      <p:grpSpPr>
+        <a:xfrm>
+          <a:off x="0" y="0"/>
+          <a:ext cx="0" cy="0"/>
+          <a:chOff x="0" y="0"/>
+          <a:chExt cx="0" cy="0"/>
+        </a:xfrm>
+      </p:grpSpPr>
+      <p:sp>
+        <p:nvSpPr>
+          <p:cNvPr id="2" name="Title 1"/>
+          <p:cNvSpPr>
+            <a:spLocks noGrp="1"/>
+          </p:cNvSpPr>
+          <p:nvPr>
+            <p:ph type="title"/>
+          </p:nvPr>
+        </p:nvSpPr>
+        <p:spPr>
+          <a:xfrm>
+            <a:off x="457200" y="228600"/>
+            <a:ext cx="8229600" cy="1143000"/>
+          </a:xfrm>
+        </p:spPr>
+        <p:txBody>
+          <a:bodyPr>
+            <a:normAutofit fontScale="90000"/>
+          </a:bodyPr>
+          <a:lstStyle/>
+          <a:p>
+            <a:r>
+              <a:rPr lang="en-US" dirty="0"/>
+              <a:t>Method based on Segmentation and Anomaly Factors</a:t>
+            </a:r>
+          </a:p>
+        </p:txBody>
+      </p:sp>
+      <p:sp>
+        <p:nvSpPr>
+          <p:cNvPr id="3" name="Content Placeholder 2"/>
+          <p:cNvSpPr>
+            <a:spLocks noGrp="1"/>
+          </p:cNvSpPr>
+          <p:nvPr>
+            <p:ph idx="1"/>
+          </p:nvPr>
+        </p:nvSpPr>
+        <p:spPr/>
+        <p:txBody>
+          <a:bodyPr/>
+          <a:lstStyle/>
+          <a:p>
+            <a:r>
+              <a:rPr lang="en-US" dirty="0" smtClean="0"/>
+              <a:t>Proposed by </a:t>
+            </a:r>
+            <a:r>
+              <a:rPr lang="en-US" dirty="0" err="1" smtClean="0"/>
+              <a:t>Leng</a:t>
+            </a:r>
+            <a:r>
+              <a:rPr lang="en-US" dirty="0" smtClean="0"/>
+              <a:t> et al. in 2008</a:t>
+            </a:r>
+          </a:p>
+          <a:p>
+            <a:r>
+              <a:rPr lang="en-US" dirty="0" smtClean="0"/>
+              <a:t>The method includes 2 phase</a:t>
+            </a:r>
+          </a:p>
+          <a:p>
+            <a:r>
+              <a:rPr lang="en-US" dirty="0" smtClean="0"/>
+              <a:t>Phase 1: use </a:t>
+            </a:r>
+            <a:r>
+              <a:rPr lang="en-US" dirty="0"/>
+              <a:t>quadratic regression model to segment time series. Regression function is defined as </a:t>
+            </a:r>
+            <a:r>
+              <a:rPr lang="en-US" i="1" dirty="0"/>
+              <a:t>f</a:t>
+            </a:r>
+            <a:r>
+              <a:rPr lang="en-US" dirty="0"/>
+              <a:t>(</a:t>
+            </a:r>
+            <a:r>
+              <a:rPr lang="en-US" i="1" dirty="0"/>
+              <a:t>t</a:t>
+            </a:r>
+            <a:r>
+              <a:rPr lang="en-US" dirty="0"/>
+              <a:t>) = </a:t>
+            </a:r>
+            <a:r>
+              <a:rPr lang="en-US" i="1" dirty="0">
+                <a:sym typeface="Symbol"/>
+              </a:rPr>
+              <a:t></a:t>
+            </a:r>
+            <a:r>
+              <a:rPr lang="en-US" i="1" baseline="-25000" dirty="0"/>
+              <a:t>0</a:t>
+            </a:r>
+            <a:r>
+              <a:rPr lang="en-US" dirty="0"/>
+              <a:t> + </a:t>
+            </a:r>
+            <a:r>
+              <a:rPr lang="en-US" i="1" dirty="0">
+                <a:sym typeface="Symbol"/>
+              </a:rPr>
+              <a:t></a:t>
+            </a:r>
+            <a:r>
+              <a:rPr lang="en-US" i="1" baseline="-25000" dirty="0"/>
+              <a:t>1</a:t>
+            </a:r>
+            <a:r>
+              <a:rPr lang="en-US" i="1" dirty="0"/>
+              <a:t>t</a:t>
+            </a:r>
+            <a:r>
+              <a:rPr lang="en-US" dirty="0"/>
+              <a:t> + </a:t>
+            </a:r>
+            <a:r>
+              <a:rPr lang="en-US" i="1" dirty="0">
+                <a:sym typeface="Symbol"/>
+              </a:rPr>
+              <a:t></a:t>
+            </a:r>
+            <a:r>
+              <a:rPr lang="en-US" i="1" baseline="-25000" dirty="0"/>
+              <a:t>2</a:t>
+            </a:r>
+            <a:r>
+              <a:rPr lang="en-US" i="1" dirty="0"/>
+              <a:t>t</a:t>
+            </a:r>
+            <a:r>
+              <a:rPr lang="en-US" baseline="30000" dirty="0"/>
+              <a:t>2</a:t>
+            </a:r>
+            <a:r>
+              <a:rPr lang="en-US" dirty="0" smtClean="0"/>
+              <a:t>,</a:t>
+            </a:r>
+          </a:p>
+          <a:p>
+            <a:r>
+              <a:rPr lang="en-US" dirty="0" smtClean="0"/>
+              <a:t>Phase 2: Calculate anomaly factors for the subsequences and show abnormal patterns.</a:t>
+            </a:r>
+            <a:endParaRPr lang="en-US" dirty="0"/>
+          </a:p>
+        </p:txBody>
+      </p:sp>
+      <p:sp>
+        <p:nvSpPr>
+          <p:cNvPr id="4" name="Slide Number Placeholder 3"/>
+          <p:cNvSpPr>
+            <a:spLocks noGrp="1"/>
+          </p:cNvSpPr>
+          <p:nvPr>
+            <p:ph type="sldNum" sz="quarter" idx="12"/>
+          </p:nvPr>
+        </p:nvSpPr>
+        <p:spPr/>
+        <p:txBody>
+          <a:bodyPr/>
+          <a:lstStyle/>
+          <a:p>
+            <a:fld id="{38324C1E-6E2F-465B-B7AC-362036DEB808}" type="slidenum">
+              <a:rPr lang="en-US" smtClean="0"/>
+              <a:t>26</a:t>
+            </a:fld>
+            <a:endParaRPr lang="en-US"/>
+          </a:p>
+        </p:txBody>
+      </p:sp>
+    </p:spTree>
+    <p:extLst>
+      <p:ext uri="{BB962C8B-B14F-4D97-AF65-F5344CB8AC3E}">
+        <p14:creationId xmlns:p14="http://schemas.microsoft.com/office/powerpoint/2010/main" val="1180506628"/>
+      </p:ext>
+    </p:extLst>
+  </p:cSld>
+  <p:clrMapOvr>
+    <a:masterClrMapping/>
+  </p:clrMapOvr>
+  <p:timing>
+    <p:tnLst>
+      <p:par>
+        <p:cTn id="1" dur="indefinite" restart="never" nodeType="tmRoot"/>
+      </p:par>
+    </p:tnLst>
+  </p:timing>
+</p:sld>
+</file>
+
+<file path=ppt/slides/slide27.xml><?xml version="1.0" encoding="utf-8"?>
+<p:sld xmlns:a="http://schemas.openxmlformats.org/drawingml/2006/main" xmlns:r="http://schemas.openxmlformats.org/officeDocument/2006/relationships" xmlns:p="http://schemas.openxmlformats.org/presentationml/2006/main">
+  <p:cSld>
+    <p:spTree>
+      <p:nvGrpSpPr>
+        <p:cNvPr id="1" name=""/>
+        <p:cNvGrpSpPr/>
+        <p:nvPr/>
+      </p:nvGrpSpPr>
+      <p:grpSpPr>
+        <a:xfrm>
+          <a:off x="0" y="0"/>
+          <a:ext cx="0" cy="0"/>
+          <a:chOff x="0" y="0"/>
+          <a:chExt cx="0" cy="0"/>
+        </a:xfrm>
+      </p:grpSpPr>
+      <p:sp>
+        <p:nvSpPr>
+          <p:cNvPr id="2" name="Title 1"/>
+          <p:cNvSpPr>
+            <a:spLocks noGrp="1"/>
+          </p:cNvSpPr>
+          <p:nvPr>
+            <p:ph type="title"/>
+          </p:nvPr>
+        </p:nvSpPr>
+        <p:spPr/>
+        <p:txBody>
+          <a:bodyPr>
             <a:normAutofit/>
           </a:bodyPr>
           <a:lstStyle/>
@@ -6803,7 +7056,7 @@
           <a:p>
             <a:fld id="{38324C1E-6E2F-465B-B7AC-362036DEB808}" type="slidenum">
               <a:rPr lang="en-US" smtClean="0"/>
-              <a:t>25</a:t>
+              <a:t>27</a:t>
             </a:fld>
             <a:endParaRPr lang="en-US"/>
           </a:p>
@@ -6885,7 +7138,7 @@
 </p:sld>
 </file>
 
-<file path=ppt/slides/slide26.xml><?xml version="1.0" encoding="utf-8"?>
+<file path=ppt/slides/slide28.xml><?xml version="1.0" encoding="utf-8"?>
 <p:sld xmlns:a="http://schemas.openxmlformats.org/drawingml/2006/main" xmlns:r="http://schemas.openxmlformats.org/officeDocument/2006/relationships" xmlns:p="http://schemas.openxmlformats.org/presentationml/2006/main">
   <p:cSld>
     <p:spTree>
@@ -6957,7 +7210,7 @@
           <a:p>
             <a:fld id="{38324C1E-6E2F-465B-B7AC-362036DEB808}" type="slidenum">
               <a:rPr lang="en-US" smtClean="0"/>
-              <a:t>26</a:t>
+              <a:t>28</a:t>
             </a:fld>
             <a:endParaRPr lang="en-US"/>
           </a:p>
@@ -7037,7 +7290,7 @@
 </p:sld>
 </file>
 
-<file path=ppt/slides/slide27.xml><?xml version="1.0" encoding="utf-8"?>
+<file path=ppt/slides/slide29.xml><?xml version="1.0" encoding="utf-8"?>
 <p:sld xmlns:a="http://schemas.openxmlformats.org/drawingml/2006/main" xmlns:r="http://schemas.openxmlformats.org/officeDocument/2006/relationships" xmlns:p="http://schemas.openxmlformats.org/presentationml/2006/main">
   <p:cSld>
     <p:spTree>
@@ -7143,7 +7396,7 @@
           <a:p>
             <a:fld id="{38324C1E-6E2F-465B-B7AC-362036DEB808}" type="slidenum">
               <a:rPr lang="en-US" smtClean="0"/>
-              <a:t>27</a:t>
+              <a:t>29</a:t>
             </a:fld>
             <a:endParaRPr lang="en-US"/>
           </a:p>
@@ -7169,7 +7422,7 @@
 </p:sld>
 </file>
 
-<file path=ppt/slides/slide28.xml><?xml version="1.0" encoding="utf-8"?>
+<file path=ppt/slides/slide3.xml><?xml version="1.0" encoding="utf-8"?>
 <p:sld xmlns:a="http://schemas.openxmlformats.org/drawingml/2006/main" xmlns:r="http://schemas.openxmlformats.org/officeDocument/2006/relationships" xmlns:p="http://schemas.openxmlformats.org/presentationml/2006/main">
   <p:cSld>
     <p:spTree>
@@ -7198,6 +7451,172 @@
         </p:nvSpPr>
         <p:spPr/>
         <p:txBody>
+          <a:bodyPr/>
+          <a:lstStyle/>
+          <a:p>
+            <a:r>
+              <a:rPr lang="en-US" dirty="0" smtClean="0"/>
+              <a:t>Introduction</a:t>
+            </a:r>
+            <a:endParaRPr lang="en-US" dirty="0"/>
+          </a:p>
+        </p:txBody>
+      </p:sp>
+      <p:sp>
+        <p:nvSpPr>
+          <p:cNvPr id="3" name="Slide Number Placeholder 2"/>
+          <p:cNvSpPr>
+            <a:spLocks noGrp="1"/>
+          </p:cNvSpPr>
+          <p:nvPr>
+            <p:ph type="sldNum" sz="quarter" idx="12"/>
+          </p:nvPr>
+        </p:nvSpPr>
+        <p:spPr/>
+        <p:txBody>
+          <a:bodyPr/>
+          <a:lstStyle/>
+          <a:p>
+            <a:fld id="{38324C1E-6E2F-465B-B7AC-362036DEB808}" type="slidenum">
+              <a:rPr lang="en-US" smtClean="0"/>
+              <a:t>3</a:t>
+            </a:fld>
+            <a:endParaRPr lang="en-US"/>
+          </a:p>
+        </p:txBody>
+      </p:sp>
+      <p:sp>
+        <p:nvSpPr>
+          <p:cNvPr id="5" name="TextBox 4"/>
+          <p:cNvSpPr txBox="1"/>
+          <p:nvPr/>
+        </p:nvSpPr>
+        <p:spPr>
+          <a:xfrm>
+            <a:off x="533400" y="1524000"/>
+            <a:ext cx="8229600" cy="4647426"/>
+          </a:xfrm>
+          <a:prstGeom prst="rect">
+            <a:avLst/>
+          </a:prstGeom>
+          <a:noFill/>
+        </p:spPr>
+        <p:txBody>
+          <a:bodyPr wrap="square" rtlCol="0">
+            <a:spAutoFit/>
+          </a:bodyPr>
+          <a:lstStyle/>
+          <a:p>
+            <a:pPr marL="285750" indent="-285750">
+              <a:buFont typeface="Arial" pitchFamily="34" charset="0"/>
+              <a:buChar char="•"/>
+            </a:pPr>
+            <a:r>
+              <a:rPr lang="en-US" sz="2800" dirty="0" smtClean="0">
+                <a:latin typeface="+mj-lt"/>
+              </a:rPr>
+              <a:t>A time series is a sequence of data points made over a continuous time interval</a:t>
+            </a:r>
+          </a:p>
+          <a:p>
+            <a:pPr marL="285750" indent="-285750">
+              <a:buFont typeface="Arial" pitchFamily="34" charset="0"/>
+              <a:buChar char="•"/>
+            </a:pPr>
+            <a:r>
+              <a:rPr lang="en-US" sz="2800" dirty="0"/>
+              <a:t>Anomaly </a:t>
+            </a:r>
+            <a:r>
+              <a:rPr lang="en-US" sz="2800" dirty="0" smtClean="0"/>
+              <a:t>Patterns are subsequences that do </a:t>
+            </a:r>
+            <a:r>
+              <a:rPr lang="en-US" sz="2800" dirty="0"/>
+              <a:t>not conform to a well deﬁned notion of </a:t>
+            </a:r>
+            <a:r>
+              <a:rPr lang="en-US" sz="2800" dirty="0" smtClean="0"/>
+              <a:t>normal behavior</a:t>
+            </a:r>
+            <a:endParaRPr lang="en-US" sz="2800" dirty="0" smtClean="0">
+              <a:latin typeface="+mj-lt"/>
+            </a:endParaRPr>
+          </a:p>
+          <a:p>
+            <a:pPr marL="285750" indent="-285750">
+              <a:buFont typeface="Arial" pitchFamily="34" charset="0"/>
+              <a:buChar char="•"/>
+            </a:pPr>
+            <a:r>
+              <a:rPr lang="en-US" sz="3200" dirty="0"/>
+              <a:t>Application areas that explore such time series anomalies include fault diagnostics, intrusion detection, fraud detection, auditing and data cleansing</a:t>
+            </a:r>
+            <a:endParaRPr lang="en-US" sz="3200" dirty="0" smtClean="0">
+              <a:latin typeface="+mj-lt"/>
+            </a:endParaRPr>
+          </a:p>
+          <a:p>
+            <a:endParaRPr lang="en-US" sz="3200" dirty="0" smtClean="0">
+              <a:latin typeface="+mj-lt"/>
+            </a:endParaRPr>
+          </a:p>
+          <a:p>
+            <a:endParaRPr lang="en-US" sz="2400" dirty="0" smtClean="0">
+              <a:latin typeface="+mj-lt"/>
+            </a:endParaRPr>
+          </a:p>
+        </p:txBody>
+      </p:sp>
+    </p:spTree>
+    <p:extLst>
+      <p:ext uri="{BB962C8B-B14F-4D97-AF65-F5344CB8AC3E}">
+        <p14:creationId xmlns:p14="http://schemas.microsoft.com/office/powerpoint/2010/main" val="583393979"/>
+      </p:ext>
+    </p:extLst>
+  </p:cSld>
+  <p:clrMapOvr>
+    <a:masterClrMapping/>
+  </p:clrMapOvr>
+  <p:timing>
+    <p:tnLst>
+      <p:par>
+        <p:cTn id="1" dur="indefinite" restart="never" nodeType="tmRoot"/>
+      </p:par>
+    </p:tnLst>
+  </p:timing>
+</p:sld>
+</file>
+
+<file path=ppt/slides/slide30.xml><?xml version="1.0" encoding="utf-8"?>
+<p:sld xmlns:a="http://schemas.openxmlformats.org/drawingml/2006/main" xmlns:r="http://schemas.openxmlformats.org/officeDocument/2006/relationships" xmlns:p="http://schemas.openxmlformats.org/presentationml/2006/main">
+  <p:cSld>
+    <p:spTree>
+      <p:nvGrpSpPr>
+        <p:cNvPr id="1" name=""/>
+        <p:cNvGrpSpPr/>
+        <p:nvPr/>
+      </p:nvGrpSpPr>
+      <p:grpSpPr>
+        <a:xfrm>
+          <a:off x="0" y="0"/>
+          <a:ext cx="0" cy="0"/>
+          <a:chOff x="0" y="0"/>
+          <a:chExt cx="0" cy="0"/>
+        </a:xfrm>
+      </p:grpSpPr>
+      <p:sp>
+        <p:nvSpPr>
+          <p:cNvPr id="2" name="Title 1"/>
+          <p:cNvSpPr>
+            <a:spLocks noGrp="1"/>
+          </p:cNvSpPr>
+          <p:nvPr>
+            <p:ph type="title"/>
+          </p:nvPr>
+        </p:nvSpPr>
+        <p:spPr/>
+        <p:txBody>
           <a:bodyPr>
             <a:normAutofit/>
           </a:bodyPr>
@@ -7286,7 +7705,7 @@
           <a:p>
             <a:fld id="{38324C1E-6E2F-465B-B7AC-362036DEB808}" type="slidenum">
               <a:rPr lang="en-US" smtClean="0"/>
-              <a:t>28</a:t>
+              <a:t>30</a:t>
             </a:fld>
             <a:endParaRPr lang="en-US"/>
           </a:p>
@@ -7312,7 +7731,7 @@
 </p:sld>
 </file>
 
-<file path=ppt/slides/slide29.xml><?xml version="1.0" encoding="utf-8"?>
+<file path=ppt/slides/slide31.xml><?xml version="1.0" encoding="utf-8"?>
 <p:sld xmlns:a="http://schemas.openxmlformats.org/drawingml/2006/main" xmlns:r="http://schemas.openxmlformats.org/officeDocument/2006/relationships" xmlns:p="http://schemas.openxmlformats.org/presentationml/2006/main">
   <p:cSld>
     <p:spTree>
@@ -7431,7 +7850,7 @@
           <a:p>
             <a:fld id="{38324C1E-6E2F-465B-B7AC-362036DEB808}" type="slidenum">
               <a:rPr lang="en-US" smtClean="0"/>
-              <a:t>29</a:t>
+              <a:t>31</a:t>
             </a:fld>
             <a:endParaRPr lang="en-US"/>
           </a:p>
@@ -7511,7 +7930,7 @@
 </p:sld>
 </file>
 
-<file path=ppt/slides/slide3.xml><?xml version="1.0" encoding="utf-8"?>
+<file path=ppt/slides/slide32.xml><?xml version="1.0" encoding="utf-8"?>
 <p:sld xmlns:a="http://schemas.openxmlformats.org/drawingml/2006/main" xmlns:r="http://schemas.openxmlformats.org/officeDocument/2006/relationships" xmlns:p="http://schemas.openxmlformats.org/presentationml/2006/main">
   <p:cSld>
     <p:spTree>
@@ -7540,172 +7959,6 @@
         </p:nvSpPr>
         <p:spPr/>
         <p:txBody>
-          <a:bodyPr/>
-          <a:lstStyle/>
-          <a:p>
-            <a:r>
-              <a:rPr lang="en-US" dirty="0" smtClean="0"/>
-              <a:t>Introduction</a:t>
-            </a:r>
-            <a:endParaRPr lang="en-US" dirty="0"/>
-          </a:p>
-        </p:txBody>
-      </p:sp>
-      <p:sp>
-        <p:nvSpPr>
-          <p:cNvPr id="3" name="Slide Number Placeholder 2"/>
-          <p:cNvSpPr>
-            <a:spLocks noGrp="1"/>
-          </p:cNvSpPr>
-          <p:nvPr>
-            <p:ph type="sldNum" sz="quarter" idx="12"/>
-          </p:nvPr>
-        </p:nvSpPr>
-        <p:spPr/>
-        <p:txBody>
-          <a:bodyPr/>
-          <a:lstStyle/>
-          <a:p>
-            <a:fld id="{38324C1E-6E2F-465B-B7AC-362036DEB808}" type="slidenum">
-              <a:rPr lang="en-US" smtClean="0"/>
-              <a:t>3</a:t>
-            </a:fld>
-            <a:endParaRPr lang="en-US"/>
-          </a:p>
-        </p:txBody>
-      </p:sp>
-      <p:sp>
-        <p:nvSpPr>
-          <p:cNvPr id="5" name="TextBox 4"/>
-          <p:cNvSpPr txBox="1"/>
-          <p:nvPr/>
-        </p:nvSpPr>
-        <p:spPr>
-          <a:xfrm>
-            <a:off x="533400" y="1524000"/>
-            <a:ext cx="8229600" cy="4647426"/>
-          </a:xfrm>
-          <a:prstGeom prst="rect">
-            <a:avLst/>
-          </a:prstGeom>
-          <a:noFill/>
-        </p:spPr>
-        <p:txBody>
-          <a:bodyPr wrap="square" rtlCol="0">
-            <a:spAutoFit/>
-          </a:bodyPr>
-          <a:lstStyle/>
-          <a:p>
-            <a:pPr marL="285750" indent="-285750">
-              <a:buFont typeface="Arial" pitchFamily="34" charset="0"/>
-              <a:buChar char="•"/>
-            </a:pPr>
-            <a:r>
-              <a:rPr lang="en-US" sz="2800" dirty="0" smtClean="0">
-                <a:latin typeface="+mj-lt"/>
-              </a:rPr>
-              <a:t>A time series is a sequence of data points made over a continuous time interval</a:t>
-            </a:r>
-          </a:p>
-          <a:p>
-            <a:pPr marL="285750" indent="-285750">
-              <a:buFont typeface="Arial" pitchFamily="34" charset="0"/>
-              <a:buChar char="•"/>
-            </a:pPr>
-            <a:r>
-              <a:rPr lang="en-US" sz="2800" dirty="0"/>
-              <a:t>Anomaly </a:t>
-            </a:r>
-            <a:r>
-              <a:rPr lang="en-US" sz="2800" dirty="0" smtClean="0"/>
-              <a:t>Patterns are subsequences that do </a:t>
-            </a:r>
-            <a:r>
-              <a:rPr lang="en-US" sz="2800" dirty="0"/>
-              <a:t>not conform to a well deﬁned notion of </a:t>
-            </a:r>
-            <a:r>
-              <a:rPr lang="en-US" sz="2800" dirty="0" smtClean="0"/>
-              <a:t>normal behavior</a:t>
-            </a:r>
-            <a:endParaRPr lang="en-US" sz="2800" dirty="0" smtClean="0">
-              <a:latin typeface="+mj-lt"/>
-            </a:endParaRPr>
-          </a:p>
-          <a:p>
-            <a:pPr marL="285750" indent="-285750">
-              <a:buFont typeface="Arial" pitchFamily="34" charset="0"/>
-              <a:buChar char="•"/>
-            </a:pPr>
-            <a:r>
-              <a:rPr lang="en-US" sz="3200" dirty="0"/>
-              <a:t>Application areas that explore such time series anomalies include fault diagnostics, intrusion detection, fraud detection, auditing and data cleansing</a:t>
-            </a:r>
-            <a:endParaRPr lang="en-US" sz="3200" dirty="0" smtClean="0">
-              <a:latin typeface="+mj-lt"/>
-            </a:endParaRPr>
-          </a:p>
-          <a:p>
-            <a:endParaRPr lang="en-US" sz="3200" dirty="0" smtClean="0">
-              <a:latin typeface="+mj-lt"/>
-            </a:endParaRPr>
-          </a:p>
-          <a:p>
-            <a:endParaRPr lang="en-US" sz="2400" dirty="0" smtClean="0">
-              <a:latin typeface="+mj-lt"/>
-            </a:endParaRPr>
-          </a:p>
-        </p:txBody>
-      </p:sp>
-    </p:spTree>
-    <p:extLst>
-      <p:ext uri="{BB962C8B-B14F-4D97-AF65-F5344CB8AC3E}">
-        <p14:creationId xmlns:p14="http://schemas.microsoft.com/office/powerpoint/2010/main" val="583393979"/>
-      </p:ext>
-    </p:extLst>
-  </p:cSld>
-  <p:clrMapOvr>
-    <a:masterClrMapping/>
-  </p:clrMapOvr>
-  <p:timing>
-    <p:tnLst>
-      <p:par>
-        <p:cTn id="1" dur="indefinite" restart="never" nodeType="tmRoot"/>
-      </p:par>
-    </p:tnLst>
-  </p:timing>
-</p:sld>
-</file>
-
-<file path=ppt/slides/slide30.xml><?xml version="1.0" encoding="utf-8"?>
-<p:sld xmlns:a="http://schemas.openxmlformats.org/drawingml/2006/main" xmlns:r="http://schemas.openxmlformats.org/officeDocument/2006/relationships" xmlns:p="http://schemas.openxmlformats.org/presentationml/2006/main">
-  <p:cSld>
-    <p:spTree>
-      <p:nvGrpSpPr>
-        <p:cNvPr id="1" name=""/>
-        <p:cNvGrpSpPr/>
-        <p:nvPr/>
-      </p:nvGrpSpPr>
-      <p:grpSpPr>
-        <a:xfrm>
-          <a:off x="0" y="0"/>
-          <a:ext cx="0" cy="0"/>
-          <a:chOff x="0" y="0"/>
-          <a:chExt cx="0" cy="0"/>
-        </a:xfrm>
-      </p:grpSpPr>
-      <p:sp>
-        <p:nvSpPr>
-          <p:cNvPr id="2" name="Title 1"/>
-          <p:cNvSpPr>
-            <a:spLocks noGrp="1"/>
-          </p:cNvSpPr>
-          <p:nvPr>
-            <p:ph type="title"/>
-          </p:nvPr>
-        </p:nvSpPr>
-        <p:spPr/>
-        <p:txBody>
           <a:bodyPr>
             <a:normAutofit fontScale="90000"/>
           </a:bodyPr>
@@ -7951,7 +8204,7 @@
           <a:p>
             <a:fld id="{38324C1E-6E2F-465B-B7AC-362036DEB808}" type="slidenum">
               <a:rPr lang="en-US" smtClean="0"/>
-              <a:t>30</a:t>
+              <a:t>32</a:t>
             </a:fld>
             <a:endParaRPr lang="en-US"/>
           </a:p>
@@ -7977,7 +8230,7 @@
 </p:sld>
 </file>
 
-<file path=ppt/slides/slide31.xml><?xml version="1.0" encoding="utf-8"?>
+<file path=ppt/slides/slide33.xml><?xml version="1.0" encoding="utf-8"?>
 <p:sld xmlns:a="http://schemas.openxmlformats.org/drawingml/2006/main" xmlns:r="http://schemas.openxmlformats.org/officeDocument/2006/relationships" xmlns:p="http://schemas.openxmlformats.org/presentationml/2006/main">
   <p:cSld>
     <p:spTree>
@@ -8077,7 +8330,7 @@
           <a:p>
             <a:fld id="{38324C1E-6E2F-465B-B7AC-362036DEB808}" type="slidenum">
               <a:rPr lang="en-US" smtClean="0"/>
-              <a:t>31</a:t>
+              <a:t>33</a:t>
             </a:fld>
             <a:endParaRPr lang="en-US"/>
           </a:p>
@@ -8157,7 +8410,7 @@
 </p:sld>
 </file>
 
-<file path=ppt/slides/slide32.xml><?xml version="1.0" encoding="utf-8"?>
+<file path=ppt/slides/slide34.xml><?xml version="1.0" encoding="utf-8"?>
 <p:sld xmlns:a="http://schemas.openxmlformats.org/drawingml/2006/main" xmlns:r="http://schemas.openxmlformats.org/officeDocument/2006/relationships" xmlns:p="http://schemas.openxmlformats.org/presentationml/2006/main">
   <p:cSld>
     <p:spTree>
@@ -8389,7 +8642,7 @@
           <a:p>
             <a:fld id="{38324C1E-6E2F-465B-B7AC-362036DEB808}" type="slidenum">
               <a:rPr lang="en-US" smtClean="0"/>
-              <a:t>32</a:t>
+              <a:t>34</a:t>
             </a:fld>
             <a:endParaRPr lang="en-US"/>
           </a:p>
@@ -8417,7 +8670,7 @@
           <a:graphicData uri="http://schemas.openxmlformats.org/presentationml/2006/ole">
             <mc:AlternateContent xmlns:mc="http://schemas.openxmlformats.org/markup-compatibility/2006">
               <mc:Choice xmlns:v="urn:schemas-microsoft-com:vml" Requires="v">
-                <p:oleObj spid="_x0000_s6224" name="Equation" r:id="rId3" imgW="2197080" imgH="482400" progId="Equation.3">
+                <p:oleObj spid="_x0000_s6238" name="Equation" r:id="rId3" imgW="2197080" imgH="482400" progId="Equation.3">
                   <p:embed/>
                 </p:oleObj>
               </mc:Choice>
@@ -8474,7 +8727,7 @@
           <a:graphicData uri="http://schemas.openxmlformats.org/presentationml/2006/ole">
             <mc:AlternateContent xmlns:mc="http://schemas.openxmlformats.org/markup-compatibility/2006">
               <mc:Choice xmlns:v="urn:schemas-microsoft-com:vml" Requires="v">
-                <p:oleObj spid="_x0000_s6225" name="Equation" r:id="rId5" imgW="1257120" imgH="431640" progId="Equation.3">
+                <p:oleObj spid="_x0000_s6239" name="Equation" r:id="rId5" imgW="1257120" imgH="431640" progId="Equation.3">
                   <p:embed/>
                 </p:oleObj>
               </mc:Choice>
@@ -8529,7 +8782,7 @@
 </p:sld>
 </file>
 
-<file path=ppt/slides/slide33.xml><?xml version="1.0" encoding="utf-8"?>
+<file path=ppt/slides/slide35.xml><?xml version="1.0" encoding="utf-8"?>
 <p:sld xmlns:a="http://schemas.openxmlformats.org/drawingml/2006/main" xmlns:r="http://schemas.openxmlformats.org/officeDocument/2006/relationships" xmlns:p="http://schemas.openxmlformats.org/presentationml/2006/main">
   <p:cSld>
     <p:spTree>
@@ -8804,7 +9057,7 @@
           <a:p>
             <a:fld id="{38324C1E-6E2F-465B-B7AC-362036DEB808}" type="slidenum">
               <a:rPr lang="en-US" smtClean="0"/>
-              <a:t>33</a:t>
+              <a:t>35</a:t>
             </a:fld>
             <a:endParaRPr lang="en-US"/>
           </a:p>
@@ -8832,7 +9085,7 @@
           <a:graphicData uri="http://schemas.openxmlformats.org/presentationml/2006/ole">
             <mc:AlternateContent xmlns:mc="http://schemas.openxmlformats.org/markup-compatibility/2006">
               <mc:Choice xmlns:v="urn:schemas-microsoft-com:vml" Requires="v">
-                <p:oleObj spid="_x0000_s7208" name="Equation" r:id="rId3" imgW="2628720" imgH="304560" progId="Equation.3">
+                <p:oleObj spid="_x0000_s7215" name="Equation" r:id="rId3" imgW="2628720" imgH="304560" progId="Equation.3">
                   <p:embed/>
                 </p:oleObj>
               </mc:Choice>
@@ -8887,7 +9140,7 @@
 </p:sld>
 </file>
 
-<file path=ppt/slides/slide34.xml><?xml version="1.0" encoding="utf-8"?>
+<file path=ppt/slides/slide36.xml><?xml version="1.0" encoding="utf-8"?>
 <p:sld xmlns:a="http://schemas.openxmlformats.org/drawingml/2006/main" xmlns:r="http://schemas.openxmlformats.org/officeDocument/2006/relationships" xmlns:p="http://schemas.openxmlformats.org/presentationml/2006/main">
   <p:cSld>
     <p:spTree>
@@ -9126,7 +9379,7 @@
           <a:p>
             <a:fld id="{38324C1E-6E2F-465B-B7AC-362036DEB808}" type="slidenum">
               <a:rPr lang="en-US" smtClean="0"/>
-              <a:t>34</a:t>
+              <a:t>36</a:t>
             </a:fld>
             <a:endParaRPr lang="en-US"/>
           </a:p>
@@ -9152,7 +9405,7 @@
 </p:sld>
 </file>
 
-<file path=ppt/slides/slide35.xml><?xml version="1.0" encoding="utf-8"?>
+<file path=ppt/slides/slide37.xml><?xml version="1.0" encoding="utf-8"?>
 <p:sld xmlns:a="http://schemas.openxmlformats.org/drawingml/2006/main" xmlns:r="http://schemas.openxmlformats.org/officeDocument/2006/relationships" xmlns:p="http://schemas.openxmlformats.org/presentationml/2006/main">
   <p:cSld>
     <p:spTree>
@@ -9303,7 +9556,7 @@
           <a:p>
             <a:fld id="{38324C1E-6E2F-465B-B7AC-362036DEB808}" type="slidenum">
               <a:rPr lang="en-US" smtClean="0"/>
-              <a:t>35</a:t>
+              <a:t>37</a:t>
             </a:fld>
             <a:endParaRPr lang="en-US"/>
           </a:p>
@@ -9319,10 +9572,17 @@
   <p:clrMapOvr>
     <a:masterClrMapping/>
   </p:clrMapOvr>
+  <p:timing>
+    <p:tnLst>
+      <p:par>
+        <p:cTn id="1" dur="indefinite" restart="never" nodeType="tmRoot"/>
+      </p:par>
+    </p:tnLst>
+  </p:timing>
 </p:sld>
 </file>
 
-<file path=ppt/slides/slide36.xml><?xml version="1.0" encoding="utf-8"?>
+<file path=ppt/slides/slide38.xml><?xml version="1.0" encoding="utf-8"?>
 <p:sld xmlns:a="http://schemas.openxmlformats.org/drawingml/2006/main" xmlns:r="http://schemas.openxmlformats.org/officeDocument/2006/relationships" xmlns:p="http://schemas.openxmlformats.org/presentationml/2006/main">
   <p:cSld>
     <p:spTree>
@@ -9375,7 +9635,7 @@
           <a:p>
             <a:fld id="{38324C1E-6E2F-465B-B7AC-362036DEB808}" type="slidenum">
               <a:rPr lang="en-US" smtClean="0"/>
-              <a:t>36</a:t>
+              <a:t>38</a:t>
             </a:fld>
             <a:endParaRPr lang="en-US"/>
           </a:p>
@@ -9507,7 +9767,7 @@
 </p:sld>
 </file>
 
-<file path=ppt/slides/slide37.xml><?xml version="1.0" encoding="utf-8"?>
+<file path=ppt/slides/slide39.xml><?xml version="1.0" encoding="utf-8"?>
 <p:sld xmlns:a="http://schemas.openxmlformats.org/drawingml/2006/main" xmlns:r="http://schemas.openxmlformats.org/officeDocument/2006/relationships" xmlns:p="http://schemas.openxmlformats.org/presentationml/2006/main">
   <p:cSld>
     <p:spTree>
@@ -9613,7 +9873,7 @@
           <a:p>
             <a:fld id="{38324C1E-6E2F-465B-B7AC-362036DEB808}" type="slidenum">
               <a:rPr lang="en-US" smtClean="0"/>
-              <a:t>37</a:t>
+              <a:t>39</a:t>
             </a:fld>
             <a:endParaRPr lang="en-US"/>
           </a:p>
@@ -9677,306 +9937,6 @@
     <p:extLst>
       <p:ext uri="{BB962C8B-B14F-4D97-AF65-F5344CB8AC3E}">
         <p14:creationId xmlns:p14="http://schemas.microsoft.com/office/powerpoint/2010/main" val="159637616"/>
-      </p:ext>
-    </p:extLst>
-  </p:cSld>
-  <p:clrMapOvr>
-    <a:masterClrMapping/>
-  </p:clrMapOvr>
-  <p:timing>
-    <p:tnLst>
-      <p:par>
-        <p:cTn id="1" dur="indefinite" restart="never" nodeType="tmRoot"/>
-      </p:par>
-    </p:tnLst>
-  </p:timing>
-</p:sld>
-</file>
-
-<file path=ppt/slides/slide38.xml><?xml version="1.0" encoding="utf-8"?>
-<p:sld xmlns:a="http://schemas.openxmlformats.org/drawingml/2006/main" xmlns:r="http://schemas.openxmlformats.org/officeDocument/2006/relationships" xmlns:p="http://schemas.openxmlformats.org/presentationml/2006/main">
-  <p:cSld>
-    <p:spTree>
-      <p:nvGrpSpPr>
-        <p:cNvPr id="1" name=""/>
-        <p:cNvGrpSpPr/>
-        <p:nvPr/>
-      </p:nvGrpSpPr>
-      <p:grpSpPr>
-        <a:xfrm>
-          <a:off x="0" y="0"/>
-          <a:ext cx="0" cy="0"/>
-          <a:chOff x="0" y="0"/>
-          <a:chExt cx="0" cy="0"/>
-        </a:xfrm>
-      </p:grpSpPr>
-      <p:sp>
-        <p:nvSpPr>
-          <p:cNvPr id="2" name="Title 1"/>
-          <p:cNvSpPr>
-            <a:spLocks noGrp="1"/>
-          </p:cNvSpPr>
-          <p:nvPr>
-            <p:ph type="title"/>
-          </p:nvPr>
-        </p:nvSpPr>
-        <p:spPr/>
-        <p:txBody>
-          <a:bodyPr>
-            <a:normAutofit/>
-          </a:bodyPr>
-          <a:lstStyle/>
-          <a:p>
-            <a:r>
-              <a:rPr lang="en-US" dirty="0"/>
-              <a:t>Experimental </a:t>
-            </a:r>
-            <a:r>
-              <a:rPr lang="en-US" dirty="0" smtClean="0"/>
-              <a:t>Evaluation</a:t>
-            </a:r>
-            <a:endParaRPr lang="en-US" dirty="0"/>
-          </a:p>
-        </p:txBody>
-      </p:sp>
-      <p:sp>
-        <p:nvSpPr>
-          <p:cNvPr id="3" name="Content Placeholder 2"/>
-          <p:cNvSpPr>
-            <a:spLocks noGrp="1"/>
-          </p:cNvSpPr>
-          <p:nvPr>
-            <p:ph idx="1"/>
-          </p:nvPr>
-        </p:nvSpPr>
-        <p:spPr/>
-        <p:txBody>
-          <a:bodyPr>
-            <a:normAutofit lnSpcReduction="10000"/>
-          </a:bodyPr>
-          <a:lstStyle/>
-          <a:p>
-            <a:r>
-              <a:rPr lang="en-US" dirty="0" smtClean="0"/>
-              <a:t>VL_QR</a:t>
-            </a:r>
-            <a:r>
-              <a:rPr lang="en-US" dirty="0"/>
-              <a:t>| </a:t>
-            </a:r>
-            <a:r>
-              <a:rPr lang="en-US" dirty="0" smtClean="0"/>
-              <a:t>HT: The proposed algorithm with quadratic regression</a:t>
-            </a:r>
-          </a:p>
-          <a:p>
-            <a:r>
-              <a:rPr lang="en-US" dirty="0"/>
-              <a:t>VL_EP| </a:t>
-            </a:r>
-            <a:r>
-              <a:rPr lang="en-US" dirty="0" smtClean="0"/>
-              <a:t>HT: The proposed algorithm with important extreme points.</a:t>
-            </a:r>
-          </a:p>
-          <a:p>
-            <a:r>
-              <a:rPr lang="en-US" dirty="0" smtClean="0"/>
-              <a:t>Compare results and running time among </a:t>
-            </a:r>
-            <a:r>
-              <a:rPr lang="en-US" dirty="0"/>
-              <a:t>VL_QR| </a:t>
-            </a:r>
-            <a:r>
-              <a:rPr lang="en-US" dirty="0" smtClean="0"/>
-              <a:t>HT, </a:t>
-            </a:r>
-            <a:r>
-              <a:rPr lang="en-US" dirty="0"/>
-              <a:t>VL_EP| HT </a:t>
-            </a:r>
-            <a:r>
-              <a:rPr lang="en-US" dirty="0" smtClean="0"/>
-              <a:t>and HOT SAX</a:t>
-            </a:r>
-          </a:p>
-          <a:p>
-            <a:r>
-              <a:rPr lang="en-US" dirty="0" smtClean="0"/>
-              <a:t>Compare running time between </a:t>
-            </a:r>
-            <a:r>
-              <a:rPr lang="en-US" dirty="0"/>
-              <a:t>VL_QR| </a:t>
-            </a:r>
-            <a:r>
-              <a:rPr lang="en-US" dirty="0" smtClean="0"/>
-              <a:t>HT with the original algorithm proposed by </a:t>
-            </a:r>
-            <a:r>
-              <a:rPr lang="en-US" dirty="0" err="1" smtClean="0"/>
-              <a:t>Leng</a:t>
-            </a:r>
-            <a:r>
-              <a:rPr lang="en-US" dirty="0" smtClean="0"/>
-              <a:t> et al.</a:t>
-            </a:r>
-            <a:endParaRPr lang="en-US" dirty="0"/>
-          </a:p>
-        </p:txBody>
-      </p:sp>
-      <p:sp>
-        <p:nvSpPr>
-          <p:cNvPr id="4" name="Slide Number Placeholder 3"/>
-          <p:cNvSpPr>
-            <a:spLocks noGrp="1"/>
-          </p:cNvSpPr>
-          <p:nvPr>
-            <p:ph type="sldNum" sz="quarter" idx="12"/>
-          </p:nvPr>
-        </p:nvSpPr>
-        <p:spPr/>
-        <p:txBody>
-          <a:bodyPr/>
-          <a:lstStyle/>
-          <a:p>
-            <a:fld id="{38324C1E-6E2F-465B-B7AC-362036DEB808}" type="slidenum">
-              <a:rPr lang="en-US" smtClean="0"/>
-              <a:t>38</a:t>
-            </a:fld>
-            <a:endParaRPr lang="en-US"/>
-          </a:p>
-        </p:txBody>
-      </p:sp>
-    </p:spTree>
-    <p:extLst>
-      <p:ext uri="{BB962C8B-B14F-4D97-AF65-F5344CB8AC3E}">
-        <p14:creationId xmlns:p14="http://schemas.microsoft.com/office/powerpoint/2010/main" val="591810710"/>
-      </p:ext>
-    </p:extLst>
-  </p:cSld>
-  <p:clrMapOvr>
-    <a:masterClrMapping/>
-  </p:clrMapOvr>
-</p:sld>
-</file>
-
-<file path=ppt/slides/slide39.xml><?xml version="1.0" encoding="utf-8"?>
-<p:sld xmlns:a="http://schemas.openxmlformats.org/drawingml/2006/main" xmlns:r="http://schemas.openxmlformats.org/officeDocument/2006/relationships" xmlns:p="http://schemas.openxmlformats.org/presentationml/2006/main">
-  <p:cSld>
-    <p:spTree>
-      <p:nvGrpSpPr>
-        <p:cNvPr id="1" name=""/>
-        <p:cNvGrpSpPr/>
-        <p:nvPr/>
-      </p:nvGrpSpPr>
-      <p:grpSpPr>
-        <a:xfrm>
-          <a:off x="0" y="0"/>
-          <a:ext cx="0" cy="0"/>
-          <a:chOff x="0" y="0"/>
-          <a:chExt cx="0" cy="0"/>
-        </a:xfrm>
-      </p:grpSpPr>
-      <p:sp>
-        <p:nvSpPr>
-          <p:cNvPr id="2" name="Title 1"/>
-          <p:cNvSpPr>
-            <a:spLocks noGrp="1"/>
-          </p:cNvSpPr>
-          <p:nvPr>
-            <p:ph type="title"/>
-          </p:nvPr>
-        </p:nvSpPr>
-        <p:spPr/>
-        <p:txBody>
-          <a:bodyPr/>
-          <a:lstStyle/>
-          <a:p>
-            <a:r>
-              <a:rPr lang="en-US" dirty="0"/>
-              <a:t>Experimental Evaluation</a:t>
-            </a:r>
-          </a:p>
-        </p:txBody>
-      </p:sp>
-      <p:sp>
-        <p:nvSpPr>
-          <p:cNvPr id="3" name="Content Placeholder 2"/>
-          <p:cNvSpPr>
-            <a:spLocks noGrp="1"/>
-          </p:cNvSpPr>
-          <p:nvPr>
-            <p:ph idx="1"/>
-          </p:nvPr>
-        </p:nvSpPr>
-        <p:spPr/>
-        <p:txBody>
-          <a:bodyPr/>
-          <a:lstStyle/>
-          <a:p>
-            <a:r>
-              <a:rPr lang="en-ZA" dirty="0"/>
-              <a:t>Experiments environment : </a:t>
-            </a:r>
-            <a:r>
-              <a:rPr lang="en-US" dirty="0" smtClean="0"/>
-              <a:t> Intel</a:t>
-            </a:r>
-            <a:r>
-              <a:rPr lang="en-US" dirty="0"/>
-              <a:t>® Core™ 2 Duo 2.0GHz, Ram 3072MB </a:t>
-            </a:r>
-            <a:r>
-              <a:rPr lang="en-US" dirty="0" smtClean="0"/>
-              <a:t>PC</a:t>
-            </a:r>
-          </a:p>
-          <a:p>
-            <a:r>
-              <a:rPr lang="en-US" dirty="0" smtClean="0"/>
-              <a:t>All algorithms are implemented in </a:t>
-            </a:r>
-            <a:r>
-              <a:rPr lang="en-US" dirty="0"/>
-              <a:t>Microsoft Visual C</a:t>
-            </a:r>
-            <a:r>
-              <a:rPr lang="en-US" dirty="0" smtClean="0"/>
-              <a:t># programing language</a:t>
-            </a:r>
-            <a:endParaRPr lang="en-US" dirty="0"/>
-          </a:p>
-        </p:txBody>
-      </p:sp>
-      <p:sp>
-        <p:nvSpPr>
-          <p:cNvPr id="4" name="Slide Number Placeholder 3"/>
-          <p:cNvSpPr>
-            <a:spLocks noGrp="1"/>
-          </p:cNvSpPr>
-          <p:nvPr>
-            <p:ph type="sldNum" sz="quarter" idx="12"/>
-          </p:nvPr>
-        </p:nvSpPr>
-        <p:spPr/>
-        <p:txBody>
-          <a:bodyPr/>
-          <a:lstStyle/>
-          <a:p>
-            <a:fld id="{38324C1E-6E2F-465B-B7AC-362036DEB808}" type="slidenum">
-              <a:rPr lang="en-US" smtClean="0"/>
-              <a:t>39</a:t>
-            </a:fld>
-            <a:endParaRPr lang="en-US"/>
-          </a:p>
-        </p:txBody>
-      </p:sp>
-    </p:spTree>
-    <p:extLst>
-      <p:ext uri="{BB962C8B-B14F-4D97-AF65-F5344CB8AC3E}">
-        <p14:creationId xmlns:p14="http://schemas.microsoft.com/office/powerpoint/2010/main" val="3800498065"/>
       </p:ext>
     </p:extLst>
   </p:cSld>
@@ -10208,14 +10168,19 @@
         <p:spPr/>
         <p:txBody>
           <a:bodyPr>
-            <a:normAutofit fontScale="90000"/>
+            <a:normAutofit/>
           </a:bodyPr>
           <a:lstStyle/>
           <a:p>
             <a:r>
               <a:rPr lang="en-US" dirty="0"/>
-              <a:t>Compare VL_QR| HT, VL_EP| HT and HOT SAX</a:t>
-            </a:r>
+              <a:t>Experimental </a:t>
+            </a:r>
+            <a:r>
+              <a:rPr lang="en-US" dirty="0" smtClean="0"/>
+              <a:t>Evaluation</a:t>
+            </a:r>
+            <a:endParaRPr lang="en-US" dirty="0"/>
           </a:p>
         </p:txBody>
       </p:sp>
@@ -10232,141 +10197,77 @@
         <p:spPr/>
         <p:txBody>
           <a:bodyPr>
-            <a:normAutofit fontScale="92500" lnSpcReduction="20000"/>
+            <a:normAutofit lnSpcReduction="10000"/>
           </a:bodyPr>
           <a:lstStyle/>
           <a:p>
             <a:r>
               <a:rPr lang="en-US" dirty="0" smtClean="0"/>
-              <a:t>Use 8 time series in diverse domains:</a:t>
-            </a:r>
-          </a:p>
-          <a:p>
-            <a:pPr marL="0" indent="0">
-              <a:buNone/>
-            </a:pPr>
-            <a:r>
-              <a:rPr lang="en-US" dirty="0"/>
-              <a:t>ECG 108, ECG 308, ERP, Memory, Power Demand In Italy, Dutch Power Demand, Stock20 and </a:t>
-            </a:r>
-            <a:r>
-              <a:rPr lang="en-US" dirty="0" smtClean="0"/>
-              <a:t>TEK16</a:t>
-            </a:r>
-          </a:p>
-          <a:p>
-            <a:r>
-              <a:rPr lang="en-US" dirty="0" smtClean="0"/>
-              <a:t>To </a:t>
-            </a:r>
-            <a:r>
-              <a:rPr lang="en-US" dirty="0"/>
-              <a:t>compute location </a:t>
-            </a:r>
-            <a:r>
-              <a:rPr lang="en-US" dirty="0" smtClean="0"/>
-              <a:t>difference of anomaly subsequences use: </a:t>
-            </a:r>
-          </a:p>
-          <a:p>
-            <a:pPr marL="0" indent="0">
-              <a:buNone/>
-            </a:pPr>
-            <a:r>
-              <a:rPr lang="en-US" i="1" dirty="0"/>
-              <a:t>	</a:t>
-            </a:r>
-            <a:r>
-              <a:rPr lang="en-US" i="1" dirty="0" smtClean="0"/>
-              <a:t>d</a:t>
-            </a:r>
-            <a:r>
-              <a:rPr lang="en-US" dirty="0" smtClean="0"/>
-              <a:t> </a:t>
-            </a:r>
-            <a:r>
-              <a:rPr lang="en-US" dirty="0"/>
-              <a:t>= |</a:t>
-            </a:r>
-            <a:r>
-              <a:rPr lang="en-US" i="1" dirty="0"/>
-              <a:t>p</a:t>
-            </a:r>
-            <a:r>
-              <a:rPr lang="en-US" dirty="0"/>
-              <a:t> – </a:t>
-            </a:r>
-            <a:r>
-              <a:rPr lang="en-US" i="1" dirty="0"/>
-              <a:t>q</a:t>
-            </a:r>
-            <a:r>
-              <a:rPr lang="en-US" dirty="0"/>
-              <a:t>|/</a:t>
-            </a:r>
-            <a:r>
-              <a:rPr lang="en-US" i="1" dirty="0"/>
-              <a:t>l </a:t>
-            </a:r>
-            <a:r>
-              <a:rPr lang="en-US" dirty="0">
-                <a:sym typeface="Symbol"/>
-              </a:rPr>
-              <a:t></a:t>
-            </a:r>
-            <a:r>
-              <a:rPr lang="en-US" dirty="0"/>
-              <a:t> </a:t>
-            </a:r>
-            <a:r>
-              <a:rPr lang="en-US" dirty="0" smtClean="0"/>
-              <a:t>100 </a:t>
-            </a:r>
-          </a:p>
-          <a:p>
-            <a:pPr marL="0" indent="0">
-              <a:buNone/>
-            </a:pPr>
-            <a:r>
-              <a:rPr lang="en-US" dirty="0" smtClean="0"/>
-              <a:t>where </a:t>
-            </a:r>
-            <a:r>
-              <a:rPr lang="en-US" i="1" dirty="0"/>
-              <a:t>p</a:t>
-            </a:r>
-            <a:r>
-              <a:rPr lang="en-US" dirty="0"/>
-              <a:t> is the start position of the anomaly pattern found by </a:t>
-            </a:r>
-            <a:r>
-              <a:rPr lang="en-US" dirty="0" smtClean="0"/>
-              <a:t>proposed </a:t>
-            </a:r>
-            <a:r>
-              <a:rPr lang="en-US" dirty="0"/>
-              <a:t>algorithm and </a:t>
-            </a:r>
-            <a:r>
-              <a:rPr lang="en-US" i="1" dirty="0"/>
-              <a:t>q</a:t>
-            </a:r>
-            <a:r>
-              <a:rPr lang="en-US" dirty="0"/>
-              <a:t> is the start position of the anomaly pattern found by HOT SAX and </a:t>
-            </a:r>
-            <a:r>
-              <a:rPr lang="en-US" i="1" dirty="0"/>
-              <a:t>l</a:t>
-            </a:r>
-            <a:r>
-              <a:rPr lang="en-US" dirty="0"/>
-              <a:t> is </a:t>
-            </a:r>
-            <a:r>
-              <a:rPr lang="en-US" dirty="0" smtClean="0"/>
-              <a:t>it’s length</a:t>
-            </a:r>
+              <a:t>VL_QR</a:t>
+            </a:r>
+            <a:r>
+              <a:rPr lang="en-US" dirty="0"/>
+              <a:t>| </a:t>
+            </a:r>
+            <a:r>
+              <a:rPr lang="en-US" dirty="0" smtClean="0"/>
+              <a:t>HT: The proposed algorithm with quadratic regression</a:t>
+            </a:r>
+          </a:p>
+          <a:p>
+            <a:r>
+              <a:rPr lang="en-US" dirty="0"/>
+              <a:t>VL_EP| </a:t>
+            </a:r>
+            <a:r>
+              <a:rPr lang="en-US" dirty="0" smtClean="0"/>
+              <a:t>HT: The proposed algorithm with important extreme points.</a:t>
+            </a:r>
+          </a:p>
+          <a:p>
+            <a:r>
+              <a:rPr lang="en-US" dirty="0" smtClean="0"/>
+              <a:t>Compare results and running time among </a:t>
+            </a:r>
+            <a:r>
+              <a:rPr lang="en-US" dirty="0"/>
+              <a:t>VL_QR| </a:t>
+            </a:r>
+            <a:r>
+              <a:rPr lang="en-US" dirty="0" smtClean="0"/>
+              <a:t>HT, </a:t>
+            </a:r>
+            <a:r>
+              <a:rPr lang="en-US" dirty="0"/>
+              <a:t>VL_EP| HT </a:t>
+            </a:r>
+            <a:r>
+              <a:rPr lang="en-US" dirty="0" smtClean="0"/>
+              <a:t>and HOT SAX</a:t>
+            </a:r>
+          </a:p>
+          <a:p>
+            <a:r>
+              <a:rPr lang="en-US" dirty="0" smtClean="0"/>
+              <a:t>Compare running time between </a:t>
+            </a:r>
+            <a:r>
+              <a:rPr lang="en-US" dirty="0"/>
+              <a:t>VL_QR| </a:t>
+            </a:r>
+            <a:r>
+              <a:rPr lang="en-US" dirty="0" smtClean="0"/>
+              <a:t>HT with the original algorithm proposed by </a:t>
+            </a:r>
+            <a:r>
+              <a:rPr lang="en-US" dirty="0" err="1" smtClean="0"/>
+              <a:t>Leng</a:t>
+            </a:r>
+            <a:r>
+              <a:rPr lang="en-US" dirty="0" smtClean="0"/>
+              <a:t> et al.</a:t>
+            </a:r>
+            <a:endParaRPr lang="en-US" dirty="0"/>
           </a:p>
         </p:txBody>
       </p:sp>
@@ -10396,7 +10297,7 @@
     </p:spTree>
     <p:extLst>
       <p:ext uri="{BB962C8B-B14F-4D97-AF65-F5344CB8AC3E}">
-        <p14:creationId xmlns:p14="http://schemas.microsoft.com/office/powerpoint/2010/main" val="2688571745"/>
+        <p14:creationId xmlns:p14="http://schemas.microsoft.com/office/powerpoint/2010/main" val="591810710"/>
       </p:ext>
     </p:extLst>
   </p:cSld>
@@ -10442,6 +10343,372 @@
         </p:nvSpPr>
         <p:spPr/>
         <p:txBody>
+          <a:bodyPr/>
+          <a:lstStyle/>
+          <a:p>
+            <a:r>
+              <a:rPr lang="en-US" dirty="0"/>
+              <a:t>Experimental Evaluation</a:t>
+            </a:r>
+          </a:p>
+        </p:txBody>
+      </p:sp>
+      <p:sp>
+        <p:nvSpPr>
+          <p:cNvPr id="3" name="Content Placeholder 2"/>
+          <p:cNvSpPr>
+            <a:spLocks noGrp="1"/>
+          </p:cNvSpPr>
+          <p:nvPr>
+            <p:ph idx="1"/>
+          </p:nvPr>
+        </p:nvSpPr>
+        <p:spPr/>
+        <p:txBody>
+          <a:bodyPr/>
+          <a:lstStyle/>
+          <a:p>
+            <a:r>
+              <a:rPr lang="en-ZA" dirty="0"/>
+              <a:t>Experiments environment : </a:t>
+            </a:r>
+            <a:r>
+              <a:rPr lang="en-US" dirty="0" smtClean="0"/>
+              <a:t> Intel</a:t>
+            </a:r>
+            <a:r>
+              <a:rPr lang="en-US" dirty="0"/>
+              <a:t>® Core™ 2 Duo 2.0GHz, Ram 3072MB </a:t>
+            </a:r>
+            <a:r>
+              <a:rPr lang="en-US" dirty="0" smtClean="0"/>
+              <a:t>PC</a:t>
+            </a:r>
+          </a:p>
+          <a:p>
+            <a:r>
+              <a:rPr lang="en-US" dirty="0" smtClean="0"/>
+              <a:t>All algorithms are implemented in </a:t>
+            </a:r>
+            <a:r>
+              <a:rPr lang="en-US" dirty="0"/>
+              <a:t>Microsoft Visual C</a:t>
+            </a:r>
+            <a:r>
+              <a:rPr lang="en-US" dirty="0" smtClean="0"/>
+              <a:t># programing language</a:t>
+            </a:r>
+            <a:endParaRPr lang="en-US" dirty="0"/>
+          </a:p>
+        </p:txBody>
+      </p:sp>
+      <p:sp>
+        <p:nvSpPr>
+          <p:cNvPr id="4" name="Slide Number Placeholder 3"/>
+          <p:cNvSpPr>
+            <a:spLocks noGrp="1"/>
+          </p:cNvSpPr>
+          <p:nvPr>
+            <p:ph type="sldNum" sz="quarter" idx="12"/>
+          </p:nvPr>
+        </p:nvSpPr>
+        <p:spPr/>
+        <p:txBody>
+          <a:bodyPr/>
+          <a:lstStyle/>
+          <a:p>
+            <a:fld id="{38324C1E-6E2F-465B-B7AC-362036DEB808}" type="slidenum">
+              <a:rPr lang="en-US" smtClean="0"/>
+              <a:t>41</a:t>
+            </a:fld>
+            <a:endParaRPr lang="en-US"/>
+          </a:p>
+        </p:txBody>
+      </p:sp>
+    </p:spTree>
+    <p:extLst>
+      <p:ext uri="{BB962C8B-B14F-4D97-AF65-F5344CB8AC3E}">
+        <p14:creationId xmlns:p14="http://schemas.microsoft.com/office/powerpoint/2010/main" val="3800498065"/>
+      </p:ext>
+    </p:extLst>
+  </p:cSld>
+  <p:clrMapOvr>
+    <a:masterClrMapping/>
+  </p:clrMapOvr>
+  <p:timing>
+    <p:tnLst>
+      <p:par>
+        <p:cTn id="1" dur="indefinite" restart="never" nodeType="tmRoot"/>
+      </p:par>
+    </p:tnLst>
+  </p:timing>
+</p:sld>
+</file>
+
+<file path=ppt/slides/slide42.xml><?xml version="1.0" encoding="utf-8"?>
+<p:sld xmlns:a="http://schemas.openxmlformats.org/drawingml/2006/main" xmlns:r="http://schemas.openxmlformats.org/officeDocument/2006/relationships" xmlns:p="http://schemas.openxmlformats.org/presentationml/2006/main">
+  <p:cSld>
+    <p:spTree>
+      <p:nvGrpSpPr>
+        <p:cNvPr id="1" name=""/>
+        <p:cNvGrpSpPr/>
+        <p:nvPr/>
+      </p:nvGrpSpPr>
+      <p:grpSpPr>
+        <a:xfrm>
+          <a:off x="0" y="0"/>
+          <a:ext cx="0" cy="0"/>
+          <a:chOff x="0" y="0"/>
+          <a:chExt cx="0" cy="0"/>
+        </a:xfrm>
+      </p:grpSpPr>
+      <p:sp>
+        <p:nvSpPr>
+          <p:cNvPr id="2" name="Title 1"/>
+          <p:cNvSpPr>
+            <a:spLocks noGrp="1"/>
+          </p:cNvSpPr>
+          <p:nvPr>
+            <p:ph type="title"/>
+          </p:nvPr>
+        </p:nvSpPr>
+        <p:spPr/>
+        <p:txBody>
+          <a:bodyPr>
+            <a:normAutofit fontScale="90000"/>
+          </a:bodyPr>
+          <a:lstStyle/>
+          <a:p>
+            <a:r>
+              <a:rPr lang="en-US" dirty="0"/>
+              <a:t>Compare VL_QR| HT, VL_EP| HT and HOT SAX</a:t>
+            </a:r>
+          </a:p>
+        </p:txBody>
+      </p:sp>
+      <p:sp>
+        <p:nvSpPr>
+          <p:cNvPr id="3" name="Content Placeholder 2"/>
+          <p:cNvSpPr>
+            <a:spLocks noGrp="1"/>
+          </p:cNvSpPr>
+          <p:nvPr>
+            <p:ph idx="1"/>
+          </p:nvPr>
+        </p:nvSpPr>
+        <p:spPr/>
+        <p:txBody>
+          <a:bodyPr>
+            <a:normAutofit fontScale="92500" lnSpcReduction="20000"/>
+          </a:bodyPr>
+          <a:lstStyle/>
+          <a:p>
+            <a:r>
+              <a:rPr lang="en-US" dirty="0" smtClean="0"/>
+              <a:t>Use 8 time series in diverse domains:</a:t>
+            </a:r>
+          </a:p>
+          <a:p>
+            <a:pPr marL="0" indent="0">
+              <a:buNone/>
+            </a:pPr>
+            <a:r>
+              <a:rPr lang="en-US" dirty="0"/>
+              <a:t>ECG 108, ECG 308, ERP, Memory, Power Demand In Italy, Dutch Power Demand, Stock20 and </a:t>
+            </a:r>
+            <a:r>
+              <a:rPr lang="en-US" dirty="0" smtClean="0"/>
+              <a:t>TEK16</a:t>
+            </a:r>
+          </a:p>
+          <a:p>
+            <a:r>
+              <a:rPr lang="en-US" dirty="0" smtClean="0"/>
+              <a:t>To </a:t>
+            </a:r>
+            <a:r>
+              <a:rPr lang="en-US" dirty="0"/>
+              <a:t>compute location </a:t>
+            </a:r>
+            <a:r>
+              <a:rPr lang="en-US" dirty="0" smtClean="0"/>
+              <a:t>difference of anomaly subsequences use: </a:t>
+            </a:r>
+          </a:p>
+          <a:p>
+            <a:pPr marL="0" indent="0">
+              <a:buNone/>
+            </a:pPr>
+            <a:r>
+              <a:rPr lang="en-US" i="1" dirty="0"/>
+              <a:t>	</a:t>
+            </a:r>
+            <a:r>
+              <a:rPr lang="en-US" i="1" dirty="0" smtClean="0"/>
+              <a:t>d</a:t>
+            </a:r>
+            <a:r>
+              <a:rPr lang="en-US" dirty="0" smtClean="0"/>
+              <a:t> </a:t>
+            </a:r>
+            <a:r>
+              <a:rPr lang="en-US" dirty="0"/>
+              <a:t>= |</a:t>
+            </a:r>
+            <a:r>
+              <a:rPr lang="en-US" i="1" dirty="0"/>
+              <a:t>p</a:t>
+            </a:r>
+            <a:r>
+              <a:rPr lang="en-US" dirty="0"/>
+              <a:t> – </a:t>
+            </a:r>
+            <a:r>
+              <a:rPr lang="en-US" i="1" dirty="0"/>
+              <a:t>q</a:t>
+            </a:r>
+            <a:r>
+              <a:rPr lang="en-US" dirty="0"/>
+              <a:t>|/</a:t>
+            </a:r>
+            <a:r>
+              <a:rPr lang="en-US" i="1" dirty="0"/>
+              <a:t>l </a:t>
+            </a:r>
+            <a:r>
+              <a:rPr lang="en-US" dirty="0">
+                <a:sym typeface="Symbol"/>
+              </a:rPr>
+              <a:t></a:t>
+            </a:r>
+            <a:r>
+              <a:rPr lang="en-US" dirty="0"/>
+              <a:t> </a:t>
+            </a:r>
+            <a:r>
+              <a:rPr lang="en-US" dirty="0" smtClean="0"/>
+              <a:t>100 </a:t>
+            </a:r>
+          </a:p>
+          <a:p>
+            <a:pPr marL="0" indent="0">
+              <a:buNone/>
+            </a:pPr>
+            <a:r>
+              <a:rPr lang="en-US" dirty="0" smtClean="0"/>
+              <a:t>where </a:t>
+            </a:r>
+            <a:r>
+              <a:rPr lang="en-US" i="1" dirty="0"/>
+              <a:t>p</a:t>
+            </a:r>
+            <a:r>
+              <a:rPr lang="en-US" dirty="0"/>
+              <a:t> is the start position of the anomaly pattern found by </a:t>
+            </a:r>
+            <a:r>
+              <a:rPr lang="en-US" dirty="0" smtClean="0"/>
+              <a:t>proposed </a:t>
+            </a:r>
+            <a:r>
+              <a:rPr lang="en-US" dirty="0"/>
+              <a:t>algorithm and </a:t>
+            </a:r>
+            <a:r>
+              <a:rPr lang="en-US" i="1" dirty="0"/>
+              <a:t>q</a:t>
+            </a:r>
+            <a:r>
+              <a:rPr lang="en-US" dirty="0"/>
+              <a:t> is the start position of the anomaly pattern found by HOT SAX and </a:t>
+            </a:r>
+            <a:r>
+              <a:rPr lang="en-US" i="1" dirty="0"/>
+              <a:t>l</a:t>
+            </a:r>
+            <a:r>
+              <a:rPr lang="en-US" dirty="0"/>
+              <a:t> is </a:t>
+            </a:r>
+            <a:r>
+              <a:rPr lang="en-US" dirty="0" smtClean="0"/>
+              <a:t>it’s length</a:t>
+            </a:r>
+          </a:p>
+        </p:txBody>
+      </p:sp>
+      <p:sp>
+        <p:nvSpPr>
+          <p:cNvPr id="4" name="Slide Number Placeholder 3"/>
+          <p:cNvSpPr>
+            <a:spLocks noGrp="1"/>
+          </p:cNvSpPr>
+          <p:nvPr>
+            <p:ph type="sldNum" sz="quarter" idx="12"/>
+          </p:nvPr>
+        </p:nvSpPr>
+        <p:spPr/>
+        <p:txBody>
+          <a:bodyPr/>
+          <a:lstStyle/>
+          <a:p>
+            <a:fld id="{38324C1E-6E2F-465B-B7AC-362036DEB808}" type="slidenum">
+              <a:rPr lang="en-US" smtClean="0"/>
+              <a:t>42</a:t>
+            </a:fld>
+            <a:endParaRPr lang="en-US"/>
+          </a:p>
+        </p:txBody>
+      </p:sp>
+    </p:spTree>
+    <p:extLst>
+      <p:ext uri="{BB962C8B-B14F-4D97-AF65-F5344CB8AC3E}">
+        <p14:creationId xmlns:p14="http://schemas.microsoft.com/office/powerpoint/2010/main" val="2688571745"/>
+      </p:ext>
+    </p:extLst>
+  </p:cSld>
+  <p:clrMapOvr>
+    <a:masterClrMapping/>
+  </p:clrMapOvr>
+  <p:timing>
+    <p:tnLst>
+      <p:par>
+        <p:cTn id="1" dur="indefinite" restart="never" nodeType="tmRoot"/>
+      </p:par>
+    </p:tnLst>
+  </p:timing>
+</p:sld>
+</file>
+
+<file path=ppt/slides/slide43.xml><?xml version="1.0" encoding="utf-8"?>
+<p:sld xmlns:a="http://schemas.openxmlformats.org/drawingml/2006/main" xmlns:r="http://schemas.openxmlformats.org/officeDocument/2006/relationships" xmlns:p="http://schemas.openxmlformats.org/presentationml/2006/main">
+  <p:cSld>
+    <p:spTree>
+      <p:nvGrpSpPr>
+        <p:cNvPr id="1" name=""/>
+        <p:cNvGrpSpPr/>
+        <p:nvPr/>
+      </p:nvGrpSpPr>
+      <p:grpSpPr>
+        <a:xfrm>
+          <a:off x="0" y="0"/>
+          <a:ext cx="0" cy="0"/>
+          <a:chOff x="0" y="0"/>
+          <a:chExt cx="0" cy="0"/>
+        </a:xfrm>
+      </p:grpSpPr>
+      <p:sp>
+        <p:nvSpPr>
+          <p:cNvPr id="2" name="Title 1"/>
+          <p:cNvSpPr>
+            <a:spLocks noGrp="1"/>
+          </p:cNvSpPr>
+          <p:nvPr>
+            <p:ph type="title"/>
+          </p:nvPr>
+        </p:nvSpPr>
+        <p:spPr/>
+        <p:txBody>
           <a:bodyPr>
             <a:normAutofit fontScale="90000"/>
           </a:bodyPr>
@@ -10513,7 +10780,7 @@
           <a:p>
             <a:fld id="{38324C1E-6E2F-465B-B7AC-362036DEB808}" type="slidenum">
               <a:rPr lang="en-US" smtClean="0"/>
-              <a:t>41</a:t>
+              <a:t>43</a:t>
             </a:fld>
             <a:endParaRPr lang="en-US"/>
           </a:p>
@@ -10593,7 +10860,7 @@
 </p:sld>
 </file>
 
-<file path=ppt/slides/slide42.xml><?xml version="1.0" encoding="utf-8"?>
+<file path=ppt/slides/slide44.xml><?xml version="1.0" encoding="utf-8"?>
 <p:sld xmlns:a="http://schemas.openxmlformats.org/drawingml/2006/main" xmlns:r="http://schemas.openxmlformats.org/officeDocument/2006/relationships" xmlns:p="http://schemas.openxmlformats.org/presentationml/2006/main">
   <p:cSld>
     <p:spTree>
@@ -10659,7 +10926,7 @@
           <a:p>
             <a:fld id="{38324C1E-6E2F-465B-B7AC-362036DEB808}" type="slidenum">
               <a:rPr lang="en-US" smtClean="0"/>
-              <a:t>42</a:t>
+              <a:t>44</a:t>
             </a:fld>
             <a:endParaRPr lang="en-US"/>
           </a:p>
@@ -10758,7 +11025,7 @@
 </p:sld>
 </file>
 
-<file path=ppt/slides/slide43.xml><?xml version="1.0" encoding="utf-8"?>
+<file path=ppt/slides/slide45.xml><?xml version="1.0" encoding="utf-8"?>
 <p:sld xmlns:a="http://schemas.openxmlformats.org/drawingml/2006/main" xmlns:r="http://schemas.openxmlformats.org/officeDocument/2006/relationships" xmlns:p="http://schemas.openxmlformats.org/presentationml/2006/main">
   <p:cSld>
     <p:spTree>
@@ -10870,7 +11137,7 @@
           <a:p>
             <a:fld id="{38324C1E-6E2F-465B-B7AC-362036DEB808}" type="slidenum">
               <a:rPr lang="en-US" smtClean="0"/>
-              <a:t>43</a:t>
+              <a:t>45</a:t>
             </a:fld>
             <a:endParaRPr lang="en-US"/>
           </a:p>
@@ -10929,7 +11196,7 @@
 </p:sld>
 </file>
 
-<file path=ppt/slides/slide44.xml><?xml version="1.0" encoding="utf-8"?>
+<file path=ppt/slides/slide46.xml><?xml version="1.0" encoding="utf-8"?>
 <p:sld xmlns:a="http://schemas.openxmlformats.org/drawingml/2006/main" xmlns:r="http://schemas.openxmlformats.org/officeDocument/2006/relationships" xmlns:p="http://schemas.openxmlformats.org/presentationml/2006/main">
   <p:cSld>
     <p:spTree>
@@ -11041,7 +11308,7 @@
           <a:p>
             <a:fld id="{38324C1E-6E2F-465B-B7AC-362036DEB808}" type="slidenum">
               <a:rPr lang="en-US" smtClean="0"/>
-              <a:t>44</a:t>
+              <a:t>46</a:t>
             </a:fld>
             <a:endParaRPr lang="en-US"/>
           </a:p>
@@ -11100,7 +11367,7 @@
 </p:sld>
 </file>
 
-<file path=ppt/slides/slide45.xml><?xml version="1.0" encoding="utf-8"?>
+<file path=ppt/slides/slide47.xml><?xml version="1.0" encoding="utf-8"?>
 <p:sld xmlns:a="http://schemas.openxmlformats.org/drawingml/2006/main" xmlns:r="http://schemas.openxmlformats.org/officeDocument/2006/relationships" xmlns:p="http://schemas.openxmlformats.org/presentationml/2006/main">
   <p:cSld>
     <p:spTree>
@@ -11212,7 +11479,7 @@
           <a:p>
             <a:fld id="{38324C1E-6E2F-465B-B7AC-362036DEB808}" type="slidenum">
               <a:rPr lang="en-US" smtClean="0"/>
-              <a:t>45</a:t>
+              <a:t>47</a:t>
             </a:fld>
             <a:endParaRPr lang="en-US"/>
           </a:p>
@@ -11271,7 +11538,7 @@
 </p:sld>
 </file>
 
-<file path=ppt/slides/slide46.xml><?xml version="1.0" encoding="utf-8"?>
+<file path=ppt/slides/slide48.xml><?xml version="1.0" encoding="utf-8"?>
 <p:sld xmlns:a="http://schemas.openxmlformats.org/drawingml/2006/main" xmlns:r="http://schemas.openxmlformats.org/officeDocument/2006/relationships" xmlns:p="http://schemas.openxmlformats.org/presentationml/2006/main">
   <p:cSld>
     <p:spTree>
@@ -11338,7 +11605,7 @@
           <a:p>
             <a:fld id="{38324C1E-6E2F-465B-B7AC-362036DEB808}" type="slidenum">
               <a:rPr lang="en-US" smtClean="0"/>
-              <a:t>46</a:t>
+              <a:t>48</a:t>
             </a:fld>
             <a:endParaRPr lang="en-US"/>
           </a:p>
@@ -11437,7 +11704,7 @@
 </p:sld>
 </file>
 
-<file path=ppt/slides/slide47.xml><?xml version="1.0" encoding="utf-8"?>
+<file path=ppt/slides/slide49.xml><?xml version="1.0" encoding="utf-8"?>
 <p:sld xmlns:a="http://schemas.openxmlformats.org/drawingml/2006/main" xmlns:r="http://schemas.openxmlformats.org/officeDocument/2006/relationships" xmlns:p="http://schemas.openxmlformats.org/presentationml/2006/main">
   <p:cSld>
     <p:spTree>
@@ -11504,7 +11771,7 @@
           <a:p>
             <a:fld id="{38324C1E-6E2F-465B-B7AC-362036DEB808}" type="slidenum">
               <a:rPr lang="en-US" smtClean="0"/>
-              <a:t>47</a:t>
+              <a:t>49</a:t>
             </a:fld>
             <a:endParaRPr lang="en-US"/>
           </a:p>
@@ -11586,587 +11853,6 @@
 </p:sld>
 </file>
 
-<file path=ppt/slides/slide48.xml><?xml version="1.0" encoding="utf-8"?>
-<p:sld xmlns:a="http://schemas.openxmlformats.org/drawingml/2006/main" xmlns:r="http://schemas.openxmlformats.org/officeDocument/2006/relationships" xmlns:p="http://schemas.openxmlformats.org/presentationml/2006/main">
-  <p:cSld>
-    <p:spTree>
-      <p:nvGrpSpPr>
-        <p:cNvPr id="1" name=""/>
-        <p:cNvGrpSpPr/>
-        <p:nvPr/>
-      </p:nvGrpSpPr>
-      <p:grpSpPr>
-        <a:xfrm>
-          <a:off x="0" y="0"/>
-          <a:ext cx="0" cy="0"/>
-          <a:chOff x="0" y="0"/>
-          <a:chExt cx="0" cy="0"/>
-        </a:xfrm>
-      </p:grpSpPr>
-      <p:sp>
-        <p:nvSpPr>
-          <p:cNvPr id="2" name="Title 1"/>
-          <p:cNvSpPr>
-            <a:spLocks noGrp="1"/>
-          </p:cNvSpPr>
-          <p:nvPr>
-            <p:ph type="title"/>
-          </p:nvPr>
-        </p:nvSpPr>
-        <p:spPr/>
-        <p:txBody>
-          <a:bodyPr/>
-          <a:lstStyle/>
-          <a:p>
-            <a:r>
-              <a:rPr lang="en-US" dirty="0" smtClean="0"/>
-              <a:t>Conclusion</a:t>
-            </a:r>
-            <a:endParaRPr lang="en-US" dirty="0"/>
-          </a:p>
-        </p:txBody>
-      </p:sp>
-      <p:sp>
-        <p:nvSpPr>
-          <p:cNvPr id="3" name="Content Placeholder 2"/>
-          <p:cNvSpPr>
-            <a:spLocks noGrp="1"/>
-          </p:cNvSpPr>
-          <p:nvPr>
-            <p:ph idx="1"/>
-          </p:nvPr>
-        </p:nvSpPr>
-        <p:spPr/>
-        <p:txBody>
-          <a:bodyPr>
-            <a:normAutofit fontScale="77500" lnSpcReduction="20000"/>
-          </a:bodyPr>
-          <a:lstStyle/>
-          <a:p>
-            <a:r>
-              <a:rPr lang="en-US" dirty="0" smtClean="0"/>
-              <a:t>VL_QR|HT </a:t>
-            </a:r>
-            <a:r>
-              <a:rPr lang="en-US" dirty="0"/>
-              <a:t>and </a:t>
-            </a:r>
-            <a:r>
-              <a:rPr lang="en-US" dirty="0" smtClean="0"/>
-              <a:t>VL_EP|HT bring </a:t>
-            </a:r>
-            <a:r>
-              <a:rPr lang="en-US" dirty="0"/>
-              <a:t>out a remarkable improvement for the original algorithm in time efficiency without compromising anomaly detection accuracy. </a:t>
-            </a:r>
-            <a:endParaRPr lang="en-US" dirty="0" smtClean="0"/>
-          </a:p>
-          <a:p>
-            <a:r>
-              <a:rPr lang="en-US" dirty="0" smtClean="0"/>
-              <a:t>Experimental </a:t>
-            </a:r>
-            <a:r>
-              <a:rPr lang="en-US" dirty="0"/>
-              <a:t>results on eight datasets demonstrate </a:t>
-            </a:r>
-            <a:r>
-              <a:rPr lang="en-US" dirty="0" smtClean="0"/>
-              <a:t>these algorithms </a:t>
-            </a:r>
-            <a:r>
-              <a:rPr lang="en-US" dirty="0"/>
-              <a:t>outperform the VL_QR|DTW in time efficiency. </a:t>
-            </a:r>
-            <a:endParaRPr lang="en-US" dirty="0" smtClean="0"/>
-          </a:p>
-          <a:p>
-            <a:r>
-              <a:rPr lang="en-US" dirty="0" smtClean="0"/>
-              <a:t>Not </a:t>
-            </a:r>
-            <a:r>
-              <a:rPr lang="en-US" dirty="0"/>
-              <a:t>easy to estimate the regression error threshold </a:t>
-            </a:r>
-            <a:r>
-              <a:rPr lang="en-US" i="1" dirty="0">
-                <a:sym typeface="Symbol"/>
-              </a:rPr>
-              <a:t></a:t>
-            </a:r>
-            <a:r>
-              <a:rPr lang="en-US" i="1" baseline="-25000" dirty="0"/>
-              <a:t>1</a:t>
-            </a:r>
-            <a:r>
-              <a:rPr lang="en-US" baseline="-25000" dirty="0"/>
-              <a:t> </a:t>
-            </a:r>
-            <a:r>
-              <a:rPr lang="en-US" dirty="0"/>
-              <a:t>and the non-self match threshold </a:t>
-            </a:r>
-            <a:r>
-              <a:rPr lang="en-US" i="1" dirty="0">
-                <a:sym typeface="Symbol"/>
-              </a:rPr>
-              <a:t></a:t>
-            </a:r>
-            <a:r>
-              <a:rPr lang="en-US" i="1" baseline="-25000" dirty="0"/>
-              <a:t>2</a:t>
-            </a:r>
-            <a:r>
-              <a:rPr lang="en-US" baseline="-25000" dirty="0"/>
-              <a:t> </a:t>
-            </a:r>
-            <a:r>
-              <a:rPr lang="en-US" dirty="0"/>
-              <a:t>in the segmentation phase </a:t>
-            </a:r>
-            <a:r>
-              <a:rPr lang="en-US" dirty="0" smtClean="0"/>
-              <a:t>of </a:t>
-            </a:r>
-            <a:r>
-              <a:rPr lang="en-US" dirty="0"/>
-              <a:t>VL_QR|HT.  </a:t>
-            </a:r>
-            <a:endParaRPr lang="en-US" dirty="0" smtClean="0"/>
-          </a:p>
-          <a:p>
-            <a:r>
-              <a:rPr lang="en-US" dirty="0" smtClean="0"/>
-              <a:t>Not </a:t>
-            </a:r>
-            <a:r>
-              <a:rPr lang="en-US" dirty="0"/>
-              <a:t>easy to find </a:t>
-            </a:r>
-            <a:r>
-              <a:rPr lang="en-US" dirty="0" smtClean="0"/>
-              <a:t>the </a:t>
-            </a:r>
-            <a:r>
-              <a:rPr lang="en-US" i="1" dirty="0" smtClean="0"/>
-              <a:t>R</a:t>
-            </a:r>
-            <a:r>
-              <a:rPr lang="en-US" dirty="0" smtClean="0"/>
-              <a:t> </a:t>
-            </a:r>
-            <a:r>
-              <a:rPr lang="en-US" dirty="0"/>
-              <a:t>in </a:t>
-            </a:r>
-            <a:r>
-              <a:rPr lang="en-US" dirty="0" smtClean="0"/>
-              <a:t>VL_EP|HT</a:t>
-            </a:r>
-            <a:r>
-              <a:rPr lang="en-US" dirty="0"/>
-              <a:t>.</a:t>
-            </a:r>
-          </a:p>
-          <a:p>
-            <a:r>
-              <a:rPr lang="en-US" dirty="0"/>
-              <a:t>F</a:t>
-            </a:r>
-            <a:r>
-              <a:rPr lang="en-US" dirty="0" smtClean="0"/>
-              <a:t>uture work:  apply </a:t>
-            </a:r>
-            <a:r>
-              <a:rPr lang="en-US" dirty="0"/>
-              <a:t>some more advanced method of time series </a:t>
-            </a:r>
-            <a:r>
-              <a:rPr lang="en-US" dirty="0" smtClean="0"/>
-              <a:t>segmentation.</a:t>
-            </a:r>
-            <a:endParaRPr lang="en-US" dirty="0"/>
-          </a:p>
-          <a:p>
-            <a:endParaRPr lang="en-US" dirty="0"/>
-          </a:p>
-        </p:txBody>
-      </p:sp>
-      <p:sp>
-        <p:nvSpPr>
-          <p:cNvPr id="4" name="Slide Number Placeholder 3"/>
-          <p:cNvSpPr>
-            <a:spLocks noGrp="1"/>
-          </p:cNvSpPr>
-          <p:nvPr>
-            <p:ph type="sldNum" sz="quarter" idx="12"/>
-          </p:nvPr>
-        </p:nvSpPr>
-        <p:spPr/>
-        <p:txBody>
-          <a:bodyPr/>
-          <a:lstStyle/>
-          <a:p>
-            <a:fld id="{38324C1E-6E2F-465B-B7AC-362036DEB808}" type="slidenum">
-              <a:rPr lang="en-US" smtClean="0"/>
-              <a:t>48</a:t>
-            </a:fld>
-            <a:endParaRPr lang="en-US"/>
-          </a:p>
-        </p:txBody>
-      </p:sp>
-    </p:spTree>
-    <p:extLst>
-      <p:ext uri="{BB962C8B-B14F-4D97-AF65-F5344CB8AC3E}">
-        <p14:creationId xmlns:p14="http://schemas.microsoft.com/office/powerpoint/2010/main" val="2678675720"/>
-      </p:ext>
-    </p:extLst>
-  </p:cSld>
-  <p:clrMapOvr>
-    <a:masterClrMapping/>
-  </p:clrMapOvr>
-  <p:timing>
-    <p:tnLst>
-      <p:par>
-        <p:cTn id="1" dur="indefinite" restart="never" nodeType="tmRoot"/>
-      </p:par>
-    </p:tnLst>
-  </p:timing>
-</p:sld>
-</file>
-
-<file path=ppt/slides/slide49.xml><?xml version="1.0" encoding="utf-8"?>
-<p:sld xmlns:a="http://schemas.openxmlformats.org/drawingml/2006/main" xmlns:r="http://schemas.openxmlformats.org/officeDocument/2006/relationships" xmlns:p="http://schemas.openxmlformats.org/presentationml/2006/main">
-  <p:cSld>
-    <p:spTree>
-      <p:nvGrpSpPr>
-        <p:cNvPr id="1" name=""/>
-        <p:cNvGrpSpPr/>
-        <p:nvPr/>
-      </p:nvGrpSpPr>
-      <p:grpSpPr>
-        <a:xfrm>
-          <a:off x="0" y="0"/>
-          <a:ext cx="0" cy="0"/>
-          <a:chOff x="0" y="0"/>
-          <a:chExt cx="0" cy="0"/>
-        </a:xfrm>
-      </p:grpSpPr>
-      <p:sp>
-        <p:nvSpPr>
-          <p:cNvPr id="2" name="Title 1"/>
-          <p:cNvSpPr>
-            <a:spLocks noGrp="1"/>
-          </p:cNvSpPr>
-          <p:nvPr>
-            <p:ph type="title"/>
-          </p:nvPr>
-        </p:nvSpPr>
-        <p:spPr>
-          <a:xfrm>
-            <a:off x="457200" y="152400"/>
-            <a:ext cx="8229600" cy="609600"/>
-          </a:xfrm>
-        </p:spPr>
-        <p:txBody>
-          <a:bodyPr>
-            <a:normAutofit fontScale="90000"/>
-          </a:bodyPr>
-          <a:lstStyle/>
-          <a:p>
-            <a:r>
-              <a:rPr lang="en-US" sz="3600" cap="small" dirty="0" smtClean="0"/>
-              <a:t/>
-            </a:r>
-            <a:br>
-              <a:rPr lang="en-US" sz="3600" cap="small" dirty="0" smtClean="0"/>
-            </a:br>
-            <a:r>
-              <a:rPr lang="en-US" sz="3600" cap="small" dirty="0" smtClean="0"/>
-              <a:t>References</a:t>
-            </a:r>
-            <a:r>
-              <a:rPr lang="en-US" sz="3600" cap="small" dirty="0"/>
-              <a:t/>
-            </a:r>
-            <a:br>
-              <a:rPr lang="en-US" sz="3600" cap="small" dirty="0"/>
-            </a:br>
-            <a:endParaRPr lang="en-US" sz="4100" dirty="0"/>
-          </a:p>
-        </p:txBody>
-      </p:sp>
-      <p:sp>
-        <p:nvSpPr>
-          <p:cNvPr id="3" name="Content Placeholder 2"/>
-          <p:cNvSpPr>
-            <a:spLocks noGrp="1"/>
-          </p:cNvSpPr>
-          <p:nvPr>
-            <p:ph idx="1"/>
-          </p:nvPr>
-        </p:nvSpPr>
-        <p:spPr>
-          <a:xfrm>
-            <a:off x="533400" y="1066800"/>
-            <a:ext cx="7696200" cy="5105400"/>
-          </a:xfrm>
-        </p:spPr>
-        <p:txBody>
-          <a:bodyPr>
-            <a:normAutofit fontScale="40000" lnSpcReduction="20000"/>
-          </a:bodyPr>
-          <a:lstStyle/>
-          <a:p>
-            <a:pPr lvl="0"/>
-            <a:r>
-              <a:rPr lang="en-US" sz="2700" dirty="0"/>
-              <a:t>D. Berndt, J. Clifford, “Finding patterns in time series: a dynamic programming approach”, Journal of Advances in Knowledge Discovery and Data Mining, AAA/MIT Press, Menlo Park, CA, pp. 229-248, 1996.</a:t>
-            </a:r>
-          </a:p>
-          <a:p>
-            <a:pPr lvl="0"/>
-            <a:r>
-              <a:rPr lang="en-US" sz="2700" dirty="0"/>
-              <a:t>Y. Bu, T.W. Leung, A. Fu, E. Keogh, J. Pei, and S. </a:t>
-            </a:r>
-            <a:r>
-              <a:rPr lang="en-US" sz="2700" dirty="0" err="1"/>
-              <a:t>Meshkin</a:t>
-            </a:r>
-            <a:r>
-              <a:rPr lang="en-US" sz="2700" dirty="0"/>
-              <a:t>, “WAT: Finding top-K discords in time series database”, Proceedings of the 2007 SIAM International Conference on Data Mining (SDM'07), Minneapolis, MN, USA, April 26-28, 2007.</a:t>
-            </a:r>
-          </a:p>
-          <a:p>
-            <a:pPr lvl="0"/>
-            <a:r>
-              <a:rPr lang="en-US" sz="2700" dirty="0"/>
-              <a:t>V. T. </a:t>
-            </a:r>
-            <a:r>
-              <a:rPr lang="en-US" sz="2700" dirty="0" err="1"/>
-              <a:t>Huy</a:t>
-            </a:r>
-            <a:r>
-              <a:rPr lang="en-US" sz="2700" dirty="0"/>
-              <a:t>, “Anytime k-</a:t>
-            </a:r>
-            <a:r>
-              <a:rPr lang="en-US" sz="2700" dirty="0" err="1"/>
-              <a:t>medoids</a:t>
-            </a:r>
-            <a:r>
-              <a:rPr lang="en-US" sz="2700" dirty="0"/>
-              <a:t> clustering of time series under dynamic time warping using an approximation technique”, Master Thesis, Faculty of Computer Science and Engineering, Ho Chi Minh City University of Technology, Vietnam, 2015.</a:t>
-            </a:r>
-          </a:p>
-          <a:p>
-            <a:pPr lvl="0"/>
-            <a:r>
-              <a:rPr lang="en-US" sz="2700" dirty="0"/>
-              <a:t>E. Keogh, “Exact indexing of dynamic time warping”, Proceedings of 28th International Conference on Very Large Data Bases , Hong Kong,  pp. 406-417, 2002.</a:t>
-            </a:r>
-          </a:p>
-          <a:p>
-            <a:pPr lvl="0"/>
-            <a:r>
-              <a:rPr lang="en-US" sz="2700" dirty="0"/>
-              <a:t>E. Keogh, J. Lin, and A. Fu, “HOT SAX: efficiently finding the most unusual time series subsequence”, Proc. of 5th  ICDM, Houston, Texas, pp. 226–233, 2005.</a:t>
-            </a:r>
-          </a:p>
-          <a:p>
-            <a:pPr lvl="0"/>
-            <a:r>
-              <a:rPr lang="en-US" sz="2700" dirty="0"/>
-              <a:t>E. Keogh, www.cs.ucr.edu/~eamonn/discords/ (accessed on January 24 - 2015).</a:t>
-            </a:r>
-          </a:p>
-          <a:p>
-            <a:pPr lvl="0"/>
-            <a:r>
-              <a:rPr lang="en-US" sz="2700" dirty="0"/>
-              <a:t>N.H. </a:t>
-            </a:r>
-            <a:r>
-              <a:rPr lang="en-US" sz="2700" dirty="0" err="1"/>
-              <a:t>Kha</a:t>
-            </a:r>
-            <a:r>
-              <a:rPr lang="en-US" sz="2700" dirty="0"/>
-              <a:t>  and D. T. Anh,  “From cluster-based outlier detection to time series discord discovery”, In: Trends and Applications in Knowledge Discovery and Data Mining – PAKDD 2015 Workshops: </a:t>
-            </a:r>
-            <a:r>
-              <a:rPr lang="en-US" sz="2700" dirty="0" err="1"/>
-              <a:t>Big_PMA</a:t>
-            </a:r>
-            <a:r>
-              <a:rPr lang="en-US" sz="2700" dirty="0"/>
-              <a:t>, VLSP, QIMIE, BAEBH, Ho Chi Minh City, Vietnam, May 19-21, X. L. Li et al. (Eds.), LNAI 9441, Springer, pp. 16-28,  2015.</a:t>
-            </a:r>
-          </a:p>
-          <a:p>
-            <a:pPr lvl="0"/>
-            <a:r>
-              <a:rPr lang="en-US" sz="2700" dirty="0"/>
-              <a:t>D. </a:t>
-            </a:r>
-            <a:r>
-              <a:rPr lang="en-US" sz="2700" dirty="0" err="1"/>
-              <a:t>Lemire</a:t>
-            </a:r>
-            <a:r>
-              <a:rPr lang="en-US" sz="2700" dirty="0"/>
-              <a:t>,   “Faster retrieval with a two-pass dynamic-time-warping lower bound”, Pattern Recognition, vol. 42, no. 9, pp. 2169-2180, 2009.</a:t>
-            </a:r>
-          </a:p>
-          <a:p>
-            <a:pPr lvl="0"/>
-            <a:r>
-              <a:rPr lang="en-US" sz="2700" dirty="0"/>
-              <a:t>M. </a:t>
-            </a:r>
-            <a:r>
-              <a:rPr lang="en-US" sz="2700" dirty="0" err="1"/>
-              <a:t>Leng</a:t>
-            </a:r>
-            <a:r>
-              <a:rPr lang="en-US" sz="2700" dirty="0"/>
-              <a:t>, X. Chen and L. Li, “Variable length methods for detecting anomaly patterns in time series”, Proc. of Int. Symposium on. Computational Intelligence and Design (ISCID'08), Vol. 2, 2008.</a:t>
-            </a:r>
-          </a:p>
-          <a:p>
-            <a:pPr lvl="0"/>
-            <a:r>
-              <a:rPr lang="en-US" sz="2700" dirty="0"/>
-              <a:t>G. Li, O. </a:t>
-            </a:r>
-            <a:r>
-              <a:rPr lang="en-US" sz="2700" dirty="0" err="1"/>
-              <a:t>Braysy</a:t>
-            </a:r>
-            <a:r>
-              <a:rPr lang="en-US" sz="2700" dirty="0"/>
-              <a:t>, L. Jiang, Z. Wu, Y. Wang, “Finding time series discord based on bit representation clustering”, Knowledge-Based Systems, vol.52, pp. 243-254, 2013.</a:t>
-            </a:r>
-          </a:p>
-          <a:p>
-            <a:pPr lvl="0"/>
-            <a:r>
-              <a:rPr lang="en-US" sz="2700" dirty="0"/>
-              <a:t>A. L. I. Oliveira, F.B.L. </a:t>
-            </a:r>
-            <a:r>
-              <a:rPr lang="en-US" sz="2700" dirty="0" err="1"/>
-              <a:t>Neto</a:t>
-            </a:r>
-            <a:r>
-              <a:rPr lang="en-US" sz="2700" dirty="0"/>
-              <a:t>, and S.R. L. </a:t>
-            </a:r>
-            <a:r>
-              <a:rPr lang="en-US" sz="2700" dirty="0" err="1"/>
-              <a:t>Meira</a:t>
-            </a:r>
-            <a:r>
-              <a:rPr lang="en-US" sz="2700" dirty="0"/>
-              <a:t>., “A method based on RBF-DAA neural network for improving Novelty detection in time series”, Proc. of 17</a:t>
-            </a:r>
-            <a:r>
-              <a:rPr lang="en-US" sz="2700" baseline="30000" dirty="0"/>
-              <a:t>th</a:t>
-            </a:r>
-            <a:r>
-              <a:rPr lang="en-US" sz="2700" dirty="0"/>
-              <a:t> International FLAIRS Conference, AAAI Press, Miami Beach, Florida, USA, 2004.</a:t>
-            </a:r>
-          </a:p>
-          <a:p>
-            <a:pPr lvl="0"/>
-            <a:r>
-              <a:rPr lang="en-US" sz="2700" dirty="0"/>
-              <a:t>K. B. Pratt and E. Fink, “Search for patterns in compressed time series”, International Journal of Image and Graphics , vol. 2, no. 1, pp. 89-106, 2002.</a:t>
-            </a:r>
-          </a:p>
-          <a:p>
-            <a:pPr lvl="0"/>
-            <a:r>
-              <a:rPr lang="en-US" sz="2700" dirty="0"/>
-              <a:t>H. </a:t>
-            </a:r>
-            <a:r>
-              <a:rPr lang="en-US" sz="2700" dirty="0" err="1"/>
-              <a:t>Sakoe</a:t>
-            </a:r>
-            <a:r>
-              <a:rPr lang="en-US" sz="2700" dirty="0"/>
-              <a:t> and S. Chiba, “Dynamic programming algorithm optimization for spoken word recognition”, IEEE Trans. Acoustics, Speech, and Signal Proc., vol. ASSP-26, pp. 43-49, 1978.</a:t>
-            </a:r>
-          </a:p>
-          <a:p>
-            <a:pPr lvl="0"/>
-            <a:r>
-              <a:rPr lang="en-US" sz="2700" dirty="0"/>
-              <a:t>S. Salvador, P. Chan, “Learning states and rules for time series anomaly detection”, Applied Intelligence, vol. 23, no.3, pp. 241 -255. 2005.</a:t>
-            </a:r>
-          </a:p>
-          <a:p>
-            <a:pPr lvl="0"/>
-            <a:r>
-              <a:rPr lang="en-US" sz="2700" dirty="0"/>
-              <a:t>C. D. Truong, H. N. Tin, D. T. Anh,  “ Combining motif information and neural network for time series prediction”, Int. Journal of Business Intelligence and Data Mining,  vol. 7, no. 4, pp. 318-339, 2012.</a:t>
-            </a:r>
-          </a:p>
-          <a:p>
-            <a:endParaRPr lang="en-US" sz="2000" dirty="0"/>
-          </a:p>
-        </p:txBody>
-      </p:sp>
-      <p:sp>
-        <p:nvSpPr>
-          <p:cNvPr id="4" name="Slide Number Placeholder 3"/>
-          <p:cNvSpPr>
-            <a:spLocks noGrp="1"/>
-          </p:cNvSpPr>
-          <p:nvPr>
-            <p:ph type="sldNum" sz="quarter" idx="12"/>
-          </p:nvPr>
-        </p:nvSpPr>
-        <p:spPr/>
-        <p:txBody>
-          <a:bodyPr/>
-          <a:lstStyle/>
-          <a:p>
-            <a:fld id="{38324C1E-6E2F-465B-B7AC-362036DEB808}" type="slidenum">
-              <a:rPr lang="en-US" smtClean="0"/>
-              <a:t>49</a:t>
-            </a:fld>
-            <a:endParaRPr lang="en-US"/>
-          </a:p>
-        </p:txBody>
-      </p:sp>
-    </p:spTree>
-    <p:extLst>
-      <p:ext uri="{BB962C8B-B14F-4D97-AF65-F5344CB8AC3E}">
-        <p14:creationId xmlns:p14="http://schemas.microsoft.com/office/powerpoint/2010/main" val="3386409769"/>
-      </p:ext>
-    </p:extLst>
-  </p:cSld>
-  <p:clrMapOvr>
-    <a:masterClrMapping/>
-  </p:clrMapOvr>
-  <p:timing>
-    <p:tnLst>
-      <p:par>
-        <p:cTn id="1" dur="indefinite" restart="never" nodeType="tmRoot"/>
-      </p:par>
-    </p:tnLst>
-  </p:timing>
-</p:sld>
-</file>
-
 <file path=ppt/slides/slide5.xml><?xml version="1.0" encoding="utf-8"?>
 <p:sld xmlns:a="http://schemas.openxmlformats.org/drawingml/2006/main" xmlns:r="http://schemas.openxmlformats.org/officeDocument/2006/relationships" xmlns:p="http://schemas.openxmlformats.org/presentationml/2006/main">
   <p:cSld>
@@ -12376,6 +12062,587 @@
             <p:ph type="title"/>
           </p:nvPr>
         </p:nvSpPr>
+        <p:spPr/>
+        <p:txBody>
+          <a:bodyPr/>
+          <a:lstStyle/>
+          <a:p>
+            <a:r>
+              <a:rPr lang="en-US" dirty="0" smtClean="0"/>
+              <a:t>Conclusion</a:t>
+            </a:r>
+            <a:endParaRPr lang="en-US" dirty="0"/>
+          </a:p>
+        </p:txBody>
+      </p:sp>
+      <p:sp>
+        <p:nvSpPr>
+          <p:cNvPr id="3" name="Content Placeholder 2"/>
+          <p:cNvSpPr>
+            <a:spLocks noGrp="1"/>
+          </p:cNvSpPr>
+          <p:nvPr>
+            <p:ph idx="1"/>
+          </p:nvPr>
+        </p:nvSpPr>
+        <p:spPr/>
+        <p:txBody>
+          <a:bodyPr>
+            <a:normAutofit fontScale="77500" lnSpcReduction="20000"/>
+          </a:bodyPr>
+          <a:lstStyle/>
+          <a:p>
+            <a:r>
+              <a:rPr lang="en-US" dirty="0" smtClean="0"/>
+              <a:t>VL_QR|HT </a:t>
+            </a:r>
+            <a:r>
+              <a:rPr lang="en-US" dirty="0"/>
+              <a:t>and </a:t>
+            </a:r>
+            <a:r>
+              <a:rPr lang="en-US" dirty="0" smtClean="0"/>
+              <a:t>VL_EP|HT bring </a:t>
+            </a:r>
+            <a:r>
+              <a:rPr lang="en-US" dirty="0"/>
+              <a:t>out a remarkable improvement for the original algorithm in time efficiency without compromising anomaly detection accuracy. </a:t>
+            </a:r>
+            <a:endParaRPr lang="en-US" dirty="0" smtClean="0"/>
+          </a:p>
+          <a:p>
+            <a:r>
+              <a:rPr lang="en-US" dirty="0" smtClean="0"/>
+              <a:t>Experimental </a:t>
+            </a:r>
+            <a:r>
+              <a:rPr lang="en-US" dirty="0"/>
+              <a:t>results on eight datasets demonstrate </a:t>
+            </a:r>
+            <a:r>
+              <a:rPr lang="en-US" dirty="0" smtClean="0"/>
+              <a:t>these algorithms </a:t>
+            </a:r>
+            <a:r>
+              <a:rPr lang="en-US" dirty="0"/>
+              <a:t>outperform the VL_QR|DTW in time efficiency. </a:t>
+            </a:r>
+            <a:endParaRPr lang="en-US" dirty="0" smtClean="0"/>
+          </a:p>
+          <a:p>
+            <a:r>
+              <a:rPr lang="en-US" dirty="0" smtClean="0"/>
+              <a:t>Not </a:t>
+            </a:r>
+            <a:r>
+              <a:rPr lang="en-US" dirty="0"/>
+              <a:t>easy to estimate the regression error threshold </a:t>
+            </a:r>
+            <a:r>
+              <a:rPr lang="en-US" i="1" dirty="0">
+                <a:sym typeface="Symbol"/>
+              </a:rPr>
+              <a:t></a:t>
+            </a:r>
+            <a:r>
+              <a:rPr lang="en-US" i="1" baseline="-25000" dirty="0"/>
+              <a:t>1</a:t>
+            </a:r>
+            <a:r>
+              <a:rPr lang="en-US" baseline="-25000" dirty="0"/>
+              <a:t> </a:t>
+            </a:r>
+            <a:r>
+              <a:rPr lang="en-US" dirty="0"/>
+              <a:t>and the non-self match threshold </a:t>
+            </a:r>
+            <a:r>
+              <a:rPr lang="en-US" i="1" dirty="0">
+                <a:sym typeface="Symbol"/>
+              </a:rPr>
+              <a:t></a:t>
+            </a:r>
+            <a:r>
+              <a:rPr lang="en-US" i="1" baseline="-25000" dirty="0"/>
+              <a:t>2</a:t>
+            </a:r>
+            <a:r>
+              <a:rPr lang="en-US" baseline="-25000" dirty="0"/>
+              <a:t> </a:t>
+            </a:r>
+            <a:r>
+              <a:rPr lang="en-US" dirty="0"/>
+              <a:t>in the segmentation phase </a:t>
+            </a:r>
+            <a:r>
+              <a:rPr lang="en-US" dirty="0" smtClean="0"/>
+              <a:t>of </a:t>
+            </a:r>
+            <a:r>
+              <a:rPr lang="en-US" dirty="0"/>
+              <a:t>VL_QR|HT.  </a:t>
+            </a:r>
+            <a:endParaRPr lang="en-US" dirty="0" smtClean="0"/>
+          </a:p>
+          <a:p>
+            <a:r>
+              <a:rPr lang="en-US" dirty="0" smtClean="0"/>
+              <a:t>Not </a:t>
+            </a:r>
+            <a:r>
+              <a:rPr lang="en-US" dirty="0"/>
+              <a:t>easy to find </a:t>
+            </a:r>
+            <a:r>
+              <a:rPr lang="en-US" dirty="0" smtClean="0"/>
+              <a:t>the </a:t>
+            </a:r>
+            <a:r>
+              <a:rPr lang="en-US" i="1" dirty="0" smtClean="0"/>
+              <a:t>R</a:t>
+            </a:r>
+            <a:r>
+              <a:rPr lang="en-US" dirty="0" smtClean="0"/>
+              <a:t> </a:t>
+            </a:r>
+            <a:r>
+              <a:rPr lang="en-US" dirty="0"/>
+              <a:t>in </a:t>
+            </a:r>
+            <a:r>
+              <a:rPr lang="en-US" dirty="0" smtClean="0"/>
+              <a:t>VL_EP|HT</a:t>
+            </a:r>
+            <a:r>
+              <a:rPr lang="en-US" dirty="0"/>
+              <a:t>.</a:t>
+            </a:r>
+          </a:p>
+          <a:p>
+            <a:r>
+              <a:rPr lang="en-US" dirty="0"/>
+              <a:t>F</a:t>
+            </a:r>
+            <a:r>
+              <a:rPr lang="en-US" dirty="0" smtClean="0"/>
+              <a:t>uture work:  apply </a:t>
+            </a:r>
+            <a:r>
+              <a:rPr lang="en-US" dirty="0"/>
+              <a:t>some more advanced method of time series </a:t>
+            </a:r>
+            <a:r>
+              <a:rPr lang="en-US" dirty="0" smtClean="0"/>
+              <a:t>segmentation.</a:t>
+            </a:r>
+            <a:endParaRPr lang="en-US" dirty="0"/>
+          </a:p>
+          <a:p>
+            <a:endParaRPr lang="en-US" dirty="0"/>
+          </a:p>
+        </p:txBody>
+      </p:sp>
+      <p:sp>
+        <p:nvSpPr>
+          <p:cNvPr id="4" name="Slide Number Placeholder 3"/>
+          <p:cNvSpPr>
+            <a:spLocks noGrp="1"/>
+          </p:cNvSpPr>
+          <p:nvPr>
+            <p:ph type="sldNum" sz="quarter" idx="12"/>
+          </p:nvPr>
+        </p:nvSpPr>
+        <p:spPr/>
+        <p:txBody>
+          <a:bodyPr/>
+          <a:lstStyle/>
+          <a:p>
+            <a:fld id="{38324C1E-6E2F-465B-B7AC-362036DEB808}" type="slidenum">
+              <a:rPr lang="en-US" smtClean="0"/>
+              <a:t>50</a:t>
+            </a:fld>
+            <a:endParaRPr lang="en-US"/>
+          </a:p>
+        </p:txBody>
+      </p:sp>
+    </p:spTree>
+    <p:extLst>
+      <p:ext uri="{BB962C8B-B14F-4D97-AF65-F5344CB8AC3E}">
+        <p14:creationId xmlns:p14="http://schemas.microsoft.com/office/powerpoint/2010/main" val="2678675720"/>
+      </p:ext>
+    </p:extLst>
+  </p:cSld>
+  <p:clrMapOvr>
+    <a:masterClrMapping/>
+  </p:clrMapOvr>
+  <p:timing>
+    <p:tnLst>
+      <p:par>
+        <p:cTn id="1" dur="indefinite" restart="never" nodeType="tmRoot"/>
+      </p:par>
+    </p:tnLst>
+  </p:timing>
+</p:sld>
+</file>
+
+<file path=ppt/slides/slide51.xml><?xml version="1.0" encoding="utf-8"?>
+<p:sld xmlns:a="http://schemas.openxmlformats.org/drawingml/2006/main" xmlns:r="http://schemas.openxmlformats.org/officeDocument/2006/relationships" xmlns:p="http://schemas.openxmlformats.org/presentationml/2006/main">
+  <p:cSld>
+    <p:spTree>
+      <p:nvGrpSpPr>
+        <p:cNvPr id="1" name=""/>
+        <p:cNvGrpSpPr/>
+        <p:nvPr/>
+      </p:nvGrpSpPr>
+      <p:grpSpPr>
+        <a:xfrm>
+          <a:off x="0" y="0"/>
+          <a:ext cx="0" cy="0"/>
+          <a:chOff x="0" y="0"/>
+          <a:chExt cx="0" cy="0"/>
+        </a:xfrm>
+      </p:grpSpPr>
+      <p:sp>
+        <p:nvSpPr>
+          <p:cNvPr id="2" name="Title 1"/>
+          <p:cNvSpPr>
+            <a:spLocks noGrp="1"/>
+          </p:cNvSpPr>
+          <p:nvPr>
+            <p:ph type="title"/>
+          </p:nvPr>
+        </p:nvSpPr>
+        <p:spPr>
+          <a:xfrm>
+            <a:off x="457200" y="152400"/>
+            <a:ext cx="8229600" cy="609600"/>
+          </a:xfrm>
+        </p:spPr>
+        <p:txBody>
+          <a:bodyPr>
+            <a:normAutofit fontScale="90000"/>
+          </a:bodyPr>
+          <a:lstStyle/>
+          <a:p>
+            <a:r>
+              <a:rPr lang="en-US" sz="3600" cap="small" dirty="0" smtClean="0"/>
+              <a:t/>
+            </a:r>
+            <a:br>
+              <a:rPr lang="en-US" sz="3600" cap="small" dirty="0" smtClean="0"/>
+            </a:br>
+            <a:r>
+              <a:rPr lang="en-US" sz="3600" cap="small" dirty="0" smtClean="0"/>
+              <a:t>References</a:t>
+            </a:r>
+            <a:r>
+              <a:rPr lang="en-US" sz="3600" cap="small" dirty="0"/>
+              <a:t/>
+            </a:r>
+            <a:br>
+              <a:rPr lang="en-US" sz="3600" cap="small" dirty="0"/>
+            </a:br>
+            <a:endParaRPr lang="en-US" sz="4100" dirty="0"/>
+          </a:p>
+        </p:txBody>
+      </p:sp>
+      <p:sp>
+        <p:nvSpPr>
+          <p:cNvPr id="3" name="Content Placeholder 2"/>
+          <p:cNvSpPr>
+            <a:spLocks noGrp="1"/>
+          </p:cNvSpPr>
+          <p:nvPr>
+            <p:ph idx="1"/>
+          </p:nvPr>
+        </p:nvSpPr>
+        <p:spPr>
+          <a:xfrm>
+            <a:off x="533400" y="1066800"/>
+            <a:ext cx="7696200" cy="5105400"/>
+          </a:xfrm>
+        </p:spPr>
+        <p:txBody>
+          <a:bodyPr>
+            <a:normAutofit fontScale="40000" lnSpcReduction="20000"/>
+          </a:bodyPr>
+          <a:lstStyle/>
+          <a:p>
+            <a:pPr lvl="0"/>
+            <a:r>
+              <a:rPr lang="en-US" sz="2700" dirty="0"/>
+              <a:t>D. Berndt, J. Clifford, “Finding patterns in time series: a dynamic programming approach”, Journal of Advances in Knowledge Discovery and Data Mining, AAA/MIT Press, Menlo Park, CA, pp. 229-248, 1996.</a:t>
+            </a:r>
+          </a:p>
+          <a:p>
+            <a:pPr lvl="0"/>
+            <a:r>
+              <a:rPr lang="en-US" sz="2700" dirty="0"/>
+              <a:t>Y. Bu, T.W. Leung, A. Fu, E. Keogh, J. Pei, and S. </a:t>
+            </a:r>
+            <a:r>
+              <a:rPr lang="en-US" sz="2700" dirty="0" err="1"/>
+              <a:t>Meshkin</a:t>
+            </a:r>
+            <a:r>
+              <a:rPr lang="en-US" sz="2700" dirty="0"/>
+              <a:t>, “WAT: Finding top-K discords in time series database”, Proceedings of the 2007 SIAM International Conference on Data Mining (SDM'07), Minneapolis, MN, USA, April 26-28, 2007.</a:t>
+            </a:r>
+          </a:p>
+          <a:p>
+            <a:pPr lvl="0"/>
+            <a:r>
+              <a:rPr lang="en-US" sz="2700" dirty="0"/>
+              <a:t>V. T. </a:t>
+            </a:r>
+            <a:r>
+              <a:rPr lang="en-US" sz="2700" dirty="0" err="1"/>
+              <a:t>Huy</a:t>
+            </a:r>
+            <a:r>
+              <a:rPr lang="en-US" sz="2700" dirty="0"/>
+              <a:t>, “Anytime k-</a:t>
+            </a:r>
+            <a:r>
+              <a:rPr lang="en-US" sz="2700" dirty="0" err="1"/>
+              <a:t>medoids</a:t>
+            </a:r>
+            <a:r>
+              <a:rPr lang="en-US" sz="2700" dirty="0"/>
+              <a:t> clustering of time series under dynamic time warping using an approximation technique”, Master Thesis, Faculty of Computer Science and Engineering, Ho Chi Minh City University of Technology, Vietnam, 2015.</a:t>
+            </a:r>
+          </a:p>
+          <a:p>
+            <a:pPr lvl="0"/>
+            <a:r>
+              <a:rPr lang="en-US" sz="2700" dirty="0"/>
+              <a:t>E. Keogh, “Exact indexing of dynamic time warping”, Proceedings of 28th International Conference on Very Large Data Bases , Hong Kong,  pp. 406-417, 2002.</a:t>
+            </a:r>
+          </a:p>
+          <a:p>
+            <a:pPr lvl="0"/>
+            <a:r>
+              <a:rPr lang="en-US" sz="2700" dirty="0"/>
+              <a:t>E. Keogh, J. Lin, and A. Fu, “HOT SAX: efficiently finding the most unusual time series subsequence”, Proc. of 5th  ICDM, Houston, Texas, pp. 226–233, 2005.</a:t>
+            </a:r>
+          </a:p>
+          <a:p>
+            <a:pPr lvl="0"/>
+            <a:r>
+              <a:rPr lang="en-US" sz="2700" dirty="0"/>
+              <a:t>E. Keogh, www.cs.ucr.edu/~eamonn/discords/ (accessed on January 24 - 2015).</a:t>
+            </a:r>
+          </a:p>
+          <a:p>
+            <a:pPr lvl="0"/>
+            <a:r>
+              <a:rPr lang="en-US" sz="2700" dirty="0"/>
+              <a:t>N.H. </a:t>
+            </a:r>
+            <a:r>
+              <a:rPr lang="en-US" sz="2700" dirty="0" err="1"/>
+              <a:t>Kha</a:t>
+            </a:r>
+            <a:r>
+              <a:rPr lang="en-US" sz="2700" dirty="0"/>
+              <a:t>  and D. T. Anh,  “From cluster-based outlier detection to time series discord discovery”, In: Trends and Applications in Knowledge Discovery and Data Mining – PAKDD 2015 Workshops: </a:t>
+            </a:r>
+            <a:r>
+              <a:rPr lang="en-US" sz="2700" dirty="0" err="1"/>
+              <a:t>Big_PMA</a:t>
+            </a:r>
+            <a:r>
+              <a:rPr lang="en-US" sz="2700" dirty="0"/>
+              <a:t>, VLSP, QIMIE, BAEBH, Ho Chi Minh City, Vietnam, May 19-21, X. L. Li et al. (Eds.), LNAI 9441, Springer, pp. 16-28,  2015.</a:t>
+            </a:r>
+          </a:p>
+          <a:p>
+            <a:pPr lvl="0"/>
+            <a:r>
+              <a:rPr lang="en-US" sz="2700" dirty="0"/>
+              <a:t>D. </a:t>
+            </a:r>
+            <a:r>
+              <a:rPr lang="en-US" sz="2700" dirty="0" err="1"/>
+              <a:t>Lemire</a:t>
+            </a:r>
+            <a:r>
+              <a:rPr lang="en-US" sz="2700" dirty="0"/>
+              <a:t>,   “Faster retrieval with a two-pass dynamic-time-warping lower bound”, Pattern Recognition, vol. 42, no. 9, pp. 2169-2180, 2009.</a:t>
+            </a:r>
+          </a:p>
+          <a:p>
+            <a:pPr lvl="0"/>
+            <a:r>
+              <a:rPr lang="en-US" sz="2700" dirty="0"/>
+              <a:t>M. </a:t>
+            </a:r>
+            <a:r>
+              <a:rPr lang="en-US" sz="2700" dirty="0" err="1"/>
+              <a:t>Leng</a:t>
+            </a:r>
+            <a:r>
+              <a:rPr lang="en-US" sz="2700" dirty="0"/>
+              <a:t>, X. Chen and L. Li, “Variable length methods for detecting anomaly patterns in time series”, Proc. of Int. Symposium on. Computational Intelligence and Design (ISCID'08), Vol. 2, 2008.</a:t>
+            </a:r>
+          </a:p>
+          <a:p>
+            <a:pPr lvl="0"/>
+            <a:r>
+              <a:rPr lang="en-US" sz="2700" dirty="0"/>
+              <a:t>G. Li, O. </a:t>
+            </a:r>
+            <a:r>
+              <a:rPr lang="en-US" sz="2700" dirty="0" err="1"/>
+              <a:t>Braysy</a:t>
+            </a:r>
+            <a:r>
+              <a:rPr lang="en-US" sz="2700" dirty="0"/>
+              <a:t>, L. Jiang, Z. Wu, Y. Wang, “Finding time series discord based on bit representation clustering”, Knowledge-Based Systems, vol.52, pp. 243-254, 2013.</a:t>
+            </a:r>
+          </a:p>
+          <a:p>
+            <a:pPr lvl="0"/>
+            <a:r>
+              <a:rPr lang="en-US" sz="2700" dirty="0"/>
+              <a:t>A. L. I. Oliveira, F.B.L. </a:t>
+            </a:r>
+            <a:r>
+              <a:rPr lang="en-US" sz="2700" dirty="0" err="1"/>
+              <a:t>Neto</a:t>
+            </a:r>
+            <a:r>
+              <a:rPr lang="en-US" sz="2700" dirty="0"/>
+              <a:t>, and S.R. L. </a:t>
+            </a:r>
+            <a:r>
+              <a:rPr lang="en-US" sz="2700" dirty="0" err="1"/>
+              <a:t>Meira</a:t>
+            </a:r>
+            <a:r>
+              <a:rPr lang="en-US" sz="2700" dirty="0"/>
+              <a:t>., “A method based on RBF-DAA neural network for improving Novelty detection in time series”, Proc. of 17</a:t>
+            </a:r>
+            <a:r>
+              <a:rPr lang="en-US" sz="2700" baseline="30000" dirty="0"/>
+              <a:t>th</a:t>
+            </a:r>
+            <a:r>
+              <a:rPr lang="en-US" sz="2700" dirty="0"/>
+              <a:t> International FLAIRS Conference, AAAI Press, Miami Beach, Florida, USA, 2004.</a:t>
+            </a:r>
+          </a:p>
+          <a:p>
+            <a:pPr lvl="0"/>
+            <a:r>
+              <a:rPr lang="en-US" sz="2700" dirty="0"/>
+              <a:t>K. B. Pratt and E. Fink, “Search for patterns in compressed time series”, International Journal of Image and Graphics , vol. 2, no. 1, pp. 89-106, 2002.</a:t>
+            </a:r>
+          </a:p>
+          <a:p>
+            <a:pPr lvl="0"/>
+            <a:r>
+              <a:rPr lang="en-US" sz="2700" dirty="0"/>
+              <a:t>H. </a:t>
+            </a:r>
+            <a:r>
+              <a:rPr lang="en-US" sz="2700" dirty="0" err="1"/>
+              <a:t>Sakoe</a:t>
+            </a:r>
+            <a:r>
+              <a:rPr lang="en-US" sz="2700" dirty="0"/>
+              <a:t> and S. Chiba, “Dynamic programming algorithm optimization for spoken word recognition”, IEEE Trans. Acoustics, Speech, and Signal Proc., vol. ASSP-26, pp. 43-49, 1978.</a:t>
+            </a:r>
+          </a:p>
+          <a:p>
+            <a:pPr lvl="0"/>
+            <a:r>
+              <a:rPr lang="en-US" sz="2700" dirty="0"/>
+              <a:t>S. Salvador, P. Chan, “Learning states and rules for time series anomaly detection”, Applied Intelligence, vol. 23, no.3, pp. 241 -255. 2005.</a:t>
+            </a:r>
+          </a:p>
+          <a:p>
+            <a:pPr lvl="0"/>
+            <a:r>
+              <a:rPr lang="en-US" sz="2700" dirty="0"/>
+              <a:t>C. D. Truong, H. N. Tin, D. T. Anh,  “ Combining motif information and neural network for time series prediction”, Int. Journal of Business Intelligence and Data Mining,  vol. 7, no. 4, pp. 318-339, 2012.</a:t>
+            </a:r>
+          </a:p>
+          <a:p>
+            <a:endParaRPr lang="en-US" sz="2000" dirty="0"/>
+          </a:p>
+        </p:txBody>
+      </p:sp>
+      <p:sp>
+        <p:nvSpPr>
+          <p:cNvPr id="4" name="Slide Number Placeholder 3"/>
+          <p:cNvSpPr>
+            <a:spLocks noGrp="1"/>
+          </p:cNvSpPr>
+          <p:nvPr>
+            <p:ph type="sldNum" sz="quarter" idx="12"/>
+          </p:nvPr>
+        </p:nvSpPr>
+        <p:spPr/>
+        <p:txBody>
+          <a:bodyPr/>
+          <a:lstStyle/>
+          <a:p>
+            <a:fld id="{38324C1E-6E2F-465B-B7AC-362036DEB808}" type="slidenum">
+              <a:rPr lang="en-US" smtClean="0"/>
+              <a:t>51</a:t>
+            </a:fld>
+            <a:endParaRPr lang="en-US"/>
+          </a:p>
+        </p:txBody>
+      </p:sp>
+    </p:spTree>
+    <p:extLst>
+      <p:ext uri="{BB962C8B-B14F-4D97-AF65-F5344CB8AC3E}">
+        <p14:creationId xmlns:p14="http://schemas.microsoft.com/office/powerpoint/2010/main" val="3386409769"/>
+      </p:ext>
+    </p:extLst>
+  </p:cSld>
+  <p:clrMapOvr>
+    <a:masterClrMapping/>
+  </p:clrMapOvr>
+  <p:timing>
+    <p:tnLst>
+      <p:par>
+        <p:cTn id="1" dur="indefinite" restart="never" nodeType="tmRoot"/>
+      </p:par>
+    </p:tnLst>
+  </p:timing>
+</p:sld>
+</file>
+
+<file path=ppt/slides/slide52.xml><?xml version="1.0" encoding="utf-8"?>
+<p:sld xmlns:a="http://schemas.openxmlformats.org/drawingml/2006/main" xmlns:r="http://schemas.openxmlformats.org/officeDocument/2006/relationships" xmlns:p="http://schemas.openxmlformats.org/presentationml/2006/main">
+  <p:cSld>
+    <p:spTree>
+      <p:nvGrpSpPr>
+        <p:cNvPr id="1" name=""/>
+        <p:cNvGrpSpPr/>
+        <p:nvPr/>
+      </p:nvGrpSpPr>
+      <p:grpSpPr>
+        <a:xfrm>
+          <a:off x="0" y="0"/>
+          <a:ext cx="0" cy="0"/>
+          <a:chOff x="0" y="0"/>
+          <a:chExt cx="0" cy="0"/>
+        </a:xfrm>
+      </p:grpSpPr>
+      <p:sp>
+        <p:nvSpPr>
+          <p:cNvPr id="2" name="Title 1"/>
+          <p:cNvSpPr>
+            <a:spLocks noGrp="1"/>
+          </p:cNvSpPr>
+          <p:nvPr>
+            <p:ph type="title"/>
+          </p:nvPr>
+        </p:nvSpPr>
         <p:spPr>
           <a:xfrm>
             <a:off x="457200" y="655638"/>
@@ -12413,7 +12680,7 @@
           <a:p>
             <a:fld id="{38324C1E-6E2F-465B-B7AC-362036DEB808}" type="slidenum">
               <a:rPr lang="en-US" smtClean="0"/>
-              <a:t>50</a:t>
+              <a:t>52</a:t>
             </a:fld>
             <a:endParaRPr lang="en-US"/>
           </a:p>
